--- a/Poster Doktorandentag.pptx
+++ b/Poster Doktorandentag.pptx
@@ -104,11 +104,27 @@
       </a:defRPr>
     </a:lvl9pPr>
   </p:defaultTextStyle>
+  <p:extLst>
+    <p:ext uri="{EFAFB233-063F-42B5-8137-9DF3F51BA10A}">
+      <p15:sldGuideLst xmlns:p15="http://schemas.microsoft.com/office/powerpoint/2012/main">
+        <p15:guide id="1" orient="horz" pos="13483">
+          <p15:clr>
+            <a:srgbClr val="A4A3A4"/>
+          </p15:clr>
+        </p15:guide>
+        <p15:guide id="2" pos="9537">
+          <p15:clr>
+            <a:srgbClr val="A4A3A4"/>
+          </p15:clr>
+        </p15:guide>
+      </p15:sldGuideLst>
+    </p:ext>
+  </p:extLst>
 </p:presentation>
 </file>
 
 <file path=ppt/charts/chart1.xml><?xml version="1.0" encoding="utf-8"?>
-<c:chartSpace xmlns:c="http://schemas.openxmlformats.org/drawingml/2006/chart" xmlns:a="http://schemas.openxmlformats.org/drawingml/2006/main" xmlns:r="http://schemas.openxmlformats.org/officeDocument/2006/relationships">
+<c:chartSpace xmlns:c="http://schemas.openxmlformats.org/drawingml/2006/chart" xmlns:a="http://schemas.openxmlformats.org/drawingml/2006/main" xmlns:r="http://schemas.openxmlformats.org/officeDocument/2006/relationships" xmlns:c16r2="http://schemas.microsoft.com/office/drawing/2015/06/chart">
   <c:date1904 val="0"/>
   <c:lang val="de-DE"/>
   <c:roundedCorners val="0"/>
@@ -1089,7 +1105,7 @@
             </c:numRef>
           </c:yVal>
           <c:smooth val="0"/>
-          <c:extLst xmlns:c16r2="http://schemas.microsoft.com/office/drawing/2015/06/chart">
+          <c:extLst>
             <c:ext xmlns:c16="http://schemas.microsoft.com/office/drawing/2014/chart" uri="{C3380CC4-5D6E-409C-BE32-E72D297353CC}">
               <c16:uniqueId val="{00000001-2904-437E-BEB1-57D015BBC962}"/>
             </c:ext>
@@ -2467,7 +2483,7 @@
             </c:numRef>
           </c:yVal>
           <c:smooth val="0"/>
-          <c:extLst xmlns:c16r2="http://schemas.microsoft.com/office/drawing/2015/06/chart">
+          <c:extLst>
             <c:ext xmlns:c16="http://schemas.microsoft.com/office/drawing/2014/chart" uri="{C3380CC4-5D6E-409C-BE32-E72D297353CC}">
               <c16:uniqueId val="{00000003-2904-437E-BEB1-57D015BBC962}"/>
             </c:ext>
@@ -3425,7 +3441,7 @@
             </c:numRef>
           </c:yVal>
           <c:smooth val="0"/>
-          <c:extLst xmlns:c16r2="http://schemas.microsoft.com/office/drawing/2015/06/chart">
+          <c:extLst>
             <c:ext xmlns:c16="http://schemas.microsoft.com/office/drawing/2014/chart" uri="{C3380CC4-5D6E-409C-BE32-E72D297353CC}">
               <c16:uniqueId val="{00000005-2904-437E-BEB1-57D015BBC962}"/>
             </c:ext>
@@ -3600,10 +3616,9 @@
           <a:lstStyle/>
           <a:p>
             <a:r>
-              <a:rPr lang="de-DE" smtClean="0"/>
+              <a:rPr lang="de-DE"/>
               <a:t>Titelmasterformat durch Klicken bearbeiten</a:t>
             </a:r>
-            <a:endParaRPr lang="de-DE"/>
           </a:p>
         </p:txBody>
       </p:sp>
@@ -3719,10 +3734,9 @@
           </a:lstStyle>
           <a:p>
             <a:r>
-              <a:rPr lang="de-DE" smtClean="0"/>
+              <a:rPr lang="de-DE"/>
               <a:t>Formatvorlage des Untertitelmasters durch Klicken bearbeiten</a:t>
             </a:r>
-            <a:endParaRPr lang="de-DE"/>
           </a:p>
         </p:txBody>
       </p:sp>
@@ -3837,10 +3851,9 @@
           <a:lstStyle/>
           <a:p>
             <a:r>
-              <a:rPr lang="de-DE" smtClean="0"/>
+              <a:rPr lang="de-DE"/>
               <a:t>Titelmasterformat durch Klicken bearbeiten</a:t>
             </a:r>
-            <a:endParaRPr lang="de-DE"/>
           </a:p>
         </p:txBody>
       </p:sp>
@@ -3861,38 +3874,37 @@
           <a:p>
             <a:pPr lvl="0"/>
             <a:r>
-              <a:rPr lang="de-DE" smtClean="0"/>
+              <a:rPr lang="de-DE"/>
               <a:t>Textmasterformat bearbeiten</a:t>
             </a:r>
           </a:p>
           <a:p>
             <a:pPr lvl="1"/>
             <a:r>
-              <a:rPr lang="de-DE" smtClean="0"/>
+              <a:rPr lang="de-DE"/>
               <a:t>Zweite Ebene</a:t>
             </a:r>
           </a:p>
           <a:p>
             <a:pPr lvl="2"/>
             <a:r>
-              <a:rPr lang="de-DE" smtClean="0"/>
+              <a:rPr lang="de-DE"/>
               <a:t>Dritte Ebene</a:t>
             </a:r>
           </a:p>
           <a:p>
             <a:pPr lvl="3"/>
             <a:r>
-              <a:rPr lang="de-DE" smtClean="0"/>
+              <a:rPr lang="de-DE"/>
               <a:t>Vierte Ebene</a:t>
             </a:r>
           </a:p>
           <a:p>
             <a:pPr lvl="4"/>
             <a:r>
-              <a:rPr lang="de-DE" smtClean="0"/>
+              <a:rPr lang="de-DE"/>
               <a:t>Fünfte Ebene</a:t>
             </a:r>
-            <a:endParaRPr lang="de-DE"/>
           </a:p>
         </p:txBody>
       </p:sp>
@@ -4012,10 +4024,9 @@
           <a:lstStyle/>
           <a:p>
             <a:r>
-              <a:rPr lang="de-DE" smtClean="0"/>
+              <a:rPr lang="de-DE"/>
               <a:t>Titelmasterformat durch Klicken bearbeiten</a:t>
             </a:r>
-            <a:endParaRPr lang="de-DE"/>
           </a:p>
         </p:txBody>
       </p:sp>
@@ -4041,38 +4052,37 @@
           <a:p>
             <a:pPr lvl="0"/>
             <a:r>
-              <a:rPr lang="de-DE" smtClean="0"/>
+              <a:rPr lang="de-DE"/>
               <a:t>Textmasterformat bearbeiten</a:t>
             </a:r>
           </a:p>
           <a:p>
             <a:pPr lvl="1"/>
             <a:r>
-              <a:rPr lang="de-DE" smtClean="0"/>
+              <a:rPr lang="de-DE"/>
               <a:t>Zweite Ebene</a:t>
             </a:r>
           </a:p>
           <a:p>
             <a:pPr lvl="2"/>
             <a:r>
-              <a:rPr lang="de-DE" smtClean="0"/>
+              <a:rPr lang="de-DE"/>
               <a:t>Dritte Ebene</a:t>
             </a:r>
           </a:p>
           <a:p>
             <a:pPr lvl="3"/>
             <a:r>
-              <a:rPr lang="de-DE" smtClean="0"/>
+              <a:rPr lang="de-DE"/>
               <a:t>Vierte Ebene</a:t>
             </a:r>
           </a:p>
           <a:p>
             <a:pPr lvl="4"/>
             <a:r>
-              <a:rPr lang="de-DE" smtClean="0"/>
+              <a:rPr lang="de-DE"/>
               <a:t>Fünfte Ebene</a:t>
             </a:r>
-            <a:endParaRPr lang="de-DE"/>
           </a:p>
         </p:txBody>
       </p:sp>
@@ -4187,10 +4197,9 @@
           <a:lstStyle/>
           <a:p>
             <a:r>
-              <a:rPr lang="de-DE" smtClean="0"/>
+              <a:rPr lang="de-DE"/>
               <a:t>Titelmasterformat durch Klicken bearbeiten</a:t>
             </a:r>
-            <a:endParaRPr lang="de-DE"/>
           </a:p>
         </p:txBody>
       </p:sp>
@@ -4211,38 +4220,37 @@
           <a:p>
             <a:pPr lvl="0"/>
             <a:r>
-              <a:rPr lang="de-DE" smtClean="0"/>
+              <a:rPr lang="de-DE"/>
               <a:t>Textmasterformat bearbeiten</a:t>
             </a:r>
           </a:p>
           <a:p>
             <a:pPr lvl="1"/>
             <a:r>
-              <a:rPr lang="de-DE" smtClean="0"/>
+              <a:rPr lang="de-DE"/>
               <a:t>Zweite Ebene</a:t>
             </a:r>
           </a:p>
           <a:p>
             <a:pPr lvl="2"/>
             <a:r>
-              <a:rPr lang="de-DE" smtClean="0"/>
+              <a:rPr lang="de-DE"/>
               <a:t>Dritte Ebene</a:t>
             </a:r>
           </a:p>
           <a:p>
             <a:pPr lvl="3"/>
             <a:r>
-              <a:rPr lang="de-DE" smtClean="0"/>
+              <a:rPr lang="de-DE"/>
               <a:t>Vierte Ebene</a:t>
             </a:r>
           </a:p>
           <a:p>
             <a:pPr lvl="4"/>
             <a:r>
-              <a:rPr lang="de-DE" smtClean="0"/>
+              <a:rPr lang="de-DE"/>
               <a:t>Fünfte Ebene</a:t>
             </a:r>
-            <a:endParaRPr lang="de-DE"/>
           </a:p>
         </p:txBody>
       </p:sp>
@@ -4366,10 +4374,9 @@
           </a:lstStyle>
           <a:p>
             <a:r>
-              <a:rPr lang="de-DE" smtClean="0"/>
+              <a:rPr lang="de-DE"/>
               <a:t>Titelmasterformat durch Klicken bearbeiten</a:t>
             </a:r>
-            <a:endParaRPr lang="de-DE"/>
           </a:p>
         </p:txBody>
       </p:sp>
@@ -4486,7 +4493,7 @@
           <a:p>
             <a:pPr lvl="0"/>
             <a:r>
-              <a:rPr lang="de-DE" smtClean="0"/>
+              <a:rPr lang="de-DE"/>
               <a:t>Textmasterformat bearbeiten</a:t>
             </a:r>
           </a:p>
@@ -4603,10 +4610,9 @@
           <a:lstStyle/>
           <a:p>
             <a:r>
-              <a:rPr lang="de-DE" smtClean="0"/>
+              <a:rPr lang="de-DE"/>
               <a:t>Titelmasterformat durch Klicken bearbeiten</a:t>
             </a:r>
-            <a:endParaRPr lang="de-DE"/>
           </a:p>
         </p:txBody>
       </p:sp>
@@ -4660,38 +4666,37 @@
           <a:p>
             <a:pPr lvl="0"/>
             <a:r>
-              <a:rPr lang="de-DE" smtClean="0"/>
+              <a:rPr lang="de-DE"/>
               <a:t>Textmasterformat bearbeiten</a:t>
             </a:r>
           </a:p>
           <a:p>
             <a:pPr lvl="1"/>
             <a:r>
-              <a:rPr lang="de-DE" smtClean="0"/>
+              <a:rPr lang="de-DE"/>
               <a:t>Zweite Ebene</a:t>
             </a:r>
           </a:p>
           <a:p>
             <a:pPr lvl="2"/>
             <a:r>
-              <a:rPr lang="de-DE" smtClean="0"/>
+              <a:rPr lang="de-DE"/>
               <a:t>Dritte Ebene</a:t>
             </a:r>
           </a:p>
           <a:p>
             <a:pPr lvl="3"/>
             <a:r>
-              <a:rPr lang="de-DE" smtClean="0"/>
+              <a:rPr lang="de-DE"/>
               <a:t>Vierte Ebene</a:t>
             </a:r>
           </a:p>
           <a:p>
             <a:pPr lvl="4"/>
             <a:r>
-              <a:rPr lang="de-DE" smtClean="0"/>
+              <a:rPr lang="de-DE"/>
               <a:t>Fünfte Ebene</a:t>
             </a:r>
-            <a:endParaRPr lang="de-DE"/>
           </a:p>
         </p:txBody>
       </p:sp>
@@ -4745,38 +4750,37 @@
           <a:p>
             <a:pPr lvl="0"/>
             <a:r>
-              <a:rPr lang="de-DE" smtClean="0"/>
+              <a:rPr lang="de-DE"/>
               <a:t>Textmasterformat bearbeiten</a:t>
             </a:r>
           </a:p>
           <a:p>
             <a:pPr lvl="1"/>
             <a:r>
-              <a:rPr lang="de-DE" smtClean="0"/>
+              <a:rPr lang="de-DE"/>
               <a:t>Zweite Ebene</a:t>
             </a:r>
           </a:p>
           <a:p>
             <a:pPr lvl="2"/>
             <a:r>
-              <a:rPr lang="de-DE" smtClean="0"/>
+              <a:rPr lang="de-DE"/>
               <a:t>Dritte Ebene</a:t>
             </a:r>
           </a:p>
           <a:p>
             <a:pPr lvl="3"/>
             <a:r>
-              <a:rPr lang="de-DE" smtClean="0"/>
+              <a:rPr lang="de-DE"/>
               <a:t>Vierte Ebene</a:t>
             </a:r>
           </a:p>
           <a:p>
             <a:pPr lvl="4"/>
             <a:r>
-              <a:rPr lang="de-DE" smtClean="0"/>
+              <a:rPr lang="de-DE"/>
               <a:t>Fünfte Ebene</a:t>
             </a:r>
-            <a:endParaRPr lang="de-DE"/>
           </a:p>
         </p:txBody>
       </p:sp>
@@ -4895,10 +4899,9 @@
           </a:lstStyle>
           <a:p>
             <a:r>
-              <a:rPr lang="de-DE" smtClean="0"/>
+              <a:rPr lang="de-DE"/>
               <a:t>Titelmasterformat durch Klicken bearbeiten</a:t>
             </a:r>
-            <a:endParaRPr lang="de-DE"/>
           </a:p>
         </p:txBody>
       </p:sp>
@@ -4961,7 +4964,7 @@
           <a:p>
             <a:pPr lvl="0"/>
             <a:r>
-              <a:rPr lang="de-DE" smtClean="0"/>
+              <a:rPr lang="de-DE"/>
               <a:t>Textmasterformat bearbeiten</a:t>
             </a:r>
           </a:p>
@@ -5017,38 +5020,37 @@
           <a:p>
             <a:pPr lvl="0"/>
             <a:r>
-              <a:rPr lang="de-DE" smtClean="0"/>
+              <a:rPr lang="de-DE"/>
               <a:t>Textmasterformat bearbeiten</a:t>
             </a:r>
           </a:p>
           <a:p>
             <a:pPr lvl="1"/>
             <a:r>
-              <a:rPr lang="de-DE" smtClean="0"/>
+              <a:rPr lang="de-DE"/>
               <a:t>Zweite Ebene</a:t>
             </a:r>
           </a:p>
           <a:p>
             <a:pPr lvl="2"/>
             <a:r>
-              <a:rPr lang="de-DE" smtClean="0"/>
+              <a:rPr lang="de-DE"/>
               <a:t>Dritte Ebene</a:t>
             </a:r>
           </a:p>
           <a:p>
             <a:pPr lvl="3"/>
             <a:r>
-              <a:rPr lang="de-DE" smtClean="0"/>
+              <a:rPr lang="de-DE"/>
               <a:t>Vierte Ebene</a:t>
             </a:r>
           </a:p>
           <a:p>
             <a:pPr lvl="4"/>
             <a:r>
-              <a:rPr lang="de-DE" smtClean="0"/>
+              <a:rPr lang="de-DE"/>
               <a:t>Fünfte Ebene</a:t>
             </a:r>
-            <a:endParaRPr lang="de-DE"/>
           </a:p>
         </p:txBody>
       </p:sp>
@@ -5111,7 +5113,7 @@
           <a:p>
             <a:pPr lvl="0"/>
             <a:r>
-              <a:rPr lang="de-DE" smtClean="0"/>
+              <a:rPr lang="de-DE"/>
               <a:t>Textmasterformat bearbeiten</a:t>
             </a:r>
           </a:p>
@@ -5167,38 +5169,37 @@
           <a:p>
             <a:pPr lvl="0"/>
             <a:r>
-              <a:rPr lang="de-DE" smtClean="0"/>
+              <a:rPr lang="de-DE"/>
               <a:t>Textmasterformat bearbeiten</a:t>
             </a:r>
           </a:p>
           <a:p>
             <a:pPr lvl="1"/>
             <a:r>
-              <a:rPr lang="de-DE" smtClean="0"/>
+              <a:rPr lang="de-DE"/>
               <a:t>Zweite Ebene</a:t>
             </a:r>
           </a:p>
           <a:p>
             <a:pPr lvl="2"/>
             <a:r>
-              <a:rPr lang="de-DE" smtClean="0"/>
+              <a:rPr lang="de-DE"/>
               <a:t>Dritte Ebene</a:t>
             </a:r>
           </a:p>
           <a:p>
             <a:pPr lvl="3"/>
             <a:r>
-              <a:rPr lang="de-DE" smtClean="0"/>
+              <a:rPr lang="de-DE"/>
               <a:t>Vierte Ebene</a:t>
             </a:r>
           </a:p>
           <a:p>
             <a:pPr lvl="4"/>
             <a:r>
-              <a:rPr lang="de-DE" smtClean="0"/>
+              <a:rPr lang="de-DE"/>
               <a:t>Fünfte Ebene</a:t>
             </a:r>
-            <a:endParaRPr lang="de-DE"/>
           </a:p>
         </p:txBody>
       </p:sp>
@@ -5313,10 +5314,9 @@
           <a:lstStyle/>
           <a:p>
             <a:r>
-              <a:rPr lang="de-DE" smtClean="0"/>
+              <a:rPr lang="de-DE"/>
               <a:t>Titelmasterformat durch Klicken bearbeiten</a:t>
             </a:r>
-            <a:endParaRPr lang="de-DE"/>
           </a:p>
         </p:txBody>
       </p:sp>
@@ -5535,10 +5535,9 @@
           </a:lstStyle>
           <a:p>
             <a:r>
-              <a:rPr lang="de-DE" smtClean="0"/>
+              <a:rPr lang="de-DE"/>
               <a:t>Titelmasterformat durch Klicken bearbeiten</a:t>
             </a:r>
-            <a:endParaRPr lang="de-DE"/>
           </a:p>
         </p:txBody>
       </p:sp>
@@ -5592,38 +5591,37 @@
           <a:p>
             <a:pPr lvl="0"/>
             <a:r>
-              <a:rPr lang="de-DE" smtClean="0"/>
+              <a:rPr lang="de-DE"/>
               <a:t>Textmasterformat bearbeiten</a:t>
             </a:r>
           </a:p>
           <a:p>
             <a:pPr lvl="1"/>
             <a:r>
-              <a:rPr lang="de-DE" smtClean="0"/>
+              <a:rPr lang="de-DE"/>
               <a:t>Zweite Ebene</a:t>
             </a:r>
           </a:p>
           <a:p>
             <a:pPr lvl="2"/>
             <a:r>
-              <a:rPr lang="de-DE" smtClean="0"/>
+              <a:rPr lang="de-DE"/>
               <a:t>Dritte Ebene</a:t>
             </a:r>
           </a:p>
           <a:p>
             <a:pPr lvl="3"/>
             <a:r>
-              <a:rPr lang="de-DE" smtClean="0"/>
+              <a:rPr lang="de-DE"/>
               <a:t>Vierte Ebene</a:t>
             </a:r>
           </a:p>
           <a:p>
             <a:pPr lvl="4"/>
             <a:r>
-              <a:rPr lang="de-DE" smtClean="0"/>
+              <a:rPr lang="de-DE"/>
               <a:t>Fünfte Ebene</a:t>
             </a:r>
-            <a:endParaRPr lang="de-DE"/>
           </a:p>
         </p:txBody>
       </p:sp>
@@ -5686,7 +5684,7 @@
           <a:p>
             <a:pPr lvl="0"/>
             <a:r>
-              <a:rPr lang="de-DE" smtClean="0"/>
+              <a:rPr lang="de-DE"/>
               <a:t>Textmasterformat bearbeiten</a:t>
             </a:r>
           </a:p>
@@ -5812,10 +5810,9 @@
           </a:lstStyle>
           <a:p>
             <a:r>
-              <a:rPr lang="de-DE" smtClean="0"/>
+              <a:rPr lang="de-DE"/>
               <a:t>Titelmasterformat durch Klicken bearbeiten</a:t>
             </a:r>
-            <a:endParaRPr lang="de-DE"/>
           </a:p>
         </p:txBody>
       </p:sp>
@@ -5939,7 +5936,7 @@
           <a:p>
             <a:pPr lvl="0"/>
             <a:r>
-              <a:rPr lang="de-DE" smtClean="0"/>
+              <a:rPr lang="de-DE"/>
               <a:t>Textmasterformat bearbeiten</a:t>
             </a:r>
           </a:p>
@@ -6089,10 +6086,9 @@
           <a:lstStyle/>
           <a:p>
             <a:r>
-              <a:rPr lang="de-DE" smtClean="0"/>
+              <a:rPr lang="de-DE"/>
               <a:t>Titelmasterformat durch Klicken bearbeiten</a:t>
             </a:r>
-            <a:endParaRPr lang="de-DE"/>
           </a:p>
         </p:txBody>
       </p:sp>
@@ -6123,38 +6119,37 @@
           <a:p>
             <a:pPr lvl="0"/>
             <a:r>
-              <a:rPr lang="de-DE" smtClean="0"/>
+              <a:rPr lang="de-DE"/>
               <a:t>Textmasterformat bearbeiten</a:t>
             </a:r>
           </a:p>
           <a:p>
             <a:pPr lvl="1"/>
             <a:r>
-              <a:rPr lang="de-DE" smtClean="0"/>
+              <a:rPr lang="de-DE"/>
               <a:t>Zweite Ebene</a:t>
             </a:r>
           </a:p>
           <a:p>
             <a:pPr lvl="2"/>
             <a:r>
-              <a:rPr lang="de-DE" smtClean="0"/>
+              <a:rPr lang="de-DE"/>
               <a:t>Dritte Ebene</a:t>
             </a:r>
           </a:p>
           <a:p>
             <a:pPr lvl="3"/>
             <a:r>
-              <a:rPr lang="de-DE" smtClean="0"/>
+              <a:rPr lang="de-DE"/>
               <a:t>Vierte Ebene</a:t>
             </a:r>
           </a:p>
           <a:p>
             <a:pPr lvl="4"/>
             <a:r>
-              <a:rPr lang="de-DE" smtClean="0"/>
+              <a:rPr lang="de-DE"/>
               <a:t>Fünfte Ebene</a:t>
             </a:r>
-            <a:endParaRPr lang="de-DE"/>
           </a:p>
         </p:txBody>
       </p:sp>
@@ -6729,79 +6724,28 @@
           <a:p>
             <a:pPr algn="ctr"/>
             <a:r>
-              <a:rPr lang="de-DE" sz="8000" dirty="0" err="1" smtClean="0"/>
+              <a:rPr lang="de-DE" sz="8000" dirty="0" err="1"/>
               <a:t>Citizen</a:t>
             </a:r>
             <a:r>
-              <a:rPr lang="de-DE" sz="8000" dirty="0" smtClean="0"/>
-              <a:t> Science für Schüler*innen - </a:t>
-            </a:r>
-            <a:r>
               <a:rPr lang="de-DE" sz="8000" dirty="0"/>
-              <a:t>U</a:t>
-            </a:r>
-            <a:r>
-              <a:rPr lang="de-DE" sz="8000" dirty="0" smtClean="0"/>
-              <a:t>mweltstudien mit mobiler Messtechnik</a:t>
+              <a:t> Science für Schüler*innen - Umweltstudien mit mobiler Messtechnik</a:t>
             </a:r>
           </a:p>
           <a:p>
             <a:pPr algn="ctr"/>
             <a:r>
-              <a:rPr lang="de-DE" sz="4400" dirty="0" smtClean="0"/>
+              <a:rPr lang="de-DE" sz="4400" dirty="0"/>
               <a:t>Sebastian Höfner, Prof. Dr. Andreas Schütze</a:t>
             </a:r>
           </a:p>
           <a:p>
             <a:pPr algn="ctr"/>
             <a:r>
-              <a:rPr lang="de-DE" sz="4400" dirty="0" smtClean="0"/>
+              <a:rPr lang="de-DE" sz="4400" dirty="0"/>
               <a:t>Lehrstuhl für Messtechnik, Universität des Saarlandes, Saarbrücken DE</a:t>
             </a:r>
             <a:endParaRPr lang="de-DE" sz="4000" dirty="0"/>
-          </a:p>
-        </p:txBody>
-      </p:sp>
-      <p:sp>
-        <p:nvSpPr>
-          <p:cNvPr id="21" name="Abgerundetes Rechteck 20"/>
-          <p:cNvSpPr/>
-          <p:nvPr/>
-        </p:nvSpPr>
-        <p:spPr>
-          <a:xfrm>
-            <a:off x="2849827" y="12064586"/>
-            <a:ext cx="11075025" cy="6848141"/>
-          </a:xfrm>
-          <a:prstGeom prst="roundRect">
-            <a:avLst/>
-          </a:prstGeom>
-          <a:solidFill>
-            <a:schemeClr val="bg1"/>
-          </a:solidFill>
-        </p:spPr>
-        <p:style>
-          <a:lnRef idx="2">
-            <a:schemeClr val="accent1">
-              <a:shade val="50000"/>
-            </a:schemeClr>
-          </a:lnRef>
-          <a:fillRef idx="1">
-            <a:schemeClr val="accent1"/>
-          </a:fillRef>
-          <a:effectRef idx="0">
-            <a:schemeClr val="accent1"/>
-          </a:effectRef>
-          <a:fontRef idx="minor">
-            <a:schemeClr val="lt1"/>
-          </a:fontRef>
-        </p:style>
-        <p:txBody>
-          <a:bodyPr rtlCol="0" anchor="ctr"/>
-          <a:lstStyle/>
-          <a:p>
-            <a:pPr algn="ctr"/>
-            <a:endParaRPr lang="de-DE"/>
           </a:p>
         </p:txBody>
       </p:sp>
@@ -6813,8 +6757,8 @@
         </p:nvSpPr>
         <p:spPr>
           <a:xfrm rot="5400000">
-            <a:off x="16068626" y="22783881"/>
-            <a:ext cx="26054122" cy="1862048"/>
+            <a:off x="15494849" y="23357658"/>
+            <a:ext cx="27201676" cy="1862048"/>
           </a:xfrm>
           <a:prstGeom prst="rect">
             <a:avLst/>
@@ -6829,10 +6773,9 @@
           <a:p>
             <a:pPr algn="ctr"/>
             <a:r>
-              <a:rPr lang="de-DE" sz="11500" i="1" dirty="0" smtClean="0"/>
+              <a:rPr lang="de-DE" sz="11500" i="1" dirty="0"/>
               <a:t>Schülerumweltstudien</a:t>
             </a:r>
-            <a:endParaRPr lang="de-DE" sz="11500" i="1" dirty="0"/>
           </a:p>
         </p:txBody>
       </p:sp>
@@ -6844,8 +6787,8 @@
         </p:nvSpPr>
         <p:spPr>
           <a:xfrm rot="16200000">
-            <a:off x="-12238212" y="22659274"/>
-            <a:ext cx="26332079" cy="1862048"/>
+            <a:off x="-12804803" y="23225865"/>
+            <a:ext cx="27465262" cy="1862048"/>
           </a:xfrm>
           <a:prstGeom prst="rect">
             <a:avLst/>
@@ -6860,10 +6803,9 @@
           <a:p>
             <a:pPr algn="ctr"/>
             <a:r>
-              <a:rPr lang="de-DE" sz="11500" i="1" dirty="0" smtClean="0"/>
-              <a:t>Theoretischen Grundlagen</a:t>
-            </a:r>
-            <a:endParaRPr lang="de-DE" sz="11500" i="1" dirty="0"/>
+              <a:rPr lang="de-DE" sz="11500" i="1" dirty="0"/>
+              <a:t>Theoretische Grundlagen</a:t>
+            </a:r>
           </a:p>
         </p:txBody>
       </p:sp>
@@ -6875,8 +6817,8 @@
         </p:nvSpPr>
         <p:spPr>
           <a:xfrm>
-            <a:off x="2361209" y="10687844"/>
-            <a:ext cx="11986689" cy="1323439"/>
+            <a:off x="2379145" y="10383416"/>
+            <a:ext cx="11986689" cy="1261884"/>
           </a:xfrm>
           <a:prstGeom prst="rect">
             <a:avLst/>
@@ -6891,17 +6833,16 @@
           <a:p>
             <a:pPr algn="ctr"/>
             <a:r>
-              <a:rPr lang="de-DE" sz="4000" i="1" dirty="0" smtClean="0"/>
+              <a:rPr lang="de-DE" sz="3800" i="1" dirty="0"/>
               <a:t>Modul 1 </a:t>
             </a:r>
           </a:p>
           <a:p>
             <a:pPr algn="ctr"/>
             <a:r>
-              <a:rPr lang="de-DE" sz="4000" dirty="0" smtClean="0"/>
+              <a:rPr lang="de-DE" sz="3800" dirty="0"/>
               <a:t>Funktionsweise eines Halbleiter Gassensors</a:t>
             </a:r>
-            <a:endParaRPr lang="de-DE" sz="4000" dirty="0"/>
           </a:p>
         </p:txBody>
       </p:sp>
@@ -6913,8 +6854,8 @@
         </p:nvSpPr>
         <p:spPr>
           <a:xfrm>
-            <a:off x="2485739" y="18912727"/>
-            <a:ext cx="11986690" cy="1323439"/>
+            <a:off x="2408575" y="18394998"/>
+            <a:ext cx="11986690" cy="1261884"/>
           </a:xfrm>
           <a:prstGeom prst="rect">
             <a:avLst/>
@@ -6929,17 +6870,16 @@
           <a:p>
             <a:pPr algn="ctr"/>
             <a:r>
-              <a:rPr lang="de-DE" sz="4000" i="1" dirty="0" smtClean="0"/>
+              <a:rPr lang="de-DE" sz="3800" i="1" dirty="0"/>
               <a:t>Modul 2a </a:t>
             </a:r>
           </a:p>
           <a:p>
             <a:pPr algn="ctr"/>
             <a:r>
-              <a:rPr lang="de-DE" sz="4000" dirty="0" smtClean="0"/>
+              <a:rPr lang="de-DE" sz="3800" dirty="0"/>
               <a:t>Kalibrierung eines Halbleiter Gassensors</a:t>
             </a:r>
-            <a:endParaRPr lang="de-DE" sz="4000" dirty="0"/>
           </a:p>
         </p:txBody>
       </p:sp>
@@ -6951,8 +6891,8 @@
         </p:nvSpPr>
         <p:spPr>
           <a:xfrm>
-            <a:off x="2343273" y="28343943"/>
-            <a:ext cx="11986690" cy="1938992"/>
+            <a:off x="2345655" y="27868480"/>
+            <a:ext cx="11986690" cy="1261884"/>
           </a:xfrm>
           <a:prstGeom prst="rect">
             <a:avLst/>
@@ -6967,15 +6907,15 @@
           <a:p>
             <a:pPr algn="ctr"/>
             <a:r>
-              <a:rPr lang="de-DE" sz="4000" i="1" dirty="0" smtClean="0"/>
+              <a:rPr lang="de-DE" sz="3800" i="1" dirty="0"/>
               <a:t>Modul 2b </a:t>
             </a:r>
           </a:p>
           <a:p>
             <a:pPr algn="ctr"/>
             <a:r>
-              <a:rPr lang="de-DE" sz="4000" dirty="0" smtClean="0"/>
-              <a:t>Umweltmesstechnik und Bewertung der Innenraumluftqualität</a:t>
+              <a:rPr lang="de-DE" sz="3800" dirty="0"/>
+              <a:t>Umweltmesstechnik und Innenraumluftqualität</a:t>
             </a:r>
           </a:p>
         </p:txBody>
@@ -6989,7 +6929,7 @@
         <p:spPr>
           <a:xfrm>
             <a:off x="2258328" y="6012553"/>
-            <a:ext cx="25906335" cy="3969598"/>
+            <a:ext cx="25906335" cy="3775455"/>
           </a:xfrm>
           <a:prstGeom prst="roundRect">
             <a:avLst/>
@@ -7084,92 +7024,6 @@
       </p:pic>
       <p:sp>
         <p:nvSpPr>
-          <p:cNvPr id="60" name="Abgerundetes Rechteck 59"/>
-          <p:cNvSpPr/>
-          <p:nvPr/>
-        </p:nvSpPr>
-        <p:spPr>
-          <a:xfrm>
-            <a:off x="2901268" y="20279563"/>
-            <a:ext cx="11023584" cy="7970895"/>
-          </a:xfrm>
-          <a:prstGeom prst="roundRect">
-            <a:avLst/>
-          </a:prstGeom>
-          <a:solidFill>
-            <a:schemeClr val="bg1"/>
-          </a:solidFill>
-        </p:spPr>
-        <p:style>
-          <a:lnRef idx="2">
-            <a:schemeClr val="accent1">
-              <a:shade val="50000"/>
-            </a:schemeClr>
-          </a:lnRef>
-          <a:fillRef idx="1">
-            <a:schemeClr val="accent1"/>
-          </a:fillRef>
-          <a:effectRef idx="0">
-            <a:schemeClr val="accent1"/>
-          </a:effectRef>
-          <a:fontRef idx="minor">
-            <a:schemeClr val="lt1"/>
-          </a:fontRef>
-        </p:style>
-        <p:txBody>
-          <a:bodyPr rtlCol="0" anchor="ctr"/>
-          <a:lstStyle/>
-          <a:p>
-            <a:pPr algn="ctr"/>
-            <a:endParaRPr lang="de-DE"/>
-          </a:p>
-        </p:txBody>
-      </p:sp>
-      <p:sp>
-        <p:nvSpPr>
-          <p:cNvPr id="61" name="Abgerundetes Rechteck 60"/>
-          <p:cNvSpPr/>
-          <p:nvPr/>
-        </p:nvSpPr>
-        <p:spPr>
-          <a:xfrm>
-            <a:off x="2916386" y="30289110"/>
-            <a:ext cx="11023584" cy="7300382"/>
-          </a:xfrm>
-          <a:prstGeom prst="roundRect">
-            <a:avLst/>
-          </a:prstGeom>
-          <a:solidFill>
-            <a:schemeClr val="bg1"/>
-          </a:solidFill>
-        </p:spPr>
-        <p:style>
-          <a:lnRef idx="2">
-            <a:schemeClr val="accent1">
-              <a:shade val="50000"/>
-            </a:schemeClr>
-          </a:lnRef>
-          <a:fillRef idx="1">
-            <a:schemeClr val="accent1"/>
-          </a:fillRef>
-          <a:effectRef idx="0">
-            <a:schemeClr val="accent1"/>
-          </a:effectRef>
-          <a:fontRef idx="minor">
-            <a:schemeClr val="lt1"/>
-          </a:fontRef>
-        </p:style>
-        <p:txBody>
-          <a:bodyPr rtlCol="0" anchor="ctr"/>
-          <a:lstStyle/>
-          <a:p>
-            <a:pPr algn="ctr"/>
-            <a:endParaRPr lang="de-DE"/>
-          </a:p>
-        </p:txBody>
-      </p:sp>
-      <p:sp>
-        <p:nvSpPr>
           <p:cNvPr id="56" name="Textfeld 55"/>
           <p:cNvSpPr txBox="1"/>
           <p:nvPr/>
@@ -7192,10 +7046,10 @@
           <a:p>
             <a:pPr algn="ctr"/>
             <a:r>
-              <a:rPr lang="de-DE" sz="4400" i="1" dirty="0" smtClean="0"/>
+              <a:rPr lang="de-DE" sz="4400" i="1" dirty="0"/>
               <a:t>Kontaktinformationen</a:t>
             </a:r>
-            <a:endParaRPr lang="de-DE" sz="3200" i="1" dirty="0" smtClean="0"/>
+            <a:endParaRPr lang="de-DE" sz="3200" i="1" dirty="0"/>
           </a:p>
         </p:txBody>
       </p:sp>
@@ -7222,38 +7076,37 @@
           <a:lstStyle/>
           <a:p>
             <a:r>
-              <a:rPr lang="de-DE" sz="3200" dirty="0" smtClean="0"/>
+              <a:rPr lang="de-DE" sz="3200" dirty="0"/>
               <a:t>Sebastian Höfner</a:t>
             </a:r>
           </a:p>
           <a:p>
             <a:r>
-              <a:rPr lang="de-DE" sz="3200" dirty="0" smtClean="0"/>
+              <a:rPr lang="de-DE" sz="3200" dirty="0"/>
               <a:t>Lehrstuhl für Messtechnik</a:t>
             </a:r>
           </a:p>
           <a:p>
             <a:r>
-              <a:rPr lang="de-DE" sz="3200" dirty="0" smtClean="0"/>
+              <a:rPr lang="de-DE" sz="3200" dirty="0"/>
               <a:t>Abteilung Systems Engineering</a:t>
             </a:r>
           </a:p>
           <a:p>
             <a:r>
-              <a:rPr lang="de-DE" sz="3200" dirty="0" smtClean="0"/>
+              <a:rPr lang="de-DE" sz="3200" dirty="0"/>
               <a:t>Webseite: </a:t>
             </a:r>
             <a:r>
-              <a:rPr lang="de-DE" sz="3200" dirty="0" smtClean="0">
+              <a:rPr lang="de-DE" sz="3200" dirty="0">
                 <a:hlinkClick r:id="rId3"/>
               </a:rPr>
               <a:t>www.LMT.uni-saarland.de</a:t>
             </a:r>
             <a:r>
-              <a:rPr lang="de-DE" sz="3200" dirty="0" smtClean="0"/>
+              <a:rPr lang="de-DE" sz="3200" dirty="0"/>
               <a:t> </a:t>
             </a:r>
-            <a:endParaRPr lang="de-DE" sz="3200" dirty="0" smtClean="0"/>
           </a:p>
         </p:txBody>
       </p:sp>
@@ -7280,19 +7133,19 @@
           <a:lstStyle/>
           <a:p>
             <a:r>
-              <a:rPr lang="de-DE" sz="3200" dirty="0" smtClean="0"/>
+              <a:rPr lang="de-DE" sz="3200" dirty="0"/>
               <a:t>Universität des Saarlandes</a:t>
             </a:r>
           </a:p>
           <a:p>
             <a:r>
-              <a:rPr lang="de-DE" sz="3200" dirty="0" smtClean="0"/>
+              <a:rPr lang="de-DE" sz="3200" dirty="0"/>
               <a:t>Campus A5.1 | Raum 2.29</a:t>
             </a:r>
           </a:p>
           <a:p>
             <a:r>
-              <a:rPr lang="de-DE" sz="3200" dirty="0" smtClean="0"/>
+              <a:rPr lang="de-DE" sz="3200" dirty="0"/>
               <a:t>66123 Saarbrücken</a:t>
             </a:r>
           </a:p>
@@ -7321,42 +7174,42 @@
           <a:lstStyle/>
           <a:p>
             <a:r>
-              <a:rPr lang="de-DE" sz="3200" dirty="0" smtClean="0"/>
+              <a:rPr lang="de-DE" sz="3200" dirty="0"/>
               <a:t>Tel.: +49 681 302 – 2235</a:t>
             </a:r>
           </a:p>
           <a:p>
             <a:r>
-              <a:rPr lang="de-DE" sz="3200" dirty="0" smtClean="0"/>
+              <a:rPr lang="de-DE" sz="3200" dirty="0"/>
               <a:t>Fax: +49 681 302 – 4665</a:t>
             </a:r>
           </a:p>
           <a:p>
             <a:r>
-              <a:rPr lang="de-DE" sz="3200" dirty="0" smtClean="0"/>
+              <a:rPr lang="de-DE" sz="3200" dirty="0"/>
               <a:t>Mail: </a:t>
             </a:r>
             <a:r>
-              <a:rPr lang="de-DE" sz="3200" dirty="0" smtClean="0">
+              <a:rPr lang="de-DE" sz="3200" dirty="0">
                 <a:hlinkClick r:id="rId4"/>
               </a:rPr>
               <a:t>s.hoefner@lmt.uni-saarland.de</a:t>
             </a:r>
-            <a:endParaRPr lang="de-DE" sz="3200" dirty="0" smtClean="0"/>
-          </a:p>
-          <a:p>
-            <a:r>
-              <a:rPr lang="de-DE" sz="3200" dirty="0" smtClean="0"/>
-              <a:t>Projektseite: </a:t>
-            </a:r>
-            <a:r>
-              <a:rPr lang="de-DE" sz="3200" dirty="0" smtClean="0">
+            <a:endParaRPr lang="de-DE" sz="3200" dirty="0"/>
+          </a:p>
+          <a:p>
+            <a:r>
+              <a:rPr lang="de-DE" sz="3200" dirty="0"/>
+              <a:t>Projektwebseite: </a:t>
+            </a:r>
+            <a:r>
+              <a:rPr lang="de-DE" sz="3200" dirty="0">
                 <a:hlinkClick r:id="rId5"/>
               </a:rPr>
               <a:t>www.susmobil.de</a:t>
             </a:r>
             <a:r>
-              <a:rPr lang="de-DE" sz="3200" dirty="0" smtClean="0"/>
+              <a:rPr lang="de-DE" sz="3200" dirty="0"/>
               <a:t> </a:t>
             </a:r>
           </a:p>
@@ -7400,8 +7253,8 @@
         </p:nvSpPr>
         <p:spPr>
           <a:xfrm>
-            <a:off x="2544921" y="6168084"/>
-            <a:ext cx="23036225" cy="3539430"/>
+            <a:off x="2888705" y="6127397"/>
+            <a:ext cx="11821532" cy="3539430"/>
           </a:xfrm>
           <a:prstGeom prst="rect">
             <a:avLst/>
@@ -7416,101 +7269,67 @@
           <a:p>
             <a:pPr algn="just"/>
             <a:r>
-              <a:rPr lang="de-DE" sz="2800" dirty="0" err="1" smtClean="0">
+              <a:rPr lang="de-DE" sz="2800" dirty="0" err="1">
                 <a:effectLst/>
               </a:rPr>
               <a:t>SUSmobil</a:t>
             </a:r>
             <a:r>
-              <a:rPr lang="de-DE" sz="2800" dirty="0" smtClean="0">
+              <a:rPr lang="de-DE" sz="2800" dirty="0">
                 <a:effectLst/>
               </a:rPr>
               <a:t> steht für „Schülerumweltstudien mit mobilen Messgeräten“ und verfolgt das Ziel, Schülerinnen und Schüler zu motivieren eigene Umweltfragestellungen zu entwerfen und mit professioneller Hilfe zu beantworten. Damit sie dabei nicht nur als Datensammler agieren, bietet das Projekt die Möglichkeit </a:t>
             </a:r>
             <a:r>
-              <a:rPr lang="de-DE" sz="2800" dirty="0" smtClean="0"/>
+              <a:rPr lang="de-DE" sz="2800" dirty="0"/>
               <a:t>die theoretischen Grundlagen der Gasmesstechnik zu lernen, um zu verstehen wie ein Gassensor funktioniert, und wie eine Kalibrierung von statten geht. </a:t>
             </a:r>
           </a:p>
           <a:p>
             <a:pPr algn="just"/>
             <a:r>
-              <a:rPr lang="de-DE" sz="2800" dirty="0" smtClean="0">
+              <a:rPr lang="de-DE" sz="2800" dirty="0">
                 <a:effectLst/>
               </a:rPr>
-              <a:t>Durch das "Internet </a:t>
-            </a:r>
-            <a:r>
-              <a:rPr lang="de-DE" sz="2800" dirty="0" err="1" smtClean="0">
+              <a:t>Durch  das </a:t>
+            </a:r>
+            <a:r>
+              <a:rPr lang="de-DE" sz="2800" dirty="0"/>
+              <a:t>„</a:t>
+            </a:r>
+            <a:r>
+              <a:rPr lang="de-DE" sz="2800" dirty="0">
+                <a:effectLst/>
+              </a:rPr>
+              <a:t>Internet </a:t>
+            </a:r>
+            <a:r>
+              <a:rPr lang="de-DE" sz="2800" dirty="0" err="1">
                 <a:effectLst/>
               </a:rPr>
               <a:t>of</a:t>
             </a:r>
             <a:r>
-              <a:rPr lang="de-DE" sz="2800" dirty="0" smtClean="0">
+              <a:rPr lang="de-DE" sz="2800" dirty="0"/>
+              <a:t> </a:t>
+            </a:r>
+            <a:r>
+              <a:rPr lang="de-DE" sz="2800" dirty="0">
                 <a:effectLst/>
               </a:rPr>
-              <a:t> Things" (</a:t>
-            </a:r>
-            <a:r>
-              <a:rPr lang="de-DE" sz="2800" dirty="0" err="1" smtClean="0">
+              <a:t> Things“  (</a:t>
+            </a:r>
+            <a:r>
+              <a:rPr lang="de-DE" sz="2800" dirty="0" err="1">
                 <a:effectLst/>
               </a:rPr>
               <a:t>IoT</a:t>
             </a:r>
             <a:r>
-              <a:rPr lang="de-DE" sz="2800" dirty="0" smtClean="0">
+              <a:rPr lang="de-DE" sz="2800" dirty="0">
                 <a:effectLst/>
               </a:rPr>
-              <a:t>) ist es möglich aufgenommene Daten auf Servern zu speichern und anschließend über das </a:t>
-            </a:r>
-            <a:r>
-              <a:rPr lang="de-DE" sz="2800" b="1" dirty="0" smtClean="0">
-                <a:effectLst/>
-              </a:rPr>
-              <a:t>Smartphone</a:t>
-            </a:r>
-            <a:r>
-              <a:rPr lang="de-DE" sz="2800" dirty="0" smtClean="0">
-                <a:effectLst/>
-              </a:rPr>
-              <a:t> oder den Laptop abzurufen. Die Mobilität und Allgegenwärtigkeit von Smartphones und Tablets macht es möglich, Lernen als einen Prozess erlebbar zu machen, der in verschiedensten Szenarien „</a:t>
-            </a:r>
-            <a:r>
-              <a:rPr lang="de-DE" sz="2800" dirty="0" err="1" smtClean="0">
-                <a:effectLst/>
-              </a:rPr>
-              <a:t>seamless</a:t>
-            </a:r>
-            <a:r>
-              <a:rPr lang="de-DE" sz="2800" dirty="0" smtClean="0">
-                <a:effectLst/>
-              </a:rPr>
-              <a:t>“, also „nahtlos“, stattfinden kann und nicht nur auf den Klassenraum oder Hörsaal begrenzt bleibt.  Mobile Technologie fungiert dabei als Mediator eines solchen Lernprozesses im Sinne des Ansatzes von „Mobile </a:t>
-            </a:r>
-            <a:r>
-              <a:rPr lang="de-DE" sz="2800" dirty="0" err="1" smtClean="0">
-                <a:effectLst/>
-              </a:rPr>
-              <a:t>Assisted</a:t>
-            </a:r>
-            <a:r>
-              <a:rPr lang="de-DE" sz="2800" dirty="0" smtClean="0">
-                <a:effectLst/>
-              </a:rPr>
-              <a:t> </a:t>
-            </a:r>
-            <a:r>
-              <a:rPr lang="de-DE" sz="2800" dirty="0" err="1" smtClean="0">
-                <a:effectLst/>
-              </a:rPr>
-              <a:t>Seamless</a:t>
-            </a:r>
-            <a:r>
-              <a:rPr lang="de-DE" sz="2800" dirty="0" smtClean="0">
-                <a:effectLst/>
-              </a:rPr>
-              <a:t> Learning“.</a:t>
+              <a:t>)  ist  es  möglich  aufgenommene Daten auf</a:t>
             </a:r>
           </a:p>
         </p:txBody>
@@ -7684,92 +7503,6 @@
           </a:p>
         </p:txBody>
       </p:sp>
-      <p:sp>
-        <p:nvSpPr>
-          <p:cNvPr id="88" name="Abgerundetes Rechteck 87"/>
-          <p:cNvSpPr/>
-          <p:nvPr/>
-        </p:nvSpPr>
-        <p:spPr>
-          <a:xfrm>
-            <a:off x="16287829" y="11465750"/>
-            <a:ext cx="11087745" cy="3495480"/>
-          </a:xfrm>
-          <a:prstGeom prst="roundRect">
-            <a:avLst/>
-          </a:prstGeom>
-          <a:solidFill>
-            <a:schemeClr val="bg1"/>
-          </a:solidFill>
-        </p:spPr>
-        <p:style>
-          <a:lnRef idx="2">
-            <a:schemeClr val="accent1">
-              <a:shade val="50000"/>
-            </a:schemeClr>
-          </a:lnRef>
-          <a:fillRef idx="1">
-            <a:schemeClr val="accent1"/>
-          </a:fillRef>
-          <a:effectRef idx="0">
-            <a:schemeClr val="accent1"/>
-          </a:effectRef>
-          <a:fontRef idx="minor">
-            <a:schemeClr val="lt1"/>
-          </a:fontRef>
-        </p:style>
-        <p:txBody>
-          <a:bodyPr rtlCol="0" anchor="ctr"/>
-          <a:lstStyle/>
-          <a:p>
-            <a:pPr algn="ctr"/>
-            <a:endParaRPr lang="de-DE"/>
-          </a:p>
-        </p:txBody>
-      </p:sp>
-      <p:sp>
-        <p:nvSpPr>
-          <p:cNvPr id="89" name="Abgerundetes Rechteck 88"/>
-          <p:cNvSpPr/>
-          <p:nvPr/>
-        </p:nvSpPr>
-        <p:spPr>
-          <a:xfrm>
-            <a:off x="16287831" y="15956453"/>
-            <a:ext cx="11087744" cy="10234733"/>
-          </a:xfrm>
-          <a:prstGeom prst="roundRect">
-            <a:avLst/>
-          </a:prstGeom>
-          <a:solidFill>
-            <a:schemeClr val="bg1"/>
-          </a:solidFill>
-        </p:spPr>
-        <p:style>
-          <a:lnRef idx="2">
-            <a:schemeClr val="accent1">
-              <a:shade val="50000"/>
-            </a:schemeClr>
-          </a:lnRef>
-          <a:fillRef idx="1">
-            <a:schemeClr val="accent1"/>
-          </a:fillRef>
-          <a:effectRef idx="0">
-            <a:schemeClr val="accent1"/>
-          </a:effectRef>
-          <a:fontRef idx="minor">
-            <a:schemeClr val="lt1"/>
-          </a:fontRef>
-        </p:style>
-        <p:txBody>
-          <a:bodyPr rtlCol="0" anchor="ctr"/>
-          <a:lstStyle/>
-          <a:p>
-            <a:pPr algn="ctr"/>
-            <a:endParaRPr lang="de-DE"/>
-          </a:p>
-        </p:txBody>
-      </p:sp>
       <p:cxnSp>
         <p:nvCxnSpPr>
           <p:cNvPr id="98" name="Gerade Verbindung 97"/>
@@ -7808,7 +7541,7 @@
         </p:nvSpPr>
         <p:spPr>
           <a:xfrm>
-            <a:off x="15789065" y="10696019"/>
+            <a:off x="15789065" y="10848145"/>
             <a:ext cx="12023363" cy="707886"/>
           </a:xfrm>
           <a:prstGeom prst="rect">
@@ -7824,10 +7557,9 @@
           <a:p>
             <a:pPr algn="ctr"/>
             <a:r>
-              <a:rPr lang="de-DE" sz="4000" i="1" dirty="0" smtClean="0"/>
+              <a:rPr lang="de-DE" sz="4000" i="1" dirty="0"/>
               <a:t>Schadstoffkarte</a:t>
             </a:r>
-            <a:endParaRPr lang="de-DE" sz="4000" i="1" dirty="0"/>
           </a:p>
         </p:txBody>
       </p:sp>
@@ -7839,7 +7571,7 @@
         </p:nvSpPr>
         <p:spPr>
           <a:xfrm>
-            <a:off x="15841944" y="15171238"/>
+            <a:off x="15888024" y="15296189"/>
             <a:ext cx="12023363" cy="707886"/>
           </a:xfrm>
           <a:prstGeom prst="rect">
@@ -7855,10 +7587,9 @@
           <a:p>
             <a:pPr algn="ctr"/>
             <a:r>
-              <a:rPr lang="de-DE" sz="4000" i="1" dirty="0" smtClean="0"/>
+              <a:rPr lang="de-DE" sz="4000" i="1" dirty="0"/>
               <a:t>Luftzusammensetzung in Bienenstöcken</a:t>
             </a:r>
-            <a:endParaRPr lang="de-DE" sz="4000" i="1" dirty="0"/>
           </a:p>
         </p:txBody>
       </p:sp>
@@ -7870,7 +7601,7 @@
         </p:nvSpPr>
         <p:spPr>
           <a:xfrm>
-            <a:off x="15765548" y="26290561"/>
+            <a:off x="15698539" y="25775050"/>
             <a:ext cx="12023363" cy="707886"/>
           </a:xfrm>
           <a:prstGeom prst="rect">
@@ -7886,22 +7617,21 @@
           <a:p>
             <a:pPr algn="ctr"/>
             <a:r>
-              <a:rPr lang="de-DE" sz="4000" i="1" dirty="0" smtClean="0"/>
+              <a:rPr lang="de-DE" sz="4000" i="1" dirty="0"/>
               <a:t>Einfluss von Pflanzen auf die Luftqualität</a:t>
             </a:r>
-            <a:endParaRPr lang="de-DE" sz="4000" i="1" dirty="0"/>
-          </a:p>
-        </p:txBody>
-      </p:sp>
-      <p:sp>
-        <p:nvSpPr>
-          <p:cNvPr id="102" name="Textfeld 101"/>
+          </a:p>
+        </p:txBody>
+      </p:sp>
+      <p:sp>
+        <p:nvSpPr>
+          <p:cNvPr id="190" name="Textfeld 189"/>
           <p:cNvSpPr txBox="1"/>
           <p:nvPr/>
         </p:nvSpPr>
         <p:spPr>
           <a:xfrm>
-            <a:off x="16025395" y="30536395"/>
+            <a:off x="15765548" y="32379318"/>
             <a:ext cx="12023363" cy="707886"/>
           </a:xfrm>
           <a:prstGeom prst="rect">
@@ -7917,16 +7647,15 @@
           <a:p>
             <a:pPr algn="ctr"/>
             <a:r>
-              <a:rPr lang="de-DE" sz="4000" i="1" dirty="0" smtClean="0"/>
+              <a:rPr lang="de-DE" sz="4000" i="1" dirty="0"/>
               <a:t>Mobiler Kohlenmonoxid Melder</a:t>
             </a:r>
-            <a:endParaRPr lang="de-DE" sz="4000" i="1" dirty="0"/>
           </a:p>
         </p:txBody>
       </p:sp>
       <p:pic>
         <p:nvPicPr>
-          <p:cNvPr id="1052" name="Picture 15" descr="https://image.jimcdn.com/app/cms/image/transf/dimension=161x10000:format=png/path/s27aa108ee3a8a9fa/image/i987a88b7570f5bd9/version/1567077678/image.png"/>
+          <p:cNvPr id="1061" name="Picture 37" descr="https://image.jimcdn.com/app/cms/image/transf/dimension=173x10000:format=jpg/path/s27aa108ee3a8a9fa/image/i76cfe0a3f2e44e0a/version/1567069322/image.jpg"/>
           <p:cNvPicPr>
             <a:picLocks noChangeAspect="1" noChangeArrowheads="1"/>
           </p:cNvPicPr>
@@ -7947,8 +7676,1680 @@
         </p:blipFill>
         <p:spPr bwMode="auto">
           <a:xfrm>
-            <a:off x="25334141" y="13227062"/>
-            <a:ext cx="1295694" cy="1577367"/>
+            <a:off x="25768699" y="6110752"/>
+            <a:ext cx="1722271" cy="3544095"/>
+          </a:xfrm>
+          <a:prstGeom prst="rect">
+            <a:avLst/>
+          </a:prstGeom>
+          <a:noFill/>
+          <a:extLst>
+            <a:ext uri="{909E8E84-426E-40DD-AFC4-6F175D3DCCD1}">
+              <a14:hiddenFill xmlns:a14="http://schemas.microsoft.com/office/drawing/2010/main">
+                <a:solidFill>
+                  <a:srgbClr val="FFFFFF"/>
+                </a:solidFill>
+              </a14:hiddenFill>
+            </a:ext>
+          </a:extLst>
+        </p:spPr>
+      </p:pic>
+      <p:sp>
+        <p:nvSpPr>
+          <p:cNvPr id="2" name="Rechteck 1">
+            <a:extLst>
+              <a:ext uri="{FF2B5EF4-FFF2-40B4-BE49-F238E27FC236}">
+                <a16:creationId xmlns:a16="http://schemas.microsoft.com/office/drawing/2014/main" id="{1880F7FF-10DF-4EE5-9B2D-9F2CB3806D10}"/>
+              </a:ext>
+            </a:extLst>
+          </p:cNvPr>
+          <p:cNvSpPr/>
+          <p:nvPr/>
+        </p:nvSpPr>
+        <p:spPr>
+          <a:xfrm>
+            <a:off x="2711044" y="11628806"/>
+            <a:ext cx="11255911" cy="6779307"/>
+          </a:xfrm>
+          <a:prstGeom prst="rect">
+            <a:avLst/>
+          </a:prstGeom>
+          <a:solidFill>
+            <a:schemeClr val="bg1"/>
+          </a:solidFill>
+        </p:spPr>
+        <p:style>
+          <a:lnRef idx="2">
+            <a:schemeClr val="accent1">
+              <a:shade val="50000"/>
+            </a:schemeClr>
+          </a:lnRef>
+          <a:fillRef idx="1">
+            <a:schemeClr val="accent1"/>
+          </a:fillRef>
+          <a:effectRef idx="0">
+            <a:schemeClr val="accent1"/>
+          </a:effectRef>
+          <a:fontRef idx="minor">
+            <a:schemeClr val="lt1"/>
+          </a:fontRef>
+        </p:style>
+        <p:txBody>
+          <a:bodyPr rtlCol="0" anchor="ctr"/>
+          <a:lstStyle/>
+          <a:p>
+            <a:pPr algn="ctr"/>
+            <a:endParaRPr lang="de-DE"/>
+          </a:p>
+        </p:txBody>
+      </p:sp>
+      <p:sp>
+        <p:nvSpPr>
+          <p:cNvPr id="133" name="Textfeld 132"/>
+          <p:cNvSpPr txBox="1"/>
+          <p:nvPr/>
+        </p:nvSpPr>
+        <p:spPr>
+          <a:xfrm>
+            <a:off x="2849604" y="11749423"/>
+            <a:ext cx="6504217" cy="3154710"/>
+          </a:xfrm>
+          <a:prstGeom prst="rect">
+            <a:avLst/>
+          </a:prstGeom>
+          <a:noFill/>
+        </p:spPr>
+        <p:txBody>
+          <a:bodyPr wrap="square" rtlCol="0">
+            <a:spAutoFit/>
+          </a:bodyPr>
+          <a:lstStyle/>
+          <a:p>
+            <a:pPr algn="ctr"/>
+            <a:r>
+              <a:rPr lang="de-DE" sz="2800" b="1" dirty="0">
+                <a:effectLst/>
+              </a:rPr>
+              <a:t>Aufbau des Moduls</a:t>
+            </a:r>
+          </a:p>
+          <a:p>
+            <a:pPr algn="ctr"/>
+            <a:endParaRPr lang="de-DE" sz="1100" dirty="0">
+              <a:effectLst/>
+            </a:endParaRPr>
+          </a:p>
+          <a:p>
+            <a:pPr algn="just"/>
+            <a:r>
+              <a:rPr lang="de-DE" sz="2000" dirty="0">
+                <a:effectLst/>
+              </a:rPr>
+              <a:t>Das erste Modul bietet einen Einstieg in die Grundlagen der Halbleiter - Gasmesstechnik. </a:t>
+            </a:r>
+          </a:p>
+          <a:p>
+            <a:pPr algn="just"/>
+            <a:r>
+              <a:rPr lang="de-DE" sz="2000" dirty="0"/>
+              <a:t>Die Schüler*innen untersuchen die </a:t>
+            </a:r>
+            <a:r>
+              <a:rPr lang="de-DE" sz="2000" b="1" dirty="0"/>
+              <a:t>Sensorreaktion</a:t>
+            </a:r>
+            <a:r>
+              <a:rPr lang="de-DE" sz="2000" dirty="0"/>
+              <a:t> bei Anwesenheit von einer mit Wasser, alkoholfreiem Bier und Apfelsaft gesättigten Atmosphäre. Abhängig von der </a:t>
+            </a:r>
+            <a:r>
+              <a:rPr lang="de-DE" sz="2000" b="1" dirty="0"/>
+              <a:t>Sensortemperatur</a:t>
+            </a:r>
+            <a:r>
+              <a:rPr lang="de-DE" sz="2000" dirty="0"/>
+              <a:t> sorgen unterschiedliche Prozesse auf der Oberfläche des Sensors für einen typischen parabelförmigen Verlauf.</a:t>
+            </a:r>
+          </a:p>
+        </p:txBody>
+      </p:sp>
+      <p:pic>
+        <p:nvPicPr>
+          <p:cNvPr id="134" name="Picture 30" descr="https://image.jimcdn.com/app/cms/image/transf/none/path/s27aa108ee3a8a9fa/image/i5924085baeadcd32/version/1567091362/image.png"/>
+          <p:cNvPicPr>
+            <a:picLocks noChangeAspect="1" noChangeArrowheads="1"/>
+          </p:cNvPicPr>
+          <p:nvPr/>
+        </p:nvPicPr>
+        <p:blipFill>
+          <a:blip r:embed="rId10">
+            <a:extLst>
+              <a:ext uri="{28A0092B-C50C-407E-A947-70E740481C1C}">
+                <a14:useLocalDpi xmlns:a14="http://schemas.microsoft.com/office/drawing/2010/main" val="0"/>
+              </a:ext>
+            </a:extLst>
+          </a:blip>
+          <a:srcRect/>
+          <a:stretch>
+            <a:fillRect/>
+          </a:stretch>
+        </p:blipFill>
+        <p:spPr bwMode="auto">
+          <a:xfrm>
+            <a:off x="9465452" y="11871126"/>
+            <a:ext cx="4325207" cy="2911197"/>
+          </a:xfrm>
+          <a:prstGeom prst="rect">
+            <a:avLst/>
+          </a:prstGeom>
+          <a:noFill/>
+          <a:extLst>
+            <a:ext uri="{909E8E84-426E-40DD-AFC4-6F175D3DCCD1}">
+              <a14:hiddenFill xmlns:a14="http://schemas.microsoft.com/office/drawing/2010/main">
+                <a:solidFill>
+                  <a:srgbClr val="FFFFFF"/>
+                </a:solidFill>
+              </a14:hiddenFill>
+            </a:ext>
+          </a:extLst>
+        </p:spPr>
+      </p:pic>
+      <p:pic>
+        <p:nvPicPr>
+          <p:cNvPr id="121" name="Picture 2"/>
+          <p:cNvPicPr>
+            <a:picLocks noChangeAspect="1" noChangeArrowheads="1"/>
+          </p:cNvPicPr>
+          <p:nvPr/>
+        </p:nvPicPr>
+        <p:blipFill>
+          <a:blip r:embed="rId11">
+            <a:extLst>
+              <a:ext uri="{28A0092B-C50C-407E-A947-70E740481C1C}">
+                <a14:useLocalDpi xmlns:a14="http://schemas.microsoft.com/office/drawing/2010/main" val="0"/>
+              </a:ext>
+            </a:extLst>
+          </a:blip>
+          <a:srcRect/>
+          <a:stretch>
+            <a:fillRect/>
+          </a:stretch>
+        </p:blipFill>
+        <p:spPr bwMode="auto">
+          <a:xfrm>
+            <a:off x="3084410" y="14836614"/>
+            <a:ext cx="5483101" cy="2197028"/>
+          </a:xfrm>
+          <a:prstGeom prst="rect">
+            <a:avLst/>
+          </a:prstGeom>
+          <a:noFill/>
+          <a:ln>
+            <a:noFill/>
+          </a:ln>
+          <a:extLst>
+            <a:ext uri="{909E8E84-426E-40DD-AFC4-6F175D3DCCD1}">
+              <a14:hiddenFill xmlns:a14="http://schemas.microsoft.com/office/drawing/2010/main">
+                <a:solidFill>
+                  <a:schemeClr val="accent1"/>
+                </a:solidFill>
+              </a14:hiddenFill>
+            </a:ext>
+            <a:ext uri="{91240B29-F687-4F45-9708-019B960494DF}">
+              <a14:hiddenLine xmlns:a14="http://schemas.microsoft.com/office/drawing/2010/main" w="9525">
+                <a:solidFill>
+                  <a:schemeClr val="tx1"/>
+                </a:solidFill>
+                <a:miter lim="800000"/>
+                <a:headEnd/>
+                <a:tailEnd/>
+              </a14:hiddenLine>
+            </a:ext>
+          </a:extLst>
+        </p:spPr>
+      </p:pic>
+      <p:pic>
+        <p:nvPicPr>
+          <p:cNvPr id="1057" name="Picture 33"/>
+          <p:cNvPicPr>
+            <a:picLocks noChangeAspect="1" noChangeArrowheads="1"/>
+          </p:cNvPicPr>
+          <p:nvPr/>
+        </p:nvPicPr>
+        <p:blipFill>
+          <a:blip r:embed="rId12">
+            <a:extLst>
+              <a:ext uri="{28A0092B-C50C-407E-A947-70E740481C1C}">
+                <a14:useLocalDpi xmlns:a14="http://schemas.microsoft.com/office/drawing/2010/main" val="0"/>
+              </a:ext>
+            </a:extLst>
+          </a:blip>
+          <a:srcRect/>
+          <a:stretch>
+            <a:fillRect/>
+          </a:stretch>
+        </p:blipFill>
+        <p:spPr bwMode="auto">
+          <a:xfrm>
+            <a:off x="9660155" y="15071919"/>
+            <a:ext cx="4135198" cy="2910198"/>
+          </a:xfrm>
+          <a:prstGeom prst="rect">
+            <a:avLst/>
+          </a:prstGeom>
+          <a:noFill/>
+          <a:ln>
+            <a:noFill/>
+          </a:ln>
+          <a:extLst>
+            <a:ext uri="{909E8E84-426E-40DD-AFC4-6F175D3DCCD1}">
+              <a14:hiddenFill xmlns:a14="http://schemas.microsoft.com/office/drawing/2010/main">
+                <a:solidFill>
+                  <a:schemeClr val="accent1"/>
+                </a:solidFill>
+              </a14:hiddenFill>
+            </a:ext>
+            <a:ext uri="{91240B29-F687-4F45-9708-019B960494DF}">
+              <a14:hiddenLine xmlns:a14="http://schemas.microsoft.com/office/drawing/2010/main" w="9525">
+                <a:solidFill>
+                  <a:schemeClr val="tx1"/>
+                </a:solidFill>
+                <a:miter lim="800000"/>
+                <a:headEnd/>
+                <a:tailEnd/>
+              </a14:hiddenLine>
+            </a:ext>
+          </a:extLst>
+        </p:spPr>
+      </p:pic>
+      <p:sp>
+        <p:nvSpPr>
+          <p:cNvPr id="135" name="Textfeld 134"/>
+          <p:cNvSpPr txBox="1"/>
+          <p:nvPr/>
+        </p:nvSpPr>
+        <p:spPr>
+          <a:xfrm>
+            <a:off x="2849604" y="17209889"/>
+            <a:ext cx="6312827" cy="1015663"/>
+          </a:xfrm>
+          <a:prstGeom prst="rect">
+            <a:avLst/>
+          </a:prstGeom>
+          <a:noFill/>
+        </p:spPr>
+        <p:txBody>
+          <a:bodyPr wrap="square" rtlCol="0">
+            <a:spAutoFit/>
+          </a:bodyPr>
+          <a:lstStyle/>
+          <a:p>
+            <a:pPr algn="just"/>
+            <a:r>
+              <a:rPr lang="de-DE" sz="2000" dirty="0"/>
+              <a:t>Nach der Aufnahme von Messreihen werden die verantwortlichen   Prozesse   in    einem    </a:t>
+            </a:r>
+            <a:r>
+              <a:rPr lang="de-DE" sz="2000" b="1" dirty="0"/>
+              <a:t>schülergerechten Modell </a:t>
+            </a:r>
+            <a:r>
+              <a:rPr lang="de-DE" sz="2000" dirty="0"/>
+              <a:t>anschaulich beschrieben.</a:t>
+            </a:r>
+          </a:p>
+        </p:txBody>
+      </p:sp>
+      <p:sp>
+        <p:nvSpPr>
+          <p:cNvPr id="3" name="Rechteck 2">
+            <a:extLst>
+              <a:ext uri="{FF2B5EF4-FFF2-40B4-BE49-F238E27FC236}">
+                <a16:creationId xmlns:a16="http://schemas.microsoft.com/office/drawing/2014/main" id="{AA1A539B-C529-443D-AC45-8861F749813F}"/>
+              </a:ext>
+            </a:extLst>
+          </p:cNvPr>
+          <p:cNvSpPr/>
+          <p:nvPr/>
+        </p:nvSpPr>
+        <p:spPr>
+          <a:xfrm>
+            <a:off x="2714322" y="19640333"/>
+            <a:ext cx="11255911" cy="8239328"/>
+          </a:xfrm>
+          <a:prstGeom prst="rect">
+            <a:avLst/>
+          </a:prstGeom>
+          <a:solidFill>
+            <a:schemeClr val="bg1"/>
+          </a:solidFill>
+        </p:spPr>
+        <p:style>
+          <a:lnRef idx="2">
+            <a:schemeClr val="accent1">
+              <a:shade val="50000"/>
+            </a:schemeClr>
+          </a:lnRef>
+          <a:fillRef idx="1">
+            <a:schemeClr val="accent1"/>
+          </a:fillRef>
+          <a:effectRef idx="0">
+            <a:schemeClr val="accent1"/>
+          </a:effectRef>
+          <a:fontRef idx="minor">
+            <a:schemeClr val="lt1"/>
+          </a:fontRef>
+        </p:style>
+        <p:txBody>
+          <a:bodyPr rtlCol="0" anchor="ctr"/>
+          <a:lstStyle/>
+          <a:p>
+            <a:pPr algn="ctr"/>
+            <a:endParaRPr lang="de-DE"/>
+          </a:p>
+        </p:txBody>
+      </p:sp>
+      <p:pic>
+        <p:nvPicPr>
+          <p:cNvPr id="112" name="Grafik 111"/>
+          <p:cNvPicPr/>
+          <p:nvPr/>
+        </p:nvPicPr>
+        <p:blipFill rotWithShape="1">
+          <a:blip r:embed="rId13">
+            <a:extLst>
+              <a:ext uri="{28A0092B-C50C-407E-A947-70E740481C1C}">
+                <a14:useLocalDpi xmlns:a14="http://schemas.microsoft.com/office/drawing/2010/main" val="0"/>
+              </a:ext>
+            </a:extLst>
+          </a:blip>
+          <a:srcRect t="-13"/>
+          <a:stretch/>
+        </p:blipFill>
+        <p:spPr bwMode="auto">
+          <a:xfrm>
+            <a:off x="2939431" y="21729279"/>
+            <a:ext cx="3354798" cy="3013570"/>
+          </a:xfrm>
+          <a:prstGeom prst="rect">
+            <a:avLst/>
+          </a:prstGeom>
+          <a:noFill/>
+          <a:ln>
+            <a:noFill/>
+          </a:ln>
+          <a:extLst>
+            <a:ext uri="{53640926-AAD7-44D8-BBD7-CCE9431645EC}">
+              <a14:shadowObscured xmlns:a14="http://schemas.microsoft.com/office/drawing/2010/main"/>
+            </a:ext>
+          </a:extLst>
+        </p:spPr>
+      </p:pic>
+      <p:sp>
+        <p:nvSpPr>
+          <p:cNvPr id="85" name="Textfeld 84"/>
+          <p:cNvSpPr txBox="1"/>
+          <p:nvPr/>
+        </p:nvSpPr>
+        <p:spPr>
+          <a:xfrm flipH="1">
+            <a:off x="2891137" y="19762930"/>
+            <a:ext cx="6462684" cy="1969770"/>
+          </a:xfrm>
+          <a:prstGeom prst="rect">
+            <a:avLst/>
+          </a:prstGeom>
+          <a:noFill/>
+        </p:spPr>
+        <p:txBody>
+          <a:bodyPr wrap="square" rtlCol="0">
+            <a:spAutoFit/>
+          </a:bodyPr>
+          <a:lstStyle/>
+          <a:p>
+            <a:pPr algn="ctr"/>
+            <a:r>
+              <a:rPr lang="de-DE" sz="2800" b="1" dirty="0"/>
+              <a:t>Aufbau des Moduls</a:t>
+            </a:r>
+          </a:p>
+          <a:p>
+            <a:pPr algn="ctr"/>
+            <a:endParaRPr lang="de-DE" sz="1100" b="1" dirty="0"/>
+          </a:p>
+          <a:p>
+            <a:pPr algn="just"/>
+            <a:r>
+              <a:rPr lang="de-DE" sz="2000" dirty="0">
+                <a:effectLst/>
+              </a:rPr>
+              <a:t>Das Ziel ist es einen Halbleiter Gassensor auf verschiedene Konzentrationen Ethanols zu kalibrieren. Der Sensor befindet sich in einer abgeschlossenen Messkammer und wird über einen Mikrocontroller ausgelesen und gesteuert. </a:t>
+            </a:r>
+            <a:endParaRPr lang="de-DE" sz="2800" dirty="0"/>
+          </a:p>
+        </p:txBody>
+      </p:sp>
+      <p:pic>
+        <p:nvPicPr>
+          <p:cNvPr id="122" name="Grafik 121"/>
+          <p:cNvPicPr>
+            <a:picLocks noChangeAspect="1" noChangeArrowheads="1"/>
+          </p:cNvPicPr>
+          <p:nvPr/>
+        </p:nvPicPr>
+        <p:blipFill>
+          <a:blip r:embed="rId14" cstate="print">
+            <a:extLst>
+              <a:ext uri="{28A0092B-C50C-407E-A947-70E740481C1C}">
+                <a14:useLocalDpi xmlns:a14="http://schemas.microsoft.com/office/drawing/2010/main" val="0"/>
+              </a:ext>
+            </a:extLst>
+          </a:blip>
+          <a:srcRect/>
+          <a:stretch>
+            <a:fillRect/>
+          </a:stretch>
+        </p:blipFill>
+        <p:spPr bwMode="auto">
+          <a:xfrm>
+            <a:off x="10231581" y="19771356"/>
+            <a:ext cx="2565602" cy="2469673"/>
+          </a:xfrm>
+          <a:prstGeom prst="rect">
+            <a:avLst/>
+          </a:prstGeom>
+          <a:noFill/>
+          <a:ln>
+            <a:noFill/>
+          </a:ln>
+          <a:extLst>
+            <a:ext uri="{909E8E84-426E-40DD-AFC4-6F175D3DCCD1}">
+              <a14:hiddenFill xmlns:a14="http://schemas.microsoft.com/office/drawing/2010/main">
+                <a:solidFill>
+                  <a:srgbClr val="FFFFFF"/>
+                </a:solidFill>
+              </a14:hiddenFill>
+            </a:ext>
+            <a:ext uri="{91240B29-F687-4F45-9708-019B960494DF}">
+              <a14:hiddenLine xmlns:a14="http://schemas.microsoft.com/office/drawing/2010/main" w="9525">
+                <a:solidFill>
+                  <a:srgbClr val="000000"/>
+                </a:solidFill>
+                <a:miter lim="800000"/>
+                <a:headEnd/>
+                <a:tailEnd/>
+              </a14:hiddenLine>
+            </a:ext>
+          </a:extLst>
+        </p:spPr>
+      </p:pic>
+      <p:sp>
+        <p:nvSpPr>
+          <p:cNvPr id="87" name="Textfeld 86"/>
+          <p:cNvSpPr txBox="1"/>
+          <p:nvPr/>
+        </p:nvSpPr>
+        <p:spPr>
+          <a:xfrm>
+            <a:off x="6803181" y="22330181"/>
+            <a:ext cx="6840760" cy="1938992"/>
+          </a:xfrm>
+          <a:prstGeom prst="rect">
+            <a:avLst/>
+          </a:prstGeom>
+          <a:noFill/>
+        </p:spPr>
+        <p:txBody>
+          <a:bodyPr wrap="square" rtlCol="0">
+            <a:spAutoFit/>
+          </a:bodyPr>
+          <a:lstStyle/>
+          <a:p>
+            <a:pPr algn="just"/>
+            <a:r>
+              <a:rPr lang="de-DE" sz="2000" dirty="0">
+                <a:effectLst/>
+              </a:rPr>
+              <a:t>Durch Variation der Ethanol-Konzentration in der Messkammer können </a:t>
+            </a:r>
+            <a:r>
+              <a:rPr lang="de-DE" sz="2000" b="1" dirty="0">
+                <a:effectLst/>
+              </a:rPr>
+              <a:t>"Trainingsdaten" </a:t>
+            </a:r>
+            <a:r>
+              <a:rPr lang="de-DE" sz="2000" dirty="0">
+                <a:effectLst/>
+              </a:rPr>
+              <a:t>aufgenommen - eine Art </a:t>
+            </a:r>
+            <a:r>
+              <a:rPr lang="de-DE" sz="2000" b="1" dirty="0">
+                <a:effectLst/>
+              </a:rPr>
+              <a:t>Fingerabdruck der jeweiligen Konzentration</a:t>
+            </a:r>
+            <a:r>
+              <a:rPr lang="de-DE" sz="2000" dirty="0">
+                <a:effectLst/>
+              </a:rPr>
+              <a:t>. Im letzten Schritt wird ein mathematisches Modell mit Hilfe künstlicher Intelligenz erzeugt, das eine Vorhersage einer unbekannten Konzentration ermöglicht. </a:t>
+            </a:r>
+            <a:endParaRPr lang="de-DE" sz="2000" dirty="0"/>
+          </a:p>
+        </p:txBody>
+      </p:sp>
+      <p:sp>
+        <p:nvSpPr>
+          <p:cNvPr id="92" name="Textfeld 91"/>
+          <p:cNvSpPr txBox="1"/>
+          <p:nvPr/>
+        </p:nvSpPr>
+        <p:spPr>
+          <a:xfrm>
+            <a:off x="2950162" y="24920039"/>
+            <a:ext cx="6262492" cy="1938992"/>
+          </a:xfrm>
+          <a:prstGeom prst="rect">
+            <a:avLst/>
+          </a:prstGeom>
+          <a:noFill/>
+        </p:spPr>
+        <p:txBody>
+          <a:bodyPr wrap="square" rtlCol="0">
+            <a:spAutoFit/>
+          </a:bodyPr>
+          <a:lstStyle/>
+          <a:p>
+            <a:pPr algn="just"/>
+            <a:r>
+              <a:rPr lang="de-DE" sz="2000" dirty="0">
+                <a:effectLst/>
+              </a:rPr>
+              <a:t>Durch Einführung des </a:t>
+            </a:r>
+            <a:r>
+              <a:rPr lang="de-DE" sz="2000" b="1" dirty="0">
+                <a:effectLst/>
+              </a:rPr>
+              <a:t>"temperaturzyklischen Betriebs"</a:t>
+            </a:r>
+            <a:r>
+              <a:rPr lang="de-DE" sz="2000" dirty="0">
+                <a:effectLst/>
+              </a:rPr>
+              <a:t> können Sensitivität, Selektivität und Stabilität des Sensors verbessert werden. </a:t>
+            </a:r>
+          </a:p>
+          <a:p>
+            <a:pPr algn="just"/>
+            <a:r>
+              <a:rPr lang="de-DE" sz="2000" dirty="0">
+                <a:effectLst/>
+              </a:rPr>
+              <a:t>Zudem wird Wert auf die Quantifizierung der Sensorreaktionen gelegt, indem das Prinzip der </a:t>
+            </a:r>
+            <a:r>
+              <a:rPr lang="de-DE" sz="2000" b="1" dirty="0">
+                <a:effectLst/>
+              </a:rPr>
+              <a:t>Merkmalsextraktion</a:t>
+            </a:r>
+            <a:r>
+              <a:rPr lang="de-DE" sz="2000" dirty="0">
+                <a:effectLst/>
+              </a:rPr>
+              <a:t> erläutert wird. </a:t>
+            </a:r>
+            <a:endParaRPr lang="de-DE" sz="2000" dirty="0"/>
+          </a:p>
+        </p:txBody>
+      </p:sp>
+      <p:sp>
+        <p:nvSpPr>
+          <p:cNvPr id="93" name="Textfeld 92"/>
+          <p:cNvSpPr txBox="1"/>
+          <p:nvPr/>
+        </p:nvSpPr>
+        <p:spPr>
+          <a:xfrm>
+            <a:off x="2972532" y="26782626"/>
+            <a:ext cx="10778067" cy="1323439"/>
+          </a:xfrm>
+          <a:prstGeom prst="rect">
+            <a:avLst/>
+          </a:prstGeom>
+          <a:noFill/>
+        </p:spPr>
+        <p:txBody>
+          <a:bodyPr wrap="square" rtlCol="0">
+            <a:spAutoFit/>
+          </a:bodyPr>
+          <a:lstStyle/>
+          <a:p>
+            <a:pPr algn="just"/>
+            <a:r>
+              <a:rPr lang="de-DE" sz="2000" dirty="0">
+                <a:effectLst/>
+              </a:rPr>
+              <a:t>Schließlich   wird  der  Fokus  auch  auf   die  </a:t>
+            </a:r>
+            <a:r>
+              <a:rPr lang="de-DE" sz="2000" b="1" dirty="0">
+                <a:effectLst/>
+              </a:rPr>
+              <a:t>Modellbildung </a:t>
+            </a:r>
+            <a:r>
+              <a:rPr lang="de-DE" sz="2000" dirty="0">
+                <a:effectLst/>
+              </a:rPr>
+              <a:t> mit  Hilfe  künstlicher   Intelligenz  gelegt. </a:t>
+            </a:r>
+            <a:r>
+              <a:rPr lang="de-DE" sz="2000" dirty="0"/>
+              <a:t>Anhand  anschaulicher Beispiele wird gezeigt, wie ein neuronales Netz lernt, und so zur Erstellung eines mathematischen Vorhersagemodells verwendet werden kann.</a:t>
+            </a:r>
+          </a:p>
+          <a:p>
+            <a:pPr algn="just"/>
+            <a:endParaRPr lang="de-DE" sz="2000" dirty="0">
+              <a:solidFill>
+                <a:schemeClr val="bg1"/>
+              </a:solidFill>
+              <a:effectLst/>
+            </a:endParaRPr>
+          </a:p>
+        </p:txBody>
+      </p:sp>
+      <p:sp>
+        <p:nvSpPr>
+          <p:cNvPr id="95" name="Rechteck 94">
+            <a:extLst>
+              <a:ext uri="{FF2B5EF4-FFF2-40B4-BE49-F238E27FC236}">
+                <a16:creationId xmlns:a16="http://schemas.microsoft.com/office/drawing/2014/main" id="{6E4C0A0D-F939-4597-BAC6-DEF83923F623}"/>
+              </a:ext>
+            </a:extLst>
+          </p:cNvPr>
+          <p:cNvSpPr/>
+          <p:nvPr/>
+        </p:nvSpPr>
+        <p:spPr>
+          <a:xfrm>
+            <a:off x="2711044" y="29075725"/>
+            <a:ext cx="11255911" cy="7636162"/>
+          </a:xfrm>
+          <a:prstGeom prst="rect">
+            <a:avLst/>
+          </a:prstGeom>
+          <a:solidFill>
+            <a:schemeClr val="bg1"/>
+          </a:solidFill>
+        </p:spPr>
+        <p:style>
+          <a:lnRef idx="2">
+            <a:schemeClr val="accent1">
+              <a:shade val="50000"/>
+            </a:schemeClr>
+          </a:lnRef>
+          <a:fillRef idx="1">
+            <a:schemeClr val="accent1"/>
+          </a:fillRef>
+          <a:effectRef idx="0">
+            <a:schemeClr val="accent1"/>
+          </a:effectRef>
+          <a:fontRef idx="minor">
+            <a:schemeClr val="lt1"/>
+          </a:fontRef>
+        </p:style>
+        <p:txBody>
+          <a:bodyPr rtlCol="0" anchor="ctr"/>
+          <a:lstStyle/>
+          <a:p>
+            <a:pPr algn="ctr"/>
+            <a:endParaRPr lang="de-DE"/>
+          </a:p>
+        </p:txBody>
+      </p:sp>
+      <p:sp>
+        <p:nvSpPr>
+          <p:cNvPr id="148" name="Textfeld 147"/>
+          <p:cNvSpPr txBox="1"/>
+          <p:nvPr/>
+        </p:nvSpPr>
+        <p:spPr>
+          <a:xfrm flipH="1">
+            <a:off x="2891137" y="29207862"/>
+            <a:ext cx="5185667" cy="2839239"/>
+          </a:xfrm>
+          <a:prstGeom prst="rect">
+            <a:avLst/>
+          </a:prstGeom>
+          <a:noFill/>
+        </p:spPr>
+        <p:txBody>
+          <a:bodyPr wrap="square" rtlCol="0">
+            <a:spAutoFit/>
+          </a:bodyPr>
+          <a:lstStyle/>
+          <a:p>
+            <a:pPr algn="ctr"/>
+            <a:r>
+              <a:rPr lang="de-DE" sz="2800" b="1" dirty="0"/>
+              <a:t>Aufbau des Moduls</a:t>
+            </a:r>
+          </a:p>
+          <a:p>
+            <a:pPr algn="ctr"/>
+            <a:endParaRPr lang="de-DE" sz="1050" b="1" dirty="0"/>
+          </a:p>
+          <a:p>
+            <a:pPr algn="just"/>
+            <a:r>
+              <a:rPr lang="de-DE" sz="2000" dirty="0">
+                <a:effectLst/>
+              </a:rPr>
+              <a:t>Das Ziel ist es Umweltmessungen im Innenraum durchzuführen. Es werden die umweltrelevanten Stoffe </a:t>
+            </a:r>
+            <a:r>
+              <a:rPr lang="de-DE" sz="2000" b="1" dirty="0">
+                <a:effectLst/>
+              </a:rPr>
+              <a:t>Feinstaub</a:t>
+            </a:r>
+            <a:r>
+              <a:rPr lang="de-DE" sz="2000" dirty="0">
+                <a:effectLst/>
+              </a:rPr>
+              <a:t>, </a:t>
+            </a:r>
+            <a:r>
+              <a:rPr lang="de-DE" sz="2000" b="1" dirty="0">
+                <a:effectLst/>
+              </a:rPr>
+              <a:t>TVOC</a:t>
+            </a:r>
+            <a:r>
+              <a:rPr lang="de-DE" sz="2000" dirty="0">
+                <a:effectLst/>
+              </a:rPr>
+              <a:t> (total volatile </a:t>
+            </a:r>
+            <a:r>
+              <a:rPr lang="de-DE" sz="2000" dirty="0" err="1">
+                <a:effectLst/>
+              </a:rPr>
+              <a:t>organic</a:t>
+            </a:r>
+            <a:r>
+              <a:rPr lang="de-DE" sz="2000" dirty="0">
+                <a:effectLst/>
+              </a:rPr>
+              <a:t> compounds) und </a:t>
+            </a:r>
+            <a:r>
+              <a:rPr lang="de-DE" sz="2000" b="1" dirty="0">
+                <a:effectLst/>
+              </a:rPr>
+              <a:t>CO</a:t>
+            </a:r>
+            <a:r>
+              <a:rPr lang="de-DE" sz="2000" b="1" baseline="-25000" dirty="0">
+                <a:effectLst/>
+              </a:rPr>
+              <a:t>2,</a:t>
+            </a:r>
+            <a:r>
+              <a:rPr lang="de-DE" sz="2000" dirty="0">
+                <a:effectLst/>
+              </a:rPr>
+              <a:t> als Indikator für TVOC, eingeführt, sowie ihre </a:t>
+            </a:r>
+            <a:r>
+              <a:rPr lang="de-DE" sz="2000" b="1" dirty="0"/>
+              <a:t>gesundheitlichen  Auswirkungen</a:t>
+            </a:r>
+            <a:r>
+              <a:rPr lang="de-DE" sz="2000" dirty="0"/>
+              <a:t>  auf  den Men-</a:t>
+            </a:r>
+          </a:p>
+          <a:p>
+            <a:pPr algn="just"/>
+            <a:r>
+              <a:rPr lang="de-DE" sz="2000" dirty="0" err="1"/>
+              <a:t>schen</a:t>
+            </a:r>
+            <a:r>
+              <a:rPr lang="de-DE" sz="2000" dirty="0"/>
+              <a:t> erörtert. Anschließend werden offizielle </a:t>
+            </a:r>
+          </a:p>
+        </p:txBody>
+      </p:sp>
+      <p:sp>
+        <p:nvSpPr>
+          <p:cNvPr id="108" name="Textfeld 107"/>
+          <p:cNvSpPr txBox="1"/>
+          <p:nvPr/>
+        </p:nvSpPr>
+        <p:spPr>
+          <a:xfrm>
+            <a:off x="8443007" y="29787584"/>
+            <a:ext cx="5388665" cy="1938992"/>
+          </a:xfrm>
+          <a:prstGeom prst="rect">
+            <a:avLst/>
+          </a:prstGeom>
+          <a:noFill/>
+        </p:spPr>
+        <p:txBody>
+          <a:bodyPr wrap="square" rtlCol="0">
+            <a:spAutoFit/>
+          </a:bodyPr>
+          <a:lstStyle/>
+          <a:p>
+            <a:pPr algn="just"/>
+            <a:r>
+              <a:rPr lang="de-DE" sz="2000" b="1" dirty="0">
+                <a:effectLst/>
+              </a:rPr>
+              <a:t>Grenzwerte </a:t>
+            </a:r>
+            <a:r>
+              <a:rPr lang="de-DE" sz="2000" dirty="0">
+                <a:effectLst/>
+              </a:rPr>
+              <a:t>,    mögliche    </a:t>
+            </a:r>
+            <a:r>
+              <a:rPr lang="de-DE" sz="2000" b="1" dirty="0">
+                <a:effectLst/>
+              </a:rPr>
+              <a:t>Quellen  </a:t>
+            </a:r>
+            <a:r>
+              <a:rPr lang="de-DE" sz="2000" dirty="0">
+                <a:effectLst/>
+              </a:rPr>
+              <a:t> und Handlungsempfehlungen zur Vermeidung schlechter Luftqualität</a:t>
+            </a:r>
+            <a:r>
+              <a:rPr lang="de-DE" sz="2000" b="1" dirty="0">
+                <a:effectLst/>
+              </a:rPr>
+              <a:t> </a:t>
+            </a:r>
+            <a:r>
+              <a:rPr lang="de-DE" sz="2000" dirty="0">
+                <a:effectLst/>
+              </a:rPr>
+              <a:t>beschrieben.</a:t>
+            </a:r>
+          </a:p>
+          <a:p>
+            <a:pPr algn="just"/>
+            <a:r>
+              <a:rPr lang="de-DE" sz="2000" dirty="0"/>
+              <a:t>Schließlich lernen die Schüler*innen an vier Stationen unterschiedliche Sensorprinzipien kennen und führen eigene Messungen durch.</a:t>
+            </a:r>
+            <a:endParaRPr lang="de-DE" sz="1800" dirty="0"/>
+          </a:p>
+        </p:txBody>
+      </p:sp>
+      <p:sp>
+        <p:nvSpPr>
+          <p:cNvPr id="113" name="Textfeld 112"/>
+          <p:cNvSpPr txBox="1"/>
+          <p:nvPr/>
+        </p:nvSpPr>
+        <p:spPr>
+          <a:xfrm>
+            <a:off x="2952957" y="32068890"/>
+            <a:ext cx="3800201" cy="2431435"/>
+          </a:xfrm>
+          <a:prstGeom prst="rect">
+            <a:avLst/>
+          </a:prstGeom>
+          <a:noFill/>
+        </p:spPr>
+        <p:txBody>
+          <a:bodyPr wrap="square" rtlCol="0">
+            <a:spAutoFit/>
+          </a:bodyPr>
+          <a:lstStyle/>
+          <a:p>
+            <a:pPr algn="just"/>
+            <a:r>
+              <a:rPr lang="de-DE" sz="2000" b="1" dirty="0"/>
+              <a:t>Station 1 – </a:t>
+            </a:r>
+            <a:r>
+              <a:rPr lang="de-DE" sz="2000" dirty="0"/>
+              <a:t>Feinstaubmessung</a:t>
+            </a:r>
+            <a:endParaRPr lang="de-DE" sz="2400" dirty="0"/>
+          </a:p>
+          <a:p>
+            <a:pPr algn="just"/>
+            <a:r>
+              <a:rPr lang="de-DE" sz="600" dirty="0"/>
+              <a:t> </a:t>
+            </a:r>
+          </a:p>
+          <a:p>
+            <a:pPr algn="just"/>
+            <a:r>
+              <a:rPr lang="de-DE" sz="2000" dirty="0"/>
+              <a:t>Beschriften und Abwischen einer Kreidetafel erzeugt hohe Feintaubbelastungen. Diese kann durch feuchtes, statt trockenes Abwischen um ein Vielfaches reduziert werden kann.</a:t>
+            </a:r>
+          </a:p>
+        </p:txBody>
+      </p:sp>
+      <p:sp>
+        <p:nvSpPr>
+          <p:cNvPr id="126" name="Textfeld 125"/>
+          <p:cNvSpPr txBox="1"/>
+          <p:nvPr/>
+        </p:nvSpPr>
+        <p:spPr>
+          <a:xfrm>
+            <a:off x="8462612" y="32096959"/>
+            <a:ext cx="3615617" cy="1107996"/>
+          </a:xfrm>
+          <a:prstGeom prst="rect">
+            <a:avLst/>
+          </a:prstGeom>
+          <a:noFill/>
+        </p:spPr>
+        <p:txBody>
+          <a:bodyPr wrap="square" rtlCol="0">
+            <a:spAutoFit/>
+          </a:bodyPr>
+          <a:lstStyle/>
+          <a:p>
+            <a:r>
+              <a:rPr lang="de-DE" sz="2000" b="1" dirty="0"/>
+              <a:t>Station 2 </a:t>
+            </a:r>
+            <a:r>
+              <a:rPr lang="de-DE" sz="2000" dirty="0"/>
+              <a:t>– Mensch vs. Sensor</a:t>
+            </a:r>
+            <a:endParaRPr lang="de-DE" sz="2400" dirty="0"/>
+          </a:p>
+          <a:p>
+            <a:r>
+              <a:rPr lang="de-DE" sz="600" dirty="0"/>
+              <a:t> </a:t>
+            </a:r>
+          </a:p>
+          <a:p>
+            <a:r>
+              <a:rPr lang="de-DE" sz="2000" dirty="0"/>
+              <a:t>Viele Gefahrenstoffe kann die menschliche Nase nicht, </a:t>
+            </a:r>
+          </a:p>
+        </p:txBody>
+      </p:sp>
+      <p:pic>
+        <p:nvPicPr>
+          <p:cNvPr id="162" name="Picture 2"/>
+          <p:cNvPicPr>
+            <a:picLocks noChangeAspect="1" noChangeArrowheads="1"/>
+          </p:cNvPicPr>
+          <p:nvPr/>
+        </p:nvPicPr>
+        <p:blipFill>
+          <a:blip r:embed="rId15" cstate="print">
+            <a:extLst>
+              <a:ext uri="{28A0092B-C50C-407E-A947-70E740481C1C}">
+                <a14:useLocalDpi xmlns:a14="http://schemas.microsoft.com/office/drawing/2010/main" val="0"/>
+              </a:ext>
+            </a:extLst>
+          </a:blip>
+          <a:srcRect/>
+          <a:stretch>
+            <a:fillRect/>
+          </a:stretch>
+        </p:blipFill>
+        <p:spPr bwMode="auto">
+          <a:xfrm>
+            <a:off x="11690986" y="32527184"/>
+            <a:ext cx="2059613" cy="634085"/>
+          </a:xfrm>
+          <a:prstGeom prst="rect">
+            <a:avLst/>
+          </a:prstGeom>
+          <a:noFill/>
+          <a:ln>
+            <a:noFill/>
+          </a:ln>
+          <a:extLst>
+            <a:ext uri="{909E8E84-426E-40DD-AFC4-6F175D3DCCD1}">
+              <a14:hiddenFill xmlns:a14="http://schemas.microsoft.com/office/drawing/2010/main">
+                <a:solidFill>
+                  <a:schemeClr val="accent1"/>
+                </a:solidFill>
+              </a14:hiddenFill>
+            </a:ext>
+            <a:ext uri="{91240B29-F687-4F45-9708-019B960494DF}">
+              <a14:hiddenLine xmlns:a14="http://schemas.microsoft.com/office/drawing/2010/main" w="9525">
+                <a:solidFill>
+                  <a:schemeClr val="tx1"/>
+                </a:solidFill>
+                <a:miter lim="800000"/>
+                <a:headEnd/>
+                <a:tailEnd/>
+              </a14:hiddenLine>
+            </a:ext>
+          </a:extLst>
+        </p:spPr>
+      </p:pic>
+      <p:sp>
+        <p:nvSpPr>
+          <p:cNvPr id="128" name="Textfeld 127"/>
+          <p:cNvSpPr txBox="1"/>
+          <p:nvPr/>
+        </p:nvSpPr>
+        <p:spPr>
+          <a:xfrm>
+            <a:off x="2940333" y="34407810"/>
+            <a:ext cx="3710191" cy="1631216"/>
+          </a:xfrm>
+          <a:prstGeom prst="rect">
+            <a:avLst/>
+          </a:prstGeom>
+          <a:noFill/>
+        </p:spPr>
+        <p:txBody>
+          <a:bodyPr wrap="square" rtlCol="0">
+            <a:spAutoFit/>
+          </a:bodyPr>
+          <a:lstStyle/>
+          <a:p>
+            <a:pPr algn="just"/>
+            <a:r>
+              <a:rPr lang="de-DE" sz="2000" b="1" dirty="0"/>
+              <a:t>Station 3 – </a:t>
+            </a:r>
+            <a:r>
+              <a:rPr lang="de-DE" sz="2000" dirty="0"/>
+              <a:t>TVOC-Duelle</a:t>
+            </a:r>
+            <a:endParaRPr lang="de-DE" sz="2400" dirty="0"/>
+          </a:p>
+          <a:p>
+            <a:pPr algn="just"/>
+            <a:r>
+              <a:rPr lang="de-DE" sz="2000" dirty="0"/>
+              <a:t>Seien es Lacke, Filzstifte, Bodenbeläge oder Klebstoffe. Viele Produkte enthalten gesundheitsschädliche Stoffe. </a:t>
+            </a:r>
+          </a:p>
+        </p:txBody>
+      </p:sp>
+      <p:sp>
+        <p:nvSpPr>
+          <p:cNvPr id="130" name="Textfeld 129"/>
+          <p:cNvSpPr txBox="1"/>
+          <p:nvPr/>
+        </p:nvSpPr>
+        <p:spPr>
+          <a:xfrm>
+            <a:off x="8473736" y="34423738"/>
+            <a:ext cx="2668968" cy="2062103"/>
+          </a:xfrm>
+          <a:prstGeom prst="rect">
+            <a:avLst/>
+          </a:prstGeom>
+          <a:noFill/>
+        </p:spPr>
+        <p:txBody>
+          <a:bodyPr wrap="square" rtlCol="0">
+            <a:spAutoFit/>
+          </a:bodyPr>
+          <a:lstStyle/>
+          <a:p>
+            <a:pPr algn="just"/>
+            <a:r>
+              <a:rPr lang="de-DE" sz="2000" b="1" dirty="0"/>
+              <a:t>Station 4 – </a:t>
+            </a:r>
+            <a:r>
+              <a:rPr lang="de-DE" sz="2000" dirty="0"/>
+              <a:t>Dicke Luft</a:t>
+            </a:r>
+            <a:endParaRPr lang="de-DE" sz="2400" dirty="0"/>
+          </a:p>
+          <a:p>
+            <a:pPr algn="just"/>
+            <a:r>
+              <a:rPr lang="de-DE" sz="600" dirty="0"/>
+              <a:t> </a:t>
+            </a:r>
+          </a:p>
+          <a:p>
+            <a:pPr algn="just"/>
+            <a:r>
+              <a:rPr lang="de-DE" sz="2000" dirty="0"/>
+              <a:t>Die effektivste Me- </a:t>
+            </a:r>
+            <a:r>
+              <a:rPr lang="de-DE" sz="2000" dirty="0" err="1"/>
+              <a:t>thode</a:t>
+            </a:r>
+            <a:r>
+              <a:rPr lang="de-DE" sz="2000" dirty="0"/>
+              <a:t> zur Erhaltung einer guten Innenraum-</a:t>
+            </a:r>
+            <a:r>
+              <a:rPr lang="de-DE" sz="2000" dirty="0" err="1"/>
+              <a:t>luftqualität</a:t>
+            </a:r>
+            <a:r>
+              <a:rPr lang="de-DE" sz="2000" dirty="0"/>
+              <a:t> ist regel-mäßiges Lüften. </a:t>
+            </a:r>
+          </a:p>
+        </p:txBody>
+      </p:sp>
+      <p:graphicFrame>
+        <p:nvGraphicFramePr>
+          <p:cNvPr id="168" name="Diagramm 167"/>
+          <p:cNvGraphicFramePr>
+            <a:graphicFrameLocks/>
+          </p:cNvGraphicFramePr>
+          <p:nvPr>
+            <p:extLst>
+              <p:ext uri="{D42A27DB-BD31-4B8C-83A1-F6EECF244321}">
+                <p14:modId xmlns:p14="http://schemas.microsoft.com/office/powerpoint/2010/main" val="2690669114"/>
+              </p:ext>
+            </p:extLst>
+          </p:nvPr>
+        </p:nvGraphicFramePr>
+        <p:xfrm>
+          <a:off x="11977402" y="34565391"/>
+          <a:ext cx="1902445" cy="1278774"/>
+        </p:xfrm>
+        <a:graphic>
+          <a:graphicData uri="http://schemas.openxmlformats.org/drawingml/2006/chart">
+            <c:chart xmlns:c="http://schemas.openxmlformats.org/drawingml/2006/chart" xmlns:r="http://schemas.openxmlformats.org/officeDocument/2006/relationships" r:id="rId16"/>
+          </a:graphicData>
+        </a:graphic>
+      </p:graphicFrame>
+      <p:sp>
+        <p:nvSpPr>
+          <p:cNvPr id="132" name="Textfeld 131"/>
+          <p:cNvSpPr txBox="1"/>
+          <p:nvPr/>
+        </p:nvSpPr>
+        <p:spPr>
+          <a:xfrm>
+            <a:off x="12118333" y="35788612"/>
+            <a:ext cx="1761514" cy="215444"/>
+          </a:xfrm>
+          <a:prstGeom prst="rect">
+            <a:avLst/>
+          </a:prstGeom>
+          <a:noFill/>
+        </p:spPr>
+        <p:txBody>
+          <a:bodyPr wrap="square" rtlCol="0">
+            <a:spAutoFit/>
+          </a:bodyPr>
+          <a:lstStyle/>
+          <a:p>
+            <a:r>
+              <a:rPr lang="de-DE" sz="800" dirty="0"/>
+              <a:t>0% Lüfter (Volumenstrom: 0 m³/min)</a:t>
+            </a:r>
+          </a:p>
+        </p:txBody>
+      </p:sp>
+      <p:sp>
+        <p:nvSpPr>
+          <p:cNvPr id="174" name="Textfeld 173"/>
+          <p:cNvSpPr txBox="1"/>
+          <p:nvPr/>
+        </p:nvSpPr>
+        <p:spPr>
+          <a:xfrm>
+            <a:off x="12120971" y="35992636"/>
+            <a:ext cx="1886044" cy="215444"/>
+          </a:xfrm>
+          <a:prstGeom prst="rect">
+            <a:avLst/>
+          </a:prstGeom>
+          <a:noFill/>
+        </p:spPr>
+        <p:txBody>
+          <a:bodyPr wrap="square" rtlCol="0">
+            <a:spAutoFit/>
+          </a:bodyPr>
+          <a:lstStyle/>
+          <a:p>
+            <a:r>
+              <a:rPr lang="de-DE" sz="800" dirty="0"/>
+              <a:t>50% Lüfter (Volumenstrom: 0,9 m³/min)</a:t>
+            </a:r>
+          </a:p>
+        </p:txBody>
+      </p:sp>
+      <p:sp>
+        <p:nvSpPr>
+          <p:cNvPr id="175" name="Textfeld 174"/>
+          <p:cNvSpPr txBox="1"/>
+          <p:nvPr/>
+        </p:nvSpPr>
+        <p:spPr>
+          <a:xfrm>
+            <a:off x="12104006" y="36186334"/>
+            <a:ext cx="2006403" cy="215444"/>
+          </a:xfrm>
+          <a:prstGeom prst="rect">
+            <a:avLst/>
+          </a:prstGeom>
+          <a:noFill/>
+        </p:spPr>
+        <p:txBody>
+          <a:bodyPr wrap="square" rtlCol="0">
+            <a:spAutoFit/>
+          </a:bodyPr>
+          <a:lstStyle/>
+          <a:p>
+            <a:r>
+              <a:rPr lang="de-DE" sz="800" dirty="0"/>
+              <a:t>100% Lüfter (Volumenstrom: 1,8 m³/min)</a:t>
+            </a:r>
+          </a:p>
+        </p:txBody>
+      </p:sp>
+      <p:sp>
+        <p:nvSpPr>
+          <p:cNvPr id="171" name="Ellipse 170"/>
+          <p:cNvSpPr/>
+          <p:nvPr/>
+        </p:nvSpPr>
+        <p:spPr>
+          <a:xfrm>
+            <a:off x="12046720" y="35856194"/>
+            <a:ext cx="97437" cy="90255"/>
+          </a:xfrm>
+          <a:prstGeom prst="ellipse">
+            <a:avLst/>
+          </a:prstGeom>
+          <a:solidFill>
+            <a:schemeClr val="accent1"/>
+          </a:solidFill>
+          <a:ln>
+            <a:solidFill>
+              <a:schemeClr val="accent1"/>
+            </a:solidFill>
+          </a:ln>
+        </p:spPr>
+        <p:style>
+          <a:lnRef idx="2">
+            <a:schemeClr val="accent1">
+              <a:shade val="50000"/>
+            </a:schemeClr>
+          </a:lnRef>
+          <a:fillRef idx="1">
+            <a:schemeClr val="accent1"/>
+          </a:fillRef>
+          <a:effectRef idx="0">
+            <a:schemeClr val="accent1"/>
+          </a:effectRef>
+          <a:fontRef idx="minor">
+            <a:schemeClr val="lt1"/>
+          </a:fontRef>
+        </p:style>
+        <p:txBody>
+          <a:bodyPr rtlCol="0" anchor="ctr"/>
+          <a:lstStyle/>
+          <a:p>
+            <a:pPr algn="ctr"/>
+            <a:endParaRPr lang="de-DE"/>
+          </a:p>
+        </p:txBody>
+      </p:sp>
+      <p:sp>
+        <p:nvSpPr>
+          <p:cNvPr id="131" name="Ellipse 130"/>
+          <p:cNvSpPr/>
+          <p:nvPr/>
+        </p:nvSpPr>
+        <p:spPr>
+          <a:xfrm>
+            <a:off x="12046458" y="36044250"/>
+            <a:ext cx="97437" cy="90255"/>
+          </a:xfrm>
+          <a:prstGeom prst="ellipse">
+            <a:avLst/>
+          </a:prstGeom>
+          <a:solidFill>
+            <a:srgbClr val="FF0000"/>
+          </a:solidFill>
+          <a:ln>
+            <a:solidFill>
+              <a:srgbClr val="FF0000"/>
+            </a:solidFill>
+          </a:ln>
+        </p:spPr>
+        <p:style>
+          <a:lnRef idx="2">
+            <a:schemeClr val="accent1">
+              <a:shade val="50000"/>
+            </a:schemeClr>
+          </a:lnRef>
+          <a:fillRef idx="1">
+            <a:schemeClr val="accent1"/>
+          </a:fillRef>
+          <a:effectRef idx="0">
+            <a:schemeClr val="accent1"/>
+          </a:effectRef>
+          <a:fontRef idx="minor">
+            <a:schemeClr val="lt1"/>
+          </a:fontRef>
+        </p:style>
+        <p:txBody>
+          <a:bodyPr rtlCol="0" anchor="ctr"/>
+          <a:lstStyle/>
+          <a:p>
+            <a:pPr algn="ctr"/>
+            <a:endParaRPr lang="de-DE"/>
+          </a:p>
+        </p:txBody>
+      </p:sp>
+      <p:sp>
+        <p:nvSpPr>
+          <p:cNvPr id="172" name="Ellipse 171"/>
+          <p:cNvSpPr/>
+          <p:nvPr/>
+        </p:nvSpPr>
+        <p:spPr>
+          <a:xfrm>
+            <a:off x="12046720" y="36247705"/>
+            <a:ext cx="97437" cy="90255"/>
+          </a:xfrm>
+          <a:prstGeom prst="ellipse">
+            <a:avLst/>
+          </a:prstGeom>
+          <a:solidFill>
+            <a:srgbClr val="92D050"/>
+          </a:solidFill>
+          <a:ln>
+            <a:solidFill>
+              <a:srgbClr val="92D050"/>
+            </a:solidFill>
+          </a:ln>
+        </p:spPr>
+        <p:style>
+          <a:lnRef idx="2">
+            <a:schemeClr val="accent1">
+              <a:shade val="50000"/>
+            </a:schemeClr>
+          </a:lnRef>
+          <a:fillRef idx="1">
+            <a:schemeClr val="accent1"/>
+          </a:fillRef>
+          <a:effectRef idx="0">
+            <a:schemeClr val="accent1"/>
+          </a:effectRef>
+          <a:fontRef idx="minor">
+            <a:schemeClr val="lt1"/>
+          </a:fontRef>
+        </p:style>
+        <p:txBody>
+          <a:bodyPr rtlCol="0" anchor="ctr"/>
+          <a:lstStyle/>
+          <a:p>
+            <a:pPr algn="ctr"/>
+            <a:endParaRPr lang="de-DE"/>
+          </a:p>
+        </p:txBody>
+      </p:sp>
+      <p:cxnSp>
+        <p:nvCxnSpPr>
+          <p:cNvPr id="71" name="Gerade Verbindung 70"/>
+          <p:cNvCxnSpPr>
+            <a:cxnSpLocks/>
+            <a:stCxn id="95" idx="2"/>
+          </p:cNvCxnSpPr>
+          <p:nvPr/>
+        </p:nvCxnSpPr>
+        <p:spPr>
+          <a:xfrm flipH="1" flipV="1">
+            <a:off x="8333940" y="32096959"/>
+            <a:ext cx="5060" cy="4614928"/>
+          </a:xfrm>
+          <a:prstGeom prst="line">
+            <a:avLst/>
+          </a:prstGeom>
+        </p:spPr>
+        <p:style>
+          <a:lnRef idx="1">
+            <a:schemeClr val="accent1"/>
+          </a:lnRef>
+          <a:fillRef idx="0">
+            <a:schemeClr val="accent1"/>
+          </a:fillRef>
+          <a:effectRef idx="0">
+            <a:schemeClr val="accent1"/>
+          </a:effectRef>
+          <a:fontRef idx="minor">
+            <a:schemeClr val="tx1"/>
+          </a:fontRef>
+        </p:style>
+      </p:cxnSp>
+      <p:cxnSp>
+        <p:nvCxnSpPr>
+          <p:cNvPr id="81" name="Gerade Verbindung 80"/>
+          <p:cNvCxnSpPr>
+            <a:cxnSpLocks/>
+          </p:cNvCxnSpPr>
+          <p:nvPr/>
+        </p:nvCxnSpPr>
+        <p:spPr>
+          <a:xfrm>
+            <a:off x="2693818" y="34373457"/>
+            <a:ext cx="11255911" cy="0"/>
+          </a:xfrm>
+          <a:prstGeom prst="line">
+            <a:avLst/>
+          </a:prstGeom>
+        </p:spPr>
+        <p:style>
+          <a:lnRef idx="1">
+            <a:schemeClr val="accent1"/>
+          </a:lnRef>
+          <a:fillRef idx="0">
+            <a:schemeClr val="accent1"/>
+          </a:fillRef>
+          <a:effectRef idx="0">
+            <a:schemeClr val="accent1"/>
+          </a:effectRef>
+          <a:fontRef idx="minor">
+            <a:schemeClr val="tx1"/>
+          </a:fontRef>
+        </p:style>
+      </p:cxnSp>
+      <p:cxnSp>
+        <p:nvCxnSpPr>
+          <p:cNvPr id="74" name="Gerade Verbindung 73"/>
+          <p:cNvCxnSpPr>
+            <a:cxnSpLocks/>
+          </p:cNvCxnSpPr>
+          <p:nvPr/>
+        </p:nvCxnSpPr>
+        <p:spPr>
+          <a:xfrm>
+            <a:off x="2714322" y="32069344"/>
+            <a:ext cx="11235407" cy="27615"/>
+          </a:xfrm>
+          <a:prstGeom prst="line">
+            <a:avLst/>
+          </a:prstGeom>
+        </p:spPr>
+        <p:style>
+          <a:lnRef idx="1">
+            <a:schemeClr val="accent1"/>
+          </a:lnRef>
+          <a:fillRef idx="0">
+            <a:schemeClr val="accent1"/>
+          </a:fillRef>
+          <a:effectRef idx="0">
+            <a:schemeClr val="accent1"/>
+          </a:effectRef>
+          <a:fontRef idx="minor">
+            <a:schemeClr val="tx1"/>
+          </a:fontRef>
+        </p:style>
+      </p:cxnSp>
+      <p:sp>
+        <p:nvSpPr>
+          <p:cNvPr id="127" name="Textfeld 126"/>
+          <p:cNvSpPr txBox="1"/>
+          <p:nvPr/>
+        </p:nvSpPr>
+        <p:spPr>
+          <a:xfrm>
+            <a:off x="8473736" y="33118778"/>
+            <a:ext cx="5321617" cy="1323439"/>
+          </a:xfrm>
+          <a:prstGeom prst="rect">
+            <a:avLst/>
+          </a:prstGeom>
+          <a:noFill/>
+        </p:spPr>
+        <p:txBody>
+          <a:bodyPr wrap="square" rtlCol="0">
+            <a:spAutoFit/>
+          </a:bodyPr>
+          <a:lstStyle/>
+          <a:p>
+            <a:pPr algn="just"/>
+            <a:r>
+              <a:rPr lang="de-DE" sz="2000" dirty="0"/>
+              <a:t>oder erst in sehr hohen Konzentrationen wahrnehmen. Sensoren hingegen können diese auch in kleinsten Mengen detektieren und so vor Gefahren warnen.</a:t>
+            </a:r>
+          </a:p>
+        </p:txBody>
+      </p:sp>
+      <p:sp>
+        <p:nvSpPr>
+          <p:cNvPr id="129" name="Textfeld 128"/>
+          <p:cNvSpPr txBox="1"/>
+          <p:nvPr/>
+        </p:nvSpPr>
+        <p:spPr>
+          <a:xfrm>
+            <a:off x="2933002" y="35946449"/>
+            <a:ext cx="5274300" cy="1015663"/>
+          </a:xfrm>
+          <a:prstGeom prst="rect">
+            <a:avLst/>
+          </a:prstGeom>
+          <a:noFill/>
+        </p:spPr>
+        <p:txBody>
+          <a:bodyPr wrap="square" rtlCol="0">
+            <a:spAutoFit/>
+          </a:bodyPr>
+          <a:lstStyle/>
+          <a:p>
+            <a:pPr algn="just"/>
+            <a:r>
+              <a:rPr lang="de-DE" sz="2000" dirty="0"/>
+              <a:t>Doch es gibt auch  umwelt-  und  gesundheitlich</a:t>
+            </a:r>
+          </a:p>
+          <a:p>
+            <a:pPr algn="just"/>
+            <a:r>
+              <a:rPr lang="de-DE" sz="2000" dirty="0"/>
+              <a:t>unbedenkliche Alternativen.</a:t>
+            </a:r>
+          </a:p>
+          <a:p>
+            <a:endParaRPr lang="de-DE" sz="2000" dirty="0"/>
+          </a:p>
+        </p:txBody>
+      </p:sp>
+      <p:sp>
+        <p:nvSpPr>
+          <p:cNvPr id="13" name="Rechteck 12">
+            <a:extLst>
+              <a:ext uri="{FF2B5EF4-FFF2-40B4-BE49-F238E27FC236}">
+                <a16:creationId xmlns:a16="http://schemas.microsoft.com/office/drawing/2014/main" id="{CAFC0BEF-CA38-4D02-BF61-346337F923BE}"/>
+              </a:ext>
+            </a:extLst>
+          </p:cNvPr>
+          <p:cNvSpPr/>
+          <p:nvPr/>
+        </p:nvSpPr>
+        <p:spPr>
+          <a:xfrm>
+            <a:off x="16157367" y="11670523"/>
+            <a:ext cx="11218208" cy="3553171"/>
+          </a:xfrm>
+          <a:prstGeom prst="rect">
+            <a:avLst/>
+          </a:prstGeom>
+          <a:solidFill>
+            <a:schemeClr val="bg1"/>
+          </a:solidFill>
+        </p:spPr>
+        <p:style>
+          <a:lnRef idx="2">
+            <a:schemeClr val="accent1">
+              <a:shade val="50000"/>
+            </a:schemeClr>
+          </a:lnRef>
+          <a:fillRef idx="1">
+            <a:schemeClr val="accent1"/>
+          </a:fillRef>
+          <a:effectRef idx="0">
+            <a:schemeClr val="accent1"/>
+          </a:effectRef>
+          <a:fontRef idx="minor">
+            <a:schemeClr val="lt1"/>
+          </a:fontRef>
+        </p:style>
+        <p:txBody>
+          <a:bodyPr rtlCol="0" anchor="ctr"/>
+          <a:lstStyle/>
+          <a:p>
+            <a:pPr algn="ctr"/>
+            <a:endParaRPr lang="de-DE"/>
+          </a:p>
+        </p:txBody>
+      </p:sp>
+      <p:pic>
+        <p:nvPicPr>
+          <p:cNvPr id="1052" name="Picture 15" descr="https://image.jimcdn.com/app/cms/image/transf/dimension=161x10000:format=png/path/s27aa108ee3a8a9fa/image/i987a88b7570f5bd9/version/1567077678/image.png"/>
+          <p:cNvPicPr>
+            <a:picLocks noChangeAspect="1" noChangeArrowheads="1"/>
+          </p:cNvPicPr>
+          <p:nvPr/>
+        </p:nvPicPr>
+        <p:blipFill>
+          <a:blip r:embed="rId17">
+            <a:extLst>
+              <a:ext uri="{28A0092B-C50C-407E-A947-70E740481C1C}">
+                <a14:useLocalDpi xmlns:a14="http://schemas.microsoft.com/office/drawing/2010/main" val="0"/>
+              </a:ext>
+            </a:extLst>
+          </a:blip>
+          <a:srcRect/>
+          <a:stretch>
+            <a:fillRect/>
+          </a:stretch>
+        </p:blipFill>
+        <p:spPr bwMode="auto">
+          <a:xfrm>
+            <a:off x="25666739" y="13415324"/>
+            <a:ext cx="1280752" cy="1559176"/>
           </a:xfrm>
           <a:prstGeom prst="rect">
             <a:avLst/>
@@ -7974,7 +9375,7 @@
           <p:nvPr/>
         </p:nvPicPr>
         <p:blipFill>
-          <a:blip r:embed="rId10">
+          <a:blip r:embed="rId18">
             <a:extLst>
               <a:ext uri="{28A0092B-C50C-407E-A947-70E740481C1C}">
                 <a14:useLocalDpi xmlns:a14="http://schemas.microsoft.com/office/drawing/2010/main" val="0"/>
@@ -7988,8 +9389,8 @@
         </p:blipFill>
         <p:spPr bwMode="auto">
           <a:xfrm>
-            <a:off x="23747572" y="11602755"/>
-            <a:ext cx="2519121" cy="1555696"/>
+            <a:off x="24293875" y="11754146"/>
+            <a:ext cx="2396174" cy="1479769"/>
           </a:xfrm>
           <a:prstGeom prst="rect">
             <a:avLst/>
@@ -8008,178 +9409,19 @@
       </p:pic>
       <p:pic>
         <p:nvPicPr>
-          <p:cNvPr id="1054" name="Picture 19" descr="https://image.jimcdn.com/app/cms/image/transf/dimension=661x10000:format=png/path/s27aa108ee3a8a9fa/image/if70d31d10ce751e1/version/1568102416/image.png"/>
-          <p:cNvPicPr>
-            <a:picLocks noChangeAspect="1" noChangeArrowheads="1"/>
-          </p:cNvPicPr>
-          <p:nvPr/>
-        </p:nvPicPr>
-        <p:blipFill>
-          <a:blip r:embed="rId11">
-            <a:extLst>
-              <a:ext uri="{28A0092B-C50C-407E-A947-70E740481C1C}">
-                <a14:useLocalDpi xmlns:a14="http://schemas.microsoft.com/office/drawing/2010/main" val="0"/>
-              </a:ext>
-            </a:extLst>
-          </a:blip>
-          <a:srcRect/>
-          <a:stretch>
-            <a:fillRect/>
-          </a:stretch>
-        </p:blipFill>
-        <p:spPr bwMode="auto">
-          <a:xfrm>
-            <a:off x="16318666" y="20636707"/>
-            <a:ext cx="5844502" cy="2281214"/>
-          </a:xfrm>
-          <a:prstGeom prst="rect">
-            <a:avLst/>
-          </a:prstGeom>
-          <a:noFill/>
-          <a:extLst>
-            <a:ext uri="{909E8E84-426E-40DD-AFC4-6F175D3DCCD1}">
-              <a14:hiddenFill xmlns:a14="http://schemas.microsoft.com/office/drawing/2010/main">
-                <a:solidFill>
-                  <a:srgbClr val="FFFFFF"/>
-                </a:solidFill>
-              </a14:hiddenFill>
-            </a:ext>
-          </a:extLst>
-        </p:spPr>
-      </p:pic>
-      <p:pic>
-        <p:nvPicPr>
-          <p:cNvPr id="1055" name="Picture 21" descr="https://image.jimcdn.com/app/cms/image/transf/dimension=319x10000:format=png/path/s27aa108ee3a8a9fa/image/i03e56e0c17e93ad8/version/1567078000/image.png"/>
-          <p:cNvPicPr>
-            <a:picLocks noChangeAspect="1" noChangeArrowheads="1"/>
-          </p:cNvPicPr>
-          <p:nvPr/>
-        </p:nvPicPr>
-        <p:blipFill>
-          <a:blip r:embed="rId12">
-            <a:extLst>
-              <a:ext uri="{28A0092B-C50C-407E-A947-70E740481C1C}">
-                <a14:useLocalDpi xmlns:a14="http://schemas.microsoft.com/office/drawing/2010/main" val="0"/>
-              </a:ext>
-            </a:extLst>
-          </a:blip>
-          <a:srcRect/>
-          <a:stretch>
-            <a:fillRect/>
-          </a:stretch>
-        </p:blipFill>
-        <p:spPr bwMode="auto">
-          <a:xfrm>
-            <a:off x="23758236" y="16419160"/>
-            <a:ext cx="2497795" cy="2098461"/>
-          </a:xfrm>
-          <a:prstGeom prst="rect">
-            <a:avLst/>
-          </a:prstGeom>
-          <a:noFill/>
-          <a:extLst>
-            <a:ext uri="{909E8E84-426E-40DD-AFC4-6F175D3DCCD1}">
-              <a14:hiddenFill xmlns:a14="http://schemas.microsoft.com/office/drawing/2010/main">
-                <a:solidFill>
-                  <a:srgbClr val="FFFFFF"/>
-                </a:solidFill>
-              </a14:hiddenFill>
-            </a:ext>
-          </a:extLst>
-        </p:spPr>
-      </p:pic>
-      <p:pic>
-        <p:nvPicPr>
-          <p:cNvPr id="64" name="Picture 22" descr="C:\Users\Sebastian Höfner\Desktop\Umweltstudien\Bienen\Durchschnitt.png"/>
-          <p:cNvPicPr>
-            <a:picLocks noChangeAspect="1" noChangeArrowheads="1"/>
-          </p:cNvPicPr>
-          <p:nvPr/>
-        </p:nvPicPr>
-        <p:blipFill>
-          <a:blip r:embed="rId13">
-            <a:extLst>
-              <a:ext uri="{28A0092B-C50C-407E-A947-70E740481C1C}">
-                <a14:useLocalDpi xmlns:a14="http://schemas.microsoft.com/office/drawing/2010/main" val="0"/>
-              </a:ext>
-            </a:extLst>
-          </a:blip>
-          <a:srcRect/>
-          <a:stretch>
-            <a:fillRect/>
-          </a:stretch>
-        </p:blipFill>
-        <p:spPr bwMode="auto">
-          <a:xfrm>
-            <a:off x="23335702" y="23212738"/>
-            <a:ext cx="3405322" cy="2553992"/>
-          </a:xfrm>
-          <a:prstGeom prst="rect">
-            <a:avLst/>
-          </a:prstGeom>
-          <a:noFill/>
-          <a:extLst>
-            <a:ext uri="{909E8E84-426E-40DD-AFC4-6F175D3DCCD1}">
-              <a14:hiddenFill xmlns:a14="http://schemas.microsoft.com/office/drawing/2010/main">
-                <a:solidFill>
-                  <a:srgbClr val="FFFFFF"/>
-                </a:solidFill>
-              </a14:hiddenFill>
-            </a:ext>
-          </a:extLst>
-        </p:spPr>
-      </p:pic>
-      <p:pic>
-        <p:nvPicPr>
-          <p:cNvPr id="112" name="Grafik 111"/>
-          <p:cNvPicPr/>
-          <p:nvPr/>
-        </p:nvPicPr>
-        <p:blipFill rotWithShape="1">
-          <a:blip r:embed="rId14">
-            <a:extLst>
-              <a:ext uri="{28A0092B-C50C-407E-A947-70E740481C1C}">
-                <a14:useLocalDpi xmlns:a14="http://schemas.microsoft.com/office/drawing/2010/main" val="0"/>
-              </a:ext>
-            </a:extLst>
-          </a:blip>
-          <a:srcRect t="-13"/>
-          <a:stretch/>
-        </p:blipFill>
-        <p:spPr bwMode="auto">
-          <a:xfrm>
-            <a:off x="3161939" y="22208120"/>
-            <a:ext cx="3354798" cy="3013570"/>
-          </a:xfrm>
-          <a:prstGeom prst="rect">
-            <a:avLst/>
-          </a:prstGeom>
-          <a:noFill/>
-          <a:ln>
-            <a:noFill/>
-          </a:ln>
-          <a:extLst>
-            <a:ext uri="{53640926-AAD7-44D8-BBD7-CCE9431645EC}">
-              <a14:shadowObscured xmlns:a14="http://schemas.microsoft.com/office/drawing/2010/main"/>
-            </a:ext>
-          </a:extLst>
-        </p:spPr>
-      </p:pic>
-      <p:pic>
-        <p:nvPicPr>
           <p:cNvPr id="114" name="Grafik 113"/>
           <p:cNvPicPr/>
           <p:nvPr/>
         </p:nvPicPr>
         <p:blipFill>
-          <a:blip r:embed="rId15" cstate="print"/>
+          <a:blip r:embed="rId19" cstate="print"/>
           <a:stretch>
             <a:fillRect/>
           </a:stretch>
         </p:blipFill>
         <p:spPr>
           <a:xfrm>
-            <a:off x="23524592" y="13158451"/>
+            <a:off x="23790711" y="13337617"/>
             <a:ext cx="1576900" cy="1714590"/>
           </a:xfrm>
           <a:prstGeom prst="rect">
@@ -8217,157 +9459,16 @@
           </a:sp3d>
         </p:spPr>
       </p:pic>
-      <p:pic>
-        <p:nvPicPr>
-          <p:cNvPr id="117" name="Grafik 116"/>
-          <p:cNvPicPr/>
-          <p:nvPr/>
-        </p:nvPicPr>
-        <p:blipFill>
-          <a:blip r:embed="rId16" cstate="print">
-            <a:extLst>
-              <a:ext uri="{28A0092B-C50C-407E-A947-70E740481C1C}">
-                <a14:useLocalDpi xmlns:a14="http://schemas.microsoft.com/office/drawing/2010/main" val="0"/>
-              </a:ext>
-            </a:extLst>
-          </a:blip>
-          <a:srcRect/>
-          <a:stretch>
-            <a:fillRect/>
-          </a:stretch>
-        </p:blipFill>
-        <p:spPr bwMode="auto">
-          <a:xfrm>
-            <a:off x="23775340" y="18562808"/>
-            <a:ext cx="2463585" cy="1921195"/>
-          </a:xfrm>
-          <a:prstGeom prst="rect">
-            <a:avLst/>
-          </a:prstGeom>
-          <a:noFill/>
-          <a:ln>
-            <a:noFill/>
-          </a:ln>
-        </p:spPr>
-      </p:pic>
-      <p:pic>
-        <p:nvPicPr>
-          <p:cNvPr id="121" name="Picture 2"/>
-          <p:cNvPicPr>
-            <a:picLocks noChangeAspect="1" noChangeArrowheads="1"/>
-          </p:cNvPicPr>
-          <p:nvPr/>
-        </p:nvPicPr>
-        <p:blipFill>
-          <a:blip r:embed="rId17">
-            <a:extLst>
-              <a:ext uri="{28A0092B-C50C-407E-A947-70E740481C1C}">
-                <a14:useLocalDpi xmlns:a14="http://schemas.microsoft.com/office/drawing/2010/main" val="0"/>
-              </a:ext>
-            </a:extLst>
-          </a:blip>
-          <a:srcRect/>
-          <a:stretch>
-            <a:fillRect/>
-          </a:stretch>
-        </p:blipFill>
-        <p:spPr bwMode="auto">
-          <a:xfrm>
-            <a:off x="3084410" y="15153398"/>
-            <a:ext cx="5483101" cy="2197028"/>
-          </a:xfrm>
-          <a:prstGeom prst="rect">
-            <a:avLst/>
-          </a:prstGeom>
-          <a:noFill/>
-          <a:ln>
-            <a:noFill/>
-          </a:ln>
-          <a:extLst>
-            <a:ext uri="{909E8E84-426E-40DD-AFC4-6F175D3DCCD1}">
-              <a14:hiddenFill xmlns:a14="http://schemas.microsoft.com/office/drawing/2010/main">
-                <a:solidFill>
-                  <a:schemeClr val="accent1"/>
-                </a:solidFill>
-              </a14:hiddenFill>
-            </a:ext>
-            <a:ext uri="{91240B29-F687-4F45-9708-019B960494DF}">
-              <a14:hiddenLine xmlns:a14="http://schemas.microsoft.com/office/drawing/2010/main" w="9525">
-                <a:solidFill>
-                  <a:schemeClr val="tx1"/>
-                </a:solidFill>
-                <a:miter lim="800000"/>
-                <a:headEnd/>
-                <a:tailEnd/>
-              </a14:hiddenLine>
-            </a:ext>
-          </a:extLst>
-        </p:spPr>
-      </p:pic>
-      <p:pic>
-        <p:nvPicPr>
-          <p:cNvPr id="122" name="Grafik 121"/>
-          <p:cNvPicPr>
-            <a:picLocks noChangeAspect="1" noChangeArrowheads="1"/>
-          </p:cNvPicPr>
-          <p:nvPr/>
-        </p:nvPicPr>
-        <p:blipFill>
-          <a:blip r:embed="rId18" cstate="print">
-            <a:extLst>
-              <a:ext uri="{28A0092B-C50C-407E-A947-70E740481C1C}">
-                <a14:useLocalDpi xmlns:a14="http://schemas.microsoft.com/office/drawing/2010/main" val="0"/>
-              </a:ext>
-            </a:extLst>
-          </a:blip>
-          <a:srcRect/>
-          <a:stretch>
-            <a:fillRect/>
-          </a:stretch>
-        </p:blipFill>
-        <p:spPr bwMode="auto">
-          <a:xfrm>
-            <a:off x="10025858" y="20373211"/>
-            <a:ext cx="2565602" cy="2469673"/>
-          </a:xfrm>
-          <a:prstGeom prst="rect">
-            <a:avLst/>
-          </a:prstGeom>
-          <a:noFill/>
-          <a:ln>
-            <a:noFill/>
-          </a:ln>
-          <a:extLst>
-            <a:ext uri="{909E8E84-426E-40DD-AFC4-6F175D3DCCD1}">
-              <a14:hiddenFill xmlns:a14="http://schemas.microsoft.com/office/drawing/2010/main">
-                <a:solidFill>
-                  <a:srgbClr val="FFFFFF"/>
-                </a:solidFill>
-              </a14:hiddenFill>
-            </a:ext>
-            <a:ext uri="{91240B29-F687-4F45-9708-019B960494DF}">
-              <a14:hiddenLine xmlns:a14="http://schemas.microsoft.com/office/drawing/2010/main" w="9525">
-                <a:solidFill>
-                  <a:srgbClr val="000000"/>
-                </a:solidFill>
-                <a:miter lim="800000"/>
-                <a:headEnd/>
-                <a:tailEnd/>
-              </a14:hiddenLine>
-            </a:ext>
-          </a:extLst>
-        </p:spPr>
-      </p:pic>
-      <p:sp>
-        <p:nvSpPr>
-          <p:cNvPr id="69" name="Textfeld 68"/>
+      <p:sp>
+        <p:nvSpPr>
+          <p:cNvPr id="136" name="Textfeld 135"/>
           <p:cNvSpPr txBox="1"/>
           <p:nvPr/>
         </p:nvSpPr>
         <p:spPr>
           <a:xfrm>
-            <a:off x="8428178" y="32944363"/>
-            <a:ext cx="5097287" cy="400110"/>
+            <a:off x="16321937" y="11810058"/>
+            <a:ext cx="7026738" cy="2954655"/>
           </a:xfrm>
           <a:prstGeom prst="rect">
             <a:avLst/>
@@ -8380,1784 +9481,86 @@
           </a:bodyPr>
           <a:lstStyle/>
           <a:p>
-            <a:r>
-              <a:rPr lang="de-DE" sz="2000" b="1" dirty="0" smtClean="0"/>
-              <a:t>Station 2 </a:t>
-            </a:r>
-            <a:r>
-              <a:rPr lang="de-DE" sz="2000" dirty="0" smtClean="0"/>
-              <a:t>– Mensch vs. Sensor</a:t>
-            </a:r>
-            <a:endParaRPr lang="de-DE" sz="2400" dirty="0"/>
-          </a:p>
-        </p:txBody>
-      </p:sp>
-      <p:cxnSp>
-        <p:nvCxnSpPr>
-          <p:cNvPr id="71" name="Gerade Verbindung 70"/>
-          <p:cNvCxnSpPr/>
+            <a:pPr algn="just"/>
+            <a:r>
+              <a:rPr lang="de-DE" sz="2000" b="1" dirty="0"/>
+              <a:t>Ziel- und Umsetzung</a:t>
+            </a:r>
+          </a:p>
+          <a:p>
+            <a:pPr algn="just"/>
+            <a:r>
+              <a:rPr lang="de-DE" sz="600" b="1" dirty="0"/>
+              <a:t> </a:t>
+            </a:r>
+          </a:p>
+          <a:p>
+            <a:pPr algn="just"/>
+            <a:r>
+              <a:rPr lang="de-DE" sz="2000" dirty="0"/>
+              <a:t>Im Rahmen des Nachwuchswettbewerbs „Jugend forscht“ wurde eine „Google </a:t>
+            </a:r>
+            <a:r>
+              <a:rPr lang="de-DE" sz="2000" dirty="0" err="1"/>
+              <a:t>Maps</a:t>
+            </a:r>
+            <a:r>
+              <a:rPr lang="de-DE" sz="2000" dirty="0"/>
+              <a:t> Schadstoffkarte“ entwickelt. Mit Hilfe einer 3D-gedruckten Messkammer, in der sich der Sensor BME680 von Bosch befindet, können (</a:t>
+            </a:r>
+            <a:r>
+              <a:rPr lang="de-DE" sz="2000" dirty="0" err="1"/>
+              <a:t>unkalibrierte</a:t>
+            </a:r>
+            <a:r>
+              <a:rPr lang="de-DE" sz="2000" dirty="0"/>
+              <a:t>) Luftqualitätsmessungen der Umgebungsluft gemacht werden. Die Daten werden zusammen mit GPS-Daten an einen Server im Internet gesendet und von der App „</a:t>
+            </a:r>
+            <a:r>
+              <a:rPr lang="de-DE" sz="2000" dirty="0" err="1"/>
+              <a:t>Blynk</a:t>
+            </a:r>
+            <a:r>
+              <a:rPr lang="de-DE" sz="2000" dirty="0"/>
+              <a:t>“ ausgelesen. Diese ermöglicht es, die Daten als </a:t>
+            </a:r>
+            <a:r>
+              <a:rPr lang="de-DE" sz="2000" dirty="0" err="1"/>
+              <a:t>Heatmap</a:t>
+            </a:r>
+            <a:r>
+              <a:rPr lang="de-DE" sz="2000" dirty="0"/>
+              <a:t> über den Google-Dienst </a:t>
+            </a:r>
+            <a:r>
+              <a:rPr lang="de-DE" sz="2000" dirty="0" err="1"/>
+              <a:t>Maps</a:t>
+            </a:r>
+            <a:r>
+              <a:rPr lang="de-DE" sz="2000" dirty="0"/>
+              <a:t> darzustellen. </a:t>
+            </a:r>
+          </a:p>
+        </p:txBody>
+      </p:sp>
+      <p:sp>
+        <p:nvSpPr>
+          <p:cNvPr id="105" name="Rechteck 104">
+            <a:extLst>
+              <a:ext uri="{FF2B5EF4-FFF2-40B4-BE49-F238E27FC236}">
+                <a16:creationId xmlns:a16="http://schemas.microsoft.com/office/drawing/2014/main" id="{47D597BE-B4D3-421F-9622-B242DCEA6693}"/>
+              </a:ext>
+            </a:extLst>
+          </p:cNvPr>
+          <p:cNvSpPr/>
           <p:nvPr/>
-        </p:nvCxnSpPr>
-        <p:spPr>
-          <a:xfrm flipV="1">
-            <a:off x="8332108" y="32925090"/>
-            <a:ext cx="0" cy="4625503"/>
-          </a:xfrm>
-          <a:prstGeom prst="line">
-            <a:avLst/>
-          </a:prstGeom>
-        </p:spPr>
-        <p:style>
-          <a:lnRef idx="1">
-            <a:schemeClr val="accent1"/>
-          </a:lnRef>
-          <a:fillRef idx="0">
-            <a:schemeClr val="accent1"/>
-          </a:fillRef>
-          <a:effectRef idx="0">
-            <a:schemeClr val="accent1"/>
-          </a:effectRef>
-          <a:fontRef idx="minor">
-            <a:schemeClr val="tx1"/>
-          </a:fontRef>
-        </p:style>
-      </p:cxnSp>
-      <p:cxnSp>
-        <p:nvCxnSpPr>
-          <p:cNvPr id="74" name="Gerade Verbindung 73"/>
-          <p:cNvCxnSpPr/>
-          <p:nvPr/>
-        </p:nvCxnSpPr>
+        </p:nvSpPr>
         <p:spPr>
           <a:xfrm>
-            <a:off x="2931505" y="32925089"/>
-            <a:ext cx="10993347" cy="0"/>
-          </a:xfrm>
-          <a:prstGeom prst="line">
-            <a:avLst/>
-          </a:prstGeom>
-        </p:spPr>
-        <p:style>
-          <a:lnRef idx="1">
-            <a:schemeClr val="accent1"/>
-          </a:lnRef>
-          <a:fillRef idx="0">
-            <a:schemeClr val="accent1"/>
-          </a:fillRef>
-          <a:effectRef idx="0">
-            <a:schemeClr val="accent1"/>
-          </a:effectRef>
-          <a:fontRef idx="minor">
-            <a:schemeClr val="tx1"/>
-          </a:fontRef>
-        </p:style>
-      </p:cxnSp>
-      <p:sp>
-        <p:nvSpPr>
-          <p:cNvPr id="77" name="Textfeld 76"/>
-          <p:cNvSpPr txBox="1"/>
-          <p:nvPr/>
-        </p:nvSpPr>
-        <p:spPr>
-          <a:xfrm>
-            <a:off x="3023549" y="32925089"/>
-            <a:ext cx="5037922" cy="400110"/>
+            <a:off x="16176978" y="16075970"/>
+            <a:ext cx="11218208" cy="9615772"/>
           </a:xfrm>
           <a:prstGeom prst="rect">
-            <a:avLst/>
-          </a:prstGeom>
-          <a:noFill/>
-        </p:spPr>
-        <p:txBody>
-          <a:bodyPr wrap="square" rtlCol="0">
-            <a:spAutoFit/>
-          </a:bodyPr>
-          <a:lstStyle/>
-          <a:p>
-            <a:r>
-              <a:rPr lang="de-DE" sz="2000" b="1" dirty="0" smtClean="0"/>
-              <a:t>Station 1 – </a:t>
-            </a:r>
-            <a:r>
-              <a:rPr lang="de-DE" sz="2000" dirty="0" smtClean="0"/>
-              <a:t>Feinstaubmessung</a:t>
-            </a:r>
-            <a:endParaRPr lang="de-DE" sz="2400" dirty="0"/>
-          </a:p>
-        </p:txBody>
-      </p:sp>
-      <p:cxnSp>
-        <p:nvCxnSpPr>
-          <p:cNvPr id="81" name="Gerade Verbindung 80"/>
-          <p:cNvCxnSpPr/>
-          <p:nvPr/>
-        </p:nvCxnSpPr>
-        <p:spPr>
-          <a:xfrm>
-            <a:off x="2875547" y="35262416"/>
-            <a:ext cx="11023584" cy="3550"/>
-          </a:xfrm>
-          <a:prstGeom prst="line">
-            <a:avLst/>
-          </a:prstGeom>
-        </p:spPr>
-        <p:style>
-          <a:lnRef idx="1">
-            <a:schemeClr val="accent1"/>
-          </a:lnRef>
-          <a:fillRef idx="0">
-            <a:schemeClr val="accent1"/>
-          </a:fillRef>
-          <a:effectRef idx="0">
-            <a:schemeClr val="accent1"/>
-          </a:effectRef>
-          <a:fontRef idx="minor">
-            <a:schemeClr val="tx1"/>
-          </a:fontRef>
-        </p:style>
-      </p:cxnSp>
-      <p:sp>
-        <p:nvSpPr>
-          <p:cNvPr id="137" name="Textfeld 136"/>
-          <p:cNvSpPr txBox="1"/>
-          <p:nvPr/>
-        </p:nvSpPr>
-        <p:spPr>
-          <a:xfrm>
-            <a:off x="3033640" y="35276025"/>
-            <a:ext cx="5048672" cy="400110"/>
-          </a:xfrm>
-          <a:prstGeom prst="rect">
-            <a:avLst/>
-          </a:prstGeom>
-          <a:noFill/>
-        </p:spPr>
-        <p:txBody>
-          <a:bodyPr wrap="square" rtlCol="0">
-            <a:spAutoFit/>
-          </a:bodyPr>
-          <a:lstStyle/>
-          <a:p>
-            <a:r>
-              <a:rPr lang="de-DE" sz="2000" b="1" dirty="0" smtClean="0"/>
-              <a:t>Station 3 – </a:t>
-            </a:r>
-            <a:r>
-              <a:rPr lang="de-DE" sz="2000" dirty="0" smtClean="0"/>
-              <a:t>TVOC-Duelle</a:t>
-            </a:r>
-            <a:endParaRPr lang="de-DE" sz="2400" dirty="0"/>
-          </a:p>
-        </p:txBody>
-      </p:sp>
-      <p:sp>
-        <p:nvSpPr>
-          <p:cNvPr id="140" name="Textfeld 139"/>
-          <p:cNvSpPr txBox="1"/>
-          <p:nvPr/>
-        </p:nvSpPr>
-        <p:spPr>
-          <a:xfrm>
-            <a:off x="8428178" y="35272475"/>
-            <a:ext cx="5064133" cy="400110"/>
-          </a:xfrm>
-          <a:prstGeom prst="rect">
-            <a:avLst/>
-          </a:prstGeom>
-          <a:noFill/>
-        </p:spPr>
-        <p:txBody>
-          <a:bodyPr wrap="square" rtlCol="0">
-            <a:spAutoFit/>
-          </a:bodyPr>
-          <a:lstStyle/>
-          <a:p>
-            <a:r>
-              <a:rPr lang="de-DE" sz="2000" b="1" dirty="0" smtClean="0"/>
-              <a:t>Station 4 – </a:t>
-            </a:r>
-            <a:r>
-              <a:rPr lang="de-DE" sz="2000" dirty="0" smtClean="0"/>
-              <a:t>Dicke Luft</a:t>
-            </a:r>
-            <a:endParaRPr lang="de-DE" sz="2400" dirty="0"/>
-          </a:p>
-        </p:txBody>
-      </p:sp>
-      <p:sp>
-        <p:nvSpPr>
-          <p:cNvPr id="85" name="Textfeld 84"/>
-          <p:cNvSpPr txBox="1"/>
-          <p:nvPr/>
-        </p:nvSpPr>
-        <p:spPr>
-          <a:xfrm flipH="1">
-            <a:off x="3033640" y="20373211"/>
-            <a:ext cx="6345706" cy="1969770"/>
-          </a:xfrm>
-          <a:prstGeom prst="rect">
-            <a:avLst/>
-          </a:prstGeom>
-          <a:noFill/>
-        </p:spPr>
-        <p:txBody>
-          <a:bodyPr wrap="square" rtlCol="0">
-            <a:spAutoFit/>
-          </a:bodyPr>
-          <a:lstStyle/>
-          <a:p>
-            <a:pPr algn="ctr"/>
-            <a:r>
-              <a:rPr lang="de-DE" sz="2800" b="1" dirty="0" smtClean="0"/>
-              <a:t>Aufbau des Moduls</a:t>
-            </a:r>
-          </a:p>
-          <a:p>
-            <a:pPr algn="ctr"/>
-            <a:endParaRPr lang="de-DE" sz="1100" b="1" dirty="0" smtClean="0"/>
-          </a:p>
-          <a:p>
-            <a:pPr algn="just"/>
-            <a:r>
-              <a:rPr lang="de-DE" sz="2000" dirty="0" smtClean="0">
-                <a:effectLst/>
-              </a:rPr>
-              <a:t>Das Ziel ist es einen Halbleiter Gassensor auf verschiedene Konzentrationen Ethanols zu kalibrieren. Der Sensor befindet sich in einer abgeschlossenen Messkammer und wird über einen Mikrocontroller ausgelesen und gesteuert. </a:t>
-            </a:r>
-            <a:endParaRPr lang="de-DE" sz="2800" dirty="0" smtClean="0"/>
-          </a:p>
-        </p:txBody>
-      </p:sp>
-      <p:sp>
-        <p:nvSpPr>
-          <p:cNvPr id="87" name="Textfeld 86"/>
-          <p:cNvSpPr txBox="1"/>
-          <p:nvPr/>
-        </p:nvSpPr>
-        <p:spPr>
-          <a:xfrm>
-            <a:off x="6859068" y="22884001"/>
-            <a:ext cx="6840760" cy="1938992"/>
-          </a:xfrm>
-          <a:prstGeom prst="rect">
-            <a:avLst/>
-          </a:prstGeom>
-          <a:noFill/>
-        </p:spPr>
-        <p:txBody>
-          <a:bodyPr wrap="square" rtlCol="0">
-            <a:spAutoFit/>
-          </a:bodyPr>
-          <a:lstStyle/>
-          <a:p>
-            <a:pPr algn="just"/>
-            <a:r>
-              <a:rPr lang="de-DE" sz="2000" dirty="0" smtClean="0">
-                <a:effectLst/>
-              </a:rPr>
-              <a:t>Durch Variation der Ethanol-Konzentration in der Messkammer können "Trainingsdaten" aufgenommen - eine Art Fingerabdruck der jeweiligen Konzentration. Im letzten Schritt wird ein mathematisches Modell mit Hilfe künstlicher Intelligenz erzeugt, das eine Vorhersage einer unbekannten Konzentration ermöglicht. </a:t>
-            </a:r>
-            <a:endParaRPr lang="de-DE" sz="2000" dirty="0"/>
-          </a:p>
-        </p:txBody>
-      </p:sp>
-      <p:sp>
-        <p:nvSpPr>
-          <p:cNvPr id="92" name="Textfeld 91"/>
-          <p:cNvSpPr txBox="1"/>
-          <p:nvPr/>
-        </p:nvSpPr>
-        <p:spPr>
-          <a:xfrm>
-            <a:off x="3033640" y="25221690"/>
-            <a:ext cx="6345706" cy="1938992"/>
-          </a:xfrm>
-          <a:prstGeom prst="rect">
-            <a:avLst/>
-          </a:prstGeom>
-          <a:noFill/>
-        </p:spPr>
-        <p:txBody>
-          <a:bodyPr wrap="square" rtlCol="0">
-            <a:spAutoFit/>
-          </a:bodyPr>
-          <a:lstStyle/>
-          <a:p>
-            <a:pPr algn="just"/>
-            <a:r>
-              <a:rPr lang="de-DE" sz="2000" dirty="0" smtClean="0">
-                <a:effectLst/>
-              </a:rPr>
-              <a:t>Durch Einführung des </a:t>
-            </a:r>
-            <a:r>
-              <a:rPr lang="de-DE" sz="2000" b="1" dirty="0" smtClean="0">
-                <a:effectLst/>
-              </a:rPr>
-              <a:t>"temperaturzyklischen Betriebs"</a:t>
-            </a:r>
-            <a:r>
-              <a:rPr lang="de-DE" sz="2000" dirty="0" smtClean="0">
-                <a:effectLst/>
-              </a:rPr>
-              <a:t> können Sensitivität, Selektivität und Stabilität des Sensors verbessert werden. </a:t>
-            </a:r>
-          </a:p>
-          <a:p>
-            <a:pPr algn="just"/>
-            <a:r>
-              <a:rPr lang="de-DE" sz="2000" dirty="0" smtClean="0">
-                <a:effectLst/>
-              </a:rPr>
-              <a:t>Zudem wird Wert auf die Quantifizierung der Sensorreaktionen gelegt, indem das Prinzip der </a:t>
-            </a:r>
-            <a:r>
-              <a:rPr lang="de-DE" sz="2000" b="1" dirty="0" smtClean="0">
-                <a:effectLst/>
-              </a:rPr>
-              <a:t>Merkmalsextraktion</a:t>
-            </a:r>
-            <a:r>
-              <a:rPr lang="de-DE" sz="2000" dirty="0" smtClean="0">
-                <a:effectLst/>
-              </a:rPr>
-              <a:t> erläutert wird. </a:t>
-            </a:r>
-            <a:endParaRPr lang="de-DE" sz="2000" dirty="0"/>
-          </a:p>
-        </p:txBody>
-      </p:sp>
-      <p:sp>
-        <p:nvSpPr>
-          <p:cNvPr id="93" name="Textfeld 92"/>
-          <p:cNvSpPr txBox="1"/>
-          <p:nvPr/>
-        </p:nvSpPr>
-        <p:spPr>
-          <a:xfrm>
-            <a:off x="3033639" y="27143153"/>
-            <a:ext cx="10666189" cy="400110"/>
-          </a:xfrm>
-          <a:prstGeom prst="rect">
-            <a:avLst/>
-          </a:prstGeom>
-          <a:noFill/>
-        </p:spPr>
-        <p:txBody>
-          <a:bodyPr wrap="square" rtlCol="0">
-            <a:spAutoFit/>
-          </a:bodyPr>
-          <a:lstStyle/>
-          <a:p>
-            <a:pPr algn="just"/>
-            <a:r>
-              <a:rPr lang="de-DE" sz="2000" dirty="0" smtClean="0">
-                <a:effectLst/>
-              </a:rPr>
-              <a:t>Schließlich   wird  der  Fokus  auch  auf   die  </a:t>
-            </a:r>
-            <a:r>
-              <a:rPr lang="de-DE" sz="2000" b="1" dirty="0" smtClean="0">
-                <a:effectLst/>
-              </a:rPr>
-              <a:t>Modellbildung </a:t>
-            </a:r>
-            <a:r>
-              <a:rPr lang="de-DE" sz="2000" dirty="0" smtClean="0">
-                <a:effectLst/>
-              </a:rPr>
-              <a:t> mit  Hilfe  künstlicher   Intelligenz  gelegt. </a:t>
-            </a:r>
-            <a:endParaRPr lang="de-DE" sz="2000" dirty="0" smtClean="0">
-              <a:solidFill>
-                <a:schemeClr val="bg1"/>
-              </a:solidFill>
-              <a:effectLst/>
-            </a:endParaRPr>
-          </a:p>
-        </p:txBody>
-      </p:sp>
-      <p:pic>
-        <p:nvPicPr>
-          <p:cNvPr id="146" name="Picture 2"/>
-          <p:cNvPicPr>
-            <a:picLocks noChangeAspect="1" noChangeArrowheads="1"/>
-          </p:cNvPicPr>
-          <p:nvPr/>
-        </p:nvPicPr>
-        <p:blipFill>
-          <a:blip r:embed="rId19">
-            <a:extLst>
-              <a:ext uri="{28A0092B-C50C-407E-A947-70E740481C1C}">
-                <a14:useLocalDpi xmlns:a14="http://schemas.microsoft.com/office/drawing/2010/main" val="0"/>
-              </a:ext>
-            </a:extLst>
-          </a:blip>
-          <a:srcRect/>
-          <a:stretch>
-            <a:fillRect/>
-          </a:stretch>
-        </p:blipFill>
-        <p:spPr bwMode="auto">
-          <a:xfrm>
-            <a:off x="10043035" y="24562470"/>
-            <a:ext cx="2571296" cy="2408521"/>
-          </a:xfrm>
-          <a:prstGeom prst="rect">
-            <a:avLst/>
-          </a:prstGeom>
-          <a:noFill/>
-          <a:ln>
-            <a:noFill/>
-          </a:ln>
-          <a:extLst>
-            <a:ext uri="{909E8E84-426E-40DD-AFC4-6F175D3DCCD1}">
-              <a14:hiddenFill xmlns:a14="http://schemas.microsoft.com/office/drawing/2010/main">
-                <a:solidFill>
-                  <a:schemeClr val="accent1"/>
-                </a:solidFill>
-              </a14:hiddenFill>
-            </a:ext>
-            <a:ext uri="{91240B29-F687-4F45-9708-019B960494DF}">
-              <a14:hiddenLine xmlns:a14="http://schemas.microsoft.com/office/drawing/2010/main" w="9525">
-                <a:solidFill>
-                  <a:schemeClr val="tx1"/>
-                </a:solidFill>
-                <a:miter lim="800000"/>
-                <a:headEnd/>
-                <a:tailEnd/>
-              </a14:hiddenLine>
-            </a:ext>
-          </a:extLst>
-        </p:spPr>
-      </p:pic>
-      <p:sp>
-        <p:nvSpPr>
-          <p:cNvPr id="94" name="Textfeld 93"/>
-          <p:cNvSpPr txBox="1"/>
-          <p:nvPr/>
-        </p:nvSpPr>
-        <p:spPr>
-          <a:xfrm>
-            <a:off x="3176415" y="27414893"/>
-            <a:ext cx="10333670" cy="707886"/>
-          </a:xfrm>
-          <a:prstGeom prst="rect">
-            <a:avLst/>
-          </a:prstGeom>
-          <a:noFill/>
-        </p:spPr>
-        <p:txBody>
-          <a:bodyPr wrap="square" rtlCol="0">
-            <a:spAutoFit/>
-          </a:bodyPr>
-          <a:lstStyle/>
-          <a:p>
-            <a:pPr algn="ctr"/>
-            <a:r>
-              <a:rPr lang="de-DE" sz="2000" dirty="0" smtClean="0">
-                <a:effectLst/>
-              </a:rPr>
-              <a:t>Anhand  anschaulicher Beispiele wird gezeigt, wie ein neuronales Netz lernt, und so zur Erstellung eines mathematischen Vorhersagemodells verwendet werden kann.</a:t>
-            </a:r>
-            <a:endParaRPr lang="de-DE" sz="2000" dirty="0"/>
-          </a:p>
-        </p:txBody>
-      </p:sp>
-      <p:sp>
-        <p:nvSpPr>
-          <p:cNvPr id="148" name="Textfeld 147"/>
-          <p:cNvSpPr txBox="1"/>
-          <p:nvPr/>
-        </p:nvSpPr>
-        <p:spPr>
-          <a:xfrm flipH="1">
-            <a:off x="3023549" y="30282935"/>
-            <a:ext cx="5185667" cy="2539157"/>
-          </a:xfrm>
-          <a:prstGeom prst="rect">
-            <a:avLst/>
-          </a:prstGeom>
-          <a:noFill/>
-        </p:spPr>
-        <p:txBody>
-          <a:bodyPr wrap="square" rtlCol="0">
-            <a:spAutoFit/>
-          </a:bodyPr>
-          <a:lstStyle/>
-          <a:p>
-            <a:pPr algn="ctr"/>
-            <a:r>
-              <a:rPr lang="de-DE" sz="2800" b="1" dirty="0" smtClean="0"/>
-              <a:t>Aufbau des Moduls</a:t>
-            </a:r>
-          </a:p>
-          <a:p>
-            <a:pPr algn="ctr"/>
-            <a:endParaRPr lang="de-DE" sz="1100" b="1" dirty="0" smtClean="0"/>
-          </a:p>
-          <a:p>
-            <a:pPr algn="just"/>
-            <a:r>
-              <a:rPr lang="de-DE" sz="2000" dirty="0" smtClean="0">
-                <a:effectLst/>
-              </a:rPr>
-              <a:t>Das Ziel ist es Umweltmessungen im Innenraum durchzuführen. Es werden die umweltrelevanten Stoffe </a:t>
-            </a:r>
-            <a:r>
-              <a:rPr lang="de-DE" sz="2000" b="1" dirty="0" smtClean="0">
-                <a:effectLst/>
-              </a:rPr>
-              <a:t>Feinstaub</a:t>
-            </a:r>
-            <a:r>
-              <a:rPr lang="de-DE" sz="2000" dirty="0" smtClean="0">
-                <a:effectLst/>
-              </a:rPr>
-              <a:t>, </a:t>
-            </a:r>
-            <a:r>
-              <a:rPr lang="de-DE" sz="2000" b="1" dirty="0" smtClean="0">
-                <a:effectLst/>
-              </a:rPr>
-              <a:t>TVOC</a:t>
-            </a:r>
-            <a:r>
-              <a:rPr lang="de-DE" sz="2000" dirty="0" smtClean="0">
-                <a:effectLst/>
-              </a:rPr>
-              <a:t> (total volatile </a:t>
-            </a:r>
-            <a:r>
-              <a:rPr lang="de-DE" sz="2000" dirty="0" err="1" smtClean="0">
-                <a:effectLst/>
-              </a:rPr>
-              <a:t>organic</a:t>
-            </a:r>
-            <a:r>
-              <a:rPr lang="de-DE" sz="2000" dirty="0" smtClean="0">
-                <a:effectLst/>
-              </a:rPr>
-              <a:t> </a:t>
-            </a:r>
-            <a:r>
-              <a:rPr lang="de-DE" sz="2000" dirty="0" err="1" smtClean="0">
-                <a:effectLst/>
-              </a:rPr>
-              <a:t>compounds</a:t>
-            </a:r>
-            <a:r>
-              <a:rPr lang="de-DE" sz="2000" dirty="0" smtClean="0">
-                <a:effectLst/>
-              </a:rPr>
-              <a:t>) und </a:t>
-            </a:r>
-            <a:r>
-              <a:rPr lang="de-DE" sz="2000" b="1" dirty="0" smtClean="0">
-                <a:effectLst/>
-              </a:rPr>
-              <a:t>CO</a:t>
-            </a:r>
-            <a:r>
-              <a:rPr lang="de-DE" sz="2000" b="1" baseline="-25000" dirty="0" smtClean="0">
-                <a:effectLst/>
-              </a:rPr>
-              <a:t>2,</a:t>
-            </a:r>
-            <a:r>
-              <a:rPr lang="de-DE" sz="2000" dirty="0" smtClean="0">
-                <a:effectLst/>
-              </a:rPr>
-              <a:t> als Indikator für TVOC, eingeführt, sowie ihre </a:t>
-            </a:r>
-            <a:r>
-              <a:rPr lang="de-DE" sz="2000" b="1" dirty="0" smtClean="0">
-                <a:effectLst/>
-              </a:rPr>
-              <a:t>gesundheitlichen  Auswirkungen</a:t>
-            </a:r>
-            <a:r>
-              <a:rPr lang="de-DE" sz="2000" dirty="0" smtClean="0">
-                <a:effectLst/>
-              </a:rPr>
-              <a:t>  auf  den </a:t>
-            </a:r>
-            <a:r>
-              <a:rPr lang="de-DE" sz="2000" dirty="0" err="1" smtClean="0">
-                <a:effectLst/>
-              </a:rPr>
-              <a:t>Men</a:t>
-            </a:r>
-            <a:r>
-              <a:rPr lang="de-DE" sz="2000" dirty="0" smtClean="0">
-                <a:effectLst/>
-              </a:rPr>
-              <a:t>-</a:t>
-            </a:r>
-            <a:endParaRPr lang="de-DE" sz="2800" dirty="0" smtClean="0"/>
-          </a:p>
-        </p:txBody>
-      </p:sp>
-      <p:sp>
-        <p:nvSpPr>
-          <p:cNvPr id="108" name="Textfeld 107"/>
-          <p:cNvSpPr txBox="1"/>
-          <p:nvPr/>
-        </p:nvSpPr>
-        <p:spPr>
-          <a:xfrm>
-            <a:off x="8494464" y="30575323"/>
-            <a:ext cx="5205364" cy="2246769"/>
-          </a:xfrm>
-          <a:prstGeom prst="rect">
-            <a:avLst/>
-          </a:prstGeom>
-          <a:noFill/>
-        </p:spPr>
-        <p:txBody>
-          <a:bodyPr wrap="square" rtlCol="0">
-            <a:spAutoFit/>
-          </a:bodyPr>
-          <a:lstStyle/>
-          <a:p>
-            <a:pPr algn="just"/>
-            <a:r>
-              <a:rPr lang="de-DE" sz="2000" dirty="0" err="1" smtClean="0">
-                <a:effectLst/>
-              </a:rPr>
-              <a:t>schen</a:t>
-            </a:r>
-            <a:r>
-              <a:rPr lang="de-DE" sz="2000" dirty="0" smtClean="0">
-                <a:effectLst/>
-              </a:rPr>
-              <a:t> erörtert. Anschließend werden </a:t>
-            </a:r>
-            <a:r>
-              <a:rPr lang="de-DE" sz="2000" dirty="0" err="1" smtClean="0">
-                <a:effectLst/>
-              </a:rPr>
-              <a:t>offizi</a:t>
-            </a:r>
-            <a:r>
-              <a:rPr lang="de-DE" sz="2000" dirty="0" smtClean="0">
-                <a:effectLst/>
-              </a:rPr>
-              <a:t>-</a:t>
-            </a:r>
-          </a:p>
-          <a:p>
-            <a:pPr algn="just"/>
-            <a:r>
-              <a:rPr lang="de-DE" sz="2000" dirty="0" err="1" smtClean="0">
-                <a:effectLst/>
-              </a:rPr>
-              <a:t>elle</a:t>
-            </a:r>
-            <a:r>
-              <a:rPr lang="de-DE" sz="2000" dirty="0" smtClean="0">
-                <a:effectLst/>
-              </a:rPr>
-              <a:t>   </a:t>
-            </a:r>
-            <a:r>
-              <a:rPr lang="de-DE" sz="2000" b="1" dirty="0" smtClean="0">
-                <a:effectLst/>
-              </a:rPr>
-              <a:t>Grenzwerte </a:t>
-            </a:r>
-            <a:r>
-              <a:rPr lang="de-DE" sz="2000" dirty="0" smtClean="0">
-                <a:effectLst/>
-              </a:rPr>
-              <a:t>,    mögliche    </a:t>
-            </a:r>
-            <a:r>
-              <a:rPr lang="de-DE" sz="2000" b="1" dirty="0" smtClean="0">
-                <a:effectLst/>
-              </a:rPr>
-              <a:t>Quellen  </a:t>
-            </a:r>
-            <a:r>
-              <a:rPr lang="de-DE" sz="2000" dirty="0" smtClean="0">
-                <a:effectLst/>
-              </a:rPr>
-              <a:t> und</a:t>
-            </a:r>
-          </a:p>
-          <a:p>
-            <a:pPr algn="just"/>
-            <a:r>
-              <a:rPr lang="de-DE" sz="2000" dirty="0" smtClean="0">
-                <a:effectLst/>
-              </a:rPr>
-              <a:t> Handlungsempfehlungen zur Vermeidung schlechter Luftqualität</a:t>
-            </a:r>
-            <a:r>
-              <a:rPr lang="de-DE" sz="2000" b="1" dirty="0" smtClean="0">
-                <a:effectLst/>
-              </a:rPr>
-              <a:t> </a:t>
-            </a:r>
-            <a:r>
-              <a:rPr lang="de-DE" sz="2000" dirty="0" smtClean="0">
-                <a:effectLst/>
-              </a:rPr>
-              <a:t>beschrieben.</a:t>
-            </a:r>
-          </a:p>
-          <a:p>
-            <a:pPr algn="just"/>
-            <a:r>
-              <a:rPr lang="de-DE" sz="2000" dirty="0" smtClean="0"/>
-              <a:t>Schließlich lernen die Schüler*innen an vier Stationen unterschiedliche Sensorprinzipien kennen und führen eigene Messungen durch.</a:t>
-            </a:r>
-            <a:endParaRPr lang="de-DE" sz="1800" dirty="0"/>
-          </a:p>
-        </p:txBody>
-      </p:sp>
-      <p:sp>
-        <p:nvSpPr>
-          <p:cNvPr id="113" name="Textfeld 112"/>
-          <p:cNvSpPr txBox="1"/>
-          <p:nvPr/>
-        </p:nvSpPr>
-        <p:spPr>
-          <a:xfrm>
-            <a:off x="3058866" y="33325199"/>
-            <a:ext cx="3800201" cy="1938992"/>
-          </a:xfrm>
-          <a:prstGeom prst="rect">
-            <a:avLst/>
-          </a:prstGeom>
-          <a:noFill/>
-        </p:spPr>
-        <p:txBody>
-          <a:bodyPr wrap="square" rtlCol="0">
-            <a:spAutoFit/>
-          </a:bodyPr>
-          <a:lstStyle/>
-          <a:p>
-            <a:pPr algn="just"/>
-            <a:r>
-              <a:rPr lang="de-DE" sz="2000" dirty="0" smtClean="0"/>
-              <a:t>Beschriften und Abwischen einer Kreidetafel erzeugt hohe Feintaubbelastungen. Diese kann durch feuchtes, statt trockenes Abwischen um ein Vielfaches reduziert werden kann.</a:t>
-            </a:r>
-            <a:endParaRPr lang="de-DE" sz="2000" dirty="0"/>
-          </a:p>
-        </p:txBody>
-      </p:sp>
-      <p:pic>
-        <p:nvPicPr>
-          <p:cNvPr id="162" name="Picture 2"/>
-          <p:cNvPicPr>
-            <a:picLocks noChangeAspect="1" noChangeArrowheads="1"/>
-          </p:cNvPicPr>
-          <p:nvPr/>
-        </p:nvPicPr>
-        <p:blipFill>
-          <a:blip r:embed="rId20" cstate="print">
-            <a:extLst>
-              <a:ext uri="{28A0092B-C50C-407E-A947-70E740481C1C}">
-                <a14:useLocalDpi xmlns:a14="http://schemas.microsoft.com/office/drawing/2010/main" val="0"/>
-              </a:ext>
-            </a:extLst>
-          </a:blip>
-          <a:srcRect/>
-          <a:stretch>
-            <a:fillRect/>
-          </a:stretch>
-        </p:blipFill>
-        <p:spPr bwMode="auto">
-          <a:xfrm>
-            <a:off x="11638654" y="33366938"/>
-            <a:ext cx="2205246" cy="634085"/>
-          </a:xfrm>
-          <a:prstGeom prst="rect">
-            <a:avLst/>
-          </a:prstGeom>
-          <a:noFill/>
-          <a:ln>
-            <a:noFill/>
-          </a:ln>
-          <a:extLst>
-            <a:ext uri="{909E8E84-426E-40DD-AFC4-6F175D3DCCD1}">
-              <a14:hiddenFill xmlns:a14="http://schemas.microsoft.com/office/drawing/2010/main">
-                <a:solidFill>
-                  <a:schemeClr val="accent1"/>
-                </a:solidFill>
-              </a14:hiddenFill>
-            </a:ext>
-            <a:ext uri="{91240B29-F687-4F45-9708-019B960494DF}">
-              <a14:hiddenLine xmlns:a14="http://schemas.microsoft.com/office/drawing/2010/main" w="9525">
-                <a:solidFill>
-                  <a:schemeClr val="tx1"/>
-                </a:solidFill>
-                <a:miter lim="800000"/>
-                <a:headEnd/>
-                <a:tailEnd/>
-              </a14:hiddenLine>
-            </a:ext>
-          </a:extLst>
-        </p:spPr>
-      </p:pic>
-      <p:sp>
-        <p:nvSpPr>
-          <p:cNvPr id="126" name="Textfeld 125"/>
-          <p:cNvSpPr txBox="1"/>
-          <p:nvPr/>
-        </p:nvSpPr>
-        <p:spPr>
-          <a:xfrm>
-            <a:off x="8470153" y="33373120"/>
-            <a:ext cx="3111409" cy="707886"/>
-          </a:xfrm>
-          <a:prstGeom prst="rect">
-            <a:avLst/>
-          </a:prstGeom>
-          <a:noFill/>
-        </p:spPr>
-        <p:txBody>
-          <a:bodyPr wrap="square" rtlCol="0">
-            <a:spAutoFit/>
-          </a:bodyPr>
-          <a:lstStyle/>
-          <a:p>
-            <a:r>
-              <a:rPr lang="de-DE" sz="2000" dirty="0" smtClean="0"/>
-              <a:t>Viele Gefahrenstoffe kann die menschliche Nase nicht, </a:t>
-            </a:r>
-          </a:p>
-        </p:txBody>
-      </p:sp>
-      <p:sp>
-        <p:nvSpPr>
-          <p:cNvPr id="127" name="Textfeld 126"/>
-          <p:cNvSpPr txBox="1"/>
-          <p:nvPr/>
-        </p:nvSpPr>
-        <p:spPr>
-          <a:xfrm>
-            <a:off x="8470153" y="33943075"/>
-            <a:ext cx="5423925" cy="1631216"/>
-          </a:xfrm>
-          <a:prstGeom prst="rect">
-            <a:avLst/>
-          </a:prstGeom>
-          <a:noFill/>
-        </p:spPr>
-        <p:txBody>
-          <a:bodyPr wrap="square" rtlCol="0">
-            <a:spAutoFit/>
-          </a:bodyPr>
-          <a:lstStyle/>
-          <a:p>
-            <a:pPr algn="just"/>
-            <a:r>
-              <a:rPr lang="de-DE" sz="2000" dirty="0" smtClean="0"/>
-              <a:t>oder erst in sehr hohen Konzentrationen wahrnehmen. Sensoren hingegen können diese auch in kleinsten Mengen detektieren und so vor Gefahren warnen.</a:t>
-            </a:r>
-          </a:p>
-          <a:p>
-            <a:endParaRPr lang="de-DE" sz="2000" dirty="0"/>
-          </a:p>
-        </p:txBody>
-      </p:sp>
-      <p:sp>
-        <p:nvSpPr>
-          <p:cNvPr id="128" name="Textfeld 127"/>
-          <p:cNvSpPr txBox="1"/>
-          <p:nvPr/>
-        </p:nvSpPr>
-        <p:spPr>
-          <a:xfrm>
-            <a:off x="3058866" y="35676135"/>
-            <a:ext cx="3710191" cy="1323439"/>
-          </a:xfrm>
-          <a:prstGeom prst="rect">
-            <a:avLst/>
-          </a:prstGeom>
-          <a:noFill/>
-        </p:spPr>
-        <p:txBody>
-          <a:bodyPr wrap="square" rtlCol="0">
-            <a:spAutoFit/>
-          </a:bodyPr>
-          <a:lstStyle/>
-          <a:p>
-            <a:pPr algn="just"/>
-            <a:r>
-              <a:rPr lang="de-DE" sz="2000" dirty="0" smtClean="0"/>
-              <a:t>Seien es Lacke, Filzstifte, Bodenbeläge oder Klebstoffe. Viele Produkte enthalten gesundheitsschädliche Stoffe. </a:t>
-            </a:r>
-            <a:endParaRPr lang="de-DE" sz="2000" dirty="0"/>
-          </a:p>
-        </p:txBody>
-      </p:sp>
-      <p:sp>
-        <p:nvSpPr>
-          <p:cNvPr id="129" name="Textfeld 128"/>
-          <p:cNvSpPr txBox="1"/>
-          <p:nvPr/>
-        </p:nvSpPr>
-        <p:spPr>
-          <a:xfrm>
-            <a:off x="3176415" y="36905765"/>
-            <a:ext cx="5133225" cy="1015663"/>
-          </a:xfrm>
-          <a:prstGeom prst="rect">
-            <a:avLst/>
-          </a:prstGeom>
-          <a:noFill/>
-        </p:spPr>
-        <p:txBody>
-          <a:bodyPr wrap="square" rtlCol="0">
-            <a:spAutoFit/>
-          </a:bodyPr>
-          <a:lstStyle/>
-          <a:p>
-            <a:pPr algn="just"/>
-            <a:r>
-              <a:rPr lang="de-DE" sz="2000" dirty="0" smtClean="0"/>
-              <a:t>Doch es gibt auch  umwelt-  und  gesundheitlich</a:t>
-            </a:r>
-          </a:p>
-          <a:p>
-            <a:pPr algn="just"/>
-            <a:r>
-              <a:rPr lang="de-DE" sz="2000" dirty="0"/>
-              <a:t> </a:t>
-            </a:r>
-            <a:r>
-              <a:rPr lang="de-DE" sz="2000" dirty="0" smtClean="0"/>
-              <a:t>          </a:t>
-            </a:r>
-            <a:r>
-              <a:rPr lang="de-DE" sz="2000" dirty="0" smtClean="0"/>
-              <a:t>unbedenkliche Alternativen.</a:t>
-            </a:r>
-          </a:p>
-          <a:p>
-            <a:endParaRPr lang="de-DE" sz="2000" dirty="0"/>
-          </a:p>
-        </p:txBody>
-      </p:sp>
-      <p:sp>
-        <p:nvSpPr>
-          <p:cNvPr id="130" name="Textfeld 129"/>
-          <p:cNvSpPr txBox="1"/>
-          <p:nvPr/>
-        </p:nvSpPr>
-        <p:spPr>
-          <a:xfrm>
-            <a:off x="8428178" y="35772470"/>
-            <a:ext cx="2668968" cy="1631216"/>
-          </a:xfrm>
-          <a:prstGeom prst="rect">
-            <a:avLst/>
-          </a:prstGeom>
-          <a:noFill/>
-        </p:spPr>
-        <p:txBody>
-          <a:bodyPr wrap="square" rtlCol="0">
-            <a:spAutoFit/>
-          </a:bodyPr>
-          <a:lstStyle/>
-          <a:p>
-            <a:pPr algn="just"/>
-            <a:r>
-              <a:rPr lang="de-DE" sz="2000" dirty="0" smtClean="0"/>
-              <a:t>Die effektivste </a:t>
-            </a:r>
-            <a:r>
-              <a:rPr lang="de-DE" sz="2000" dirty="0" err="1" smtClean="0"/>
-              <a:t>Me</a:t>
-            </a:r>
-            <a:r>
-              <a:rPr lang="de-DE" sz="2000" dirty="0" smtClean="0"/>
-              <a:t>- </a:t>
-            </a:r>
-            <a:r>
-              <a:rPr lang="de-DE" sz="2000" dirty="0" err="1" smtClean="0"/>
-              <a:t>thode</a:t>
-            </a:r>
-            <a:r>
-              <a:rPr lang="de-DE" sz="2000" dirty="0" smtClean="0"/>
-              <a:t> zur Erhaltung einer guten Innenraum-</a:t>
-            </a:r>
-            <a:r>
-              <a:rPr lang="de-DE" sz="2000" dirty="0" err="1" smtClean="0"/>
-              <a:t>luftqualität</a:t>
-            </a:r>
-            <a:r>
-              <a:rPr lang="de-DE" sz="2000" dirty="0" smtClean="0"/>
-              <a:t> ist regel-mäßiges Lüften. </a:t>
-            </a:r>
-            <a:endParaRPr lang="de-DE" sz="2000" dirty="0"/>
-          </a:p>
-        </p:txBody>
-      </p:sp>
-      <p:graphicFrame>
-        <p:nvGraphicFramePr>
-          <p:cNvPr id="168" name="Diagramm 167"/>
-          <p:cNvGraphicFramePr>
-            <a:graphicFrameLocks/>
-          </p:cNvGraphicFramePr>
-          <p:nvPr>
-            <p:extLst>
-              <p:ext uri="{D42A27DB-BD31-4B8C-83A1-F6EECF244321}">
-                <p14:modId xmlns:p14="http://schemas.microsoft.com/office/powerpoint/2010/main" val="800036694"/>
-              </p:ext>
-            </p:extLst>
-          </p:nvPr>
-        </p:nvGraphicFramePr>
-        <p:xfrm>
-          <a:off x="11944632" y="35327809"/>
-          <a:ext cx="1902445" cy="1323902"/>
-        </p:xfrm>
-        <a:graphic>
-          <a:graphicData uri="http://schemas.openxmlformats.org/drawingml/2006/chart">
-            <c:chart xmlns:c="http://schemas.openxmlformats.org/drawingml/2006/chart" xmlns:r="http://schemas.openxmlformats.org/officeDocument/2006/relationships" r:id="rId21"/>
-          </a:graphicData>
-        </a:graphic>
-      </p:graphicFrame>
-      <p:pic>
-        <p:nvPicPr>
-          <p:cNvPr id="169" name="Picture 2"/>
-          <p:cNvPicPr>
-            <a:picLocks noChangeAspect="1" noChangeArrowheads="1"/>
-          </p:cNvPicPr>
-          <p:nvPr/>
-        </p:nvPicPr>
-        <p:blipFill>
-          <a:blip r:embed="rId22" cstate="print">
-            <a:extLst>
-              <a:ext uri="{28A0092B-C50C-407E-A947-70E740481C1C}">
-                <a14:useLocalDpi xmlns:a14="http://schemas.microsoft.com/office/drawing/2010/main" val="0"/>
-              </a:ext>
-            </a:extLst>
-          </a:blip>
-          <a:srcRect/>
-          <a:stretch>
-            <a:fillRect/>
-          </a:stretch>
-        </p:blipFill>
-        <p:spPr bwMode="auto">
-          <a:xfrm>
-            <a:off x="11089900" y="35303631"/>
-            <a:ext cx="835988" cy="1983339"/>
-          </a:xfrm>
-          <a:prstGeom prst="rect">
-            <a:avLst/>
-          </a:prstGeom>
-          <a:noFill/>
-          <a:ln>
-            <a:noFill/>
-          </a:ln>
-          <a:extLst>
-            <a:ext uri="{909E8E84-426E-40DD-AFC4-6F175D3DCCD1}">
-              <a14:hiddenFill xmlns:a14="http://schemas.microsoft.com/office/drawing/2010/main">
-                <a:solidFill>
-                  <a:schemeClr val="accent1"/>
-                </a:solidFill>
-              </a14:hiddenFill>
-            </a:ext>
-            <a:ext uri="{91240B29-F687-4F45-9708-019B960494DF}">
-              <a14:hiddenLine xmlns:a14="http://schemas.microsoft.com/office/drawing/2010/main" w="9525">
-                <a:solidFill>
-                  <a:schemeClr val="tx1"/>
-                </a:solidFill>
-                <a:miter lim="800000"/>
-                <a:headEnd/>
-                <a:tailEnd/>
-              </a14:hiddenLine>
-            </a:ext>
-          </a:extLst>
-        </p:spPr>
-      </p:pic>
-      <p:sp>
-        <p:nvSpPr>
-          <p:cNvPr id="131" name="Ellipse 130"/>
-          <p:cNvSpPr/>
-          <p:nvPr/>
-        </p:nvSpPr>
-        <p:spPr>
-          <a:xfrm>
-            <a:off x="12174785" y="36851316"/>
-            <a:ext cx="97437" cy="90255"/>
-          </a:xfrm>
-          <a:prstGeom prst="ellipse">
-            <a:avLst/>
-          </a:prstGeom>
-          <a:solidFill>
-            <a:srgbClr val="FF0000"/>
-          </a:solidFill>
-          <a:ln>
-            <a:solidFill>
-              <a:srgbClr val="FF0000"/>
-            </a:solidFill>
-          </a:ln>
-        </p:spPr>
-        <p:style>
-          <a:lnRef idx="2">
-            <a:schemeClr val="accent1">
-              <a:shade val="50000"/>
-            </a:schemeClr>
-          </a:lnRef>
-          <a:fillRef idx="1">
-            <a:schemeClr val="accent1"/>
-          </a:fillRef>
-          <a:effectRef idx="0">
-            <a:schemeClr val="accent1"/>
-          </a:effectRef>
-          <a:fontRef idx="minor">
-            <a:schemeClr val="lt1"/>
-          </a:fontRef>
-        </p:style>
-        <p:txBody>
-          <a:bodyPr rtlCol="0" anchor="ctr"/>
-          <a:lstStyle/>
-          <a:p>
-            <a:pPr algn="ctr"/>
-            <a:endParaRPr lang="de-DE"/>
-          </a:p>
-        </p:txBody>
-      </p:sp>
-      <p:sp>
-        <p:nvSpPr>
-          <p:cNvPr id="171" name="Ellipse 170"/>
-          <p:cNvSpPr/>
-          <p:nvPr/>
-        </p:nvSpPr>
-        <p:spPr>
-          <a:xfrm>
-            <a:off x="12174786" y="36653789"/>
-            <a:ext cx="97437" cy="90255"/>
-          </a:xfrm>
-          <a:prstGeom prst="ellipse">
-            <a:avLst/>
-          </a:prstGeom>
-          <a:solidFill>
-            <a:schemeClr val="accent1"/>
-          </a:solidFill>
-          <a:ln>
-            <a:solidFill>
-              <a:schemeClr val="accent1"/>
-            </a:solidFill>
-          </a:ln>
-        </p:spPr>
-        <p:style>
-          <a:lnRef idx="2">
-            <a:schemeClr val="accent1">
-              <a:shade val="50000"/>
-            </a:schemeClr>
-          </a:lnRef>
-          <a:fillRef idx="1">
-            <a:schemeClr val="accent1"/>
-          </a:fillRef>
-          <a:effectRef idx="0">
-            <a:schemeClr val="accent1"/>
-          </a:effectRef>
-          <a:fontRef idx="minor">
-            <a:schemeClr val="lt1"/>
-          </a:fontRef>
-        </p:style>
-        <p:txBody>
-          <a:bodyPr rtlCol="0" anchor="ctr"/>
-          <a:lstStyle/>
-          <a:p>
-            <a:pPr algn="ctr"/>
-            <a:endParaRPr lang="de-DE"/>
-          </a:p>
-        </p:txBody>
-      </p:sp>
-      <p:sp>
-        <p:nvSpPr>
-          <p:cNvPr id="172" name="Ellipse 171"/>
-          <p:cNvSpPr/>
-          <p:nvPr/>
-        </p:nvSpPr>
-        <p:spPr>
-          <a:xfrm>
-            <a:off x="12176657" y="37020997"/>
-            <a:ext cx="97437" cy="90255"/>
-          </a:xfrm>
-          <a:prstGeom prst="ellipse">
-            <a:avLst/>
-          </a:prstGeom>
-          <a:solidFill>
-            <a:srgbClr val="92D050"/>
-          </a:solidFill>
-          <a:ln>
-            <a:solidFill>
-              <a:srgbClr val="92D050"/>
-            </a:solidFill>
-          </a:ln>
-        </p:spPr>
-        <p:style>
-          <a:lnRef idx="2">
-            <a:schemeClr val="accent1">
-              <a:shade val="50000"/>
-            </a:schemeClr>
-          </a:lnRef>
-          <a:fillRef idx="1">
-            <a:schemeClr val="accent1"/>
-          </a:fillRef>
-          <a:effectRef idx="0">
-            <a:schemeClr val="accent1"/>
-          </a:effectRef>
-          <a:fontRef idx="minor">
-            <a:schemeClr val="lt1"/>
-          </a:fontRef>
-        </p:style>
-        <p:txBody>
-          <a:bodyPr rtlCol="0" anchor="ctr"/>
-          <a:lstStyle/>
-          <a:p>
-            <a:pPr algn="ctr"/>
-            <a:endParaRPr lang="de-DE"/>
-          </a:p>
-        </p:txBody>
-      </p:sp>
-      <p:sp>
-        <p:nvSpPr>
-          <p:cNvPr id="132" name="Textfeld 131"/>
-          <p:cNvSpPr txBox="1"/>
-          <p:nvPr/>
-        </p:nvSpPr>
-        <p:spPr>
-          <a:xfrm>
-            <a:off x="12290660" y="36606583"/>
-            <a:ext cx="1530169" cy="184666"/>
-          </a:xfrm>
-          <a:prstGeom prst="rect">
-            <a:avLst/>
-          </a:prstGeom>
-          <a:noFill/>
-        </p:spPr>
-        <p:txBody>
-          <a:bodyPr wrap="square" rtlCol="0">
-            <a:spAutoFit/>
-          </a:bodyPr>
-          <a:lstStyle/>
-          <a:p>
-            <a:r>
-              <a:rPr lang="de-DE" sz="600" dirty="0" smtClean="0"/>
-              <a:t>0% Lüfter (Volumenstrom: 0 m³/min)</a:t>
-            </a:r>
-            <a:endParaRPr lang="de-DE" sz="600" dirty="0"/>
-          </a:p>
-        </p:txBody>
-      </p:sp>
-      <p:sp>
-        <p:nvSpPr>
-          <p:cNvPr id="174" name="Textfeld 173"/>
-          <p:cNvSpPr txBox="1"/>
-          <p:nvPr/>
-        </p:nvSpPr>
-        <p:spPr>
-          <a:xfrm>
-            <a:off x="12280691" y="36812610"/>
-            <a:ext cx="1578349" cy="184666"/>
-          </a:xfrm>
-          <a:prstGeom prst="rect">
-            <a:avLst/>
-          </a:prstGeom>
-          <a:noFill/>
-        </p:spPr>
-        <p:txBody>
-          <a:bodyPr wrap="square" rtlCol="0">
-            <a:spAutoFit/>
-          </a:bodyPr>
-          <a:lstStyle/>
-          <a:p>
-            <a:r>
-              <a:rPr lang="de-DE" sz="600" dirty="0" smtClean="0"/>
-              <a:t>50% Lüfter (Volumenstrom: 0,9 m³/min)</a:t>
-            </a:r>
-            <a:endParaRPr lang="de-DE" sz="600" dirty="0"/>
-          </a:p>
-        </p:txBody>
-      </p:sp>
-      <p:sp>
-        <p:nvSpPr>
-          <p:cNvPr id="175" name="Textfeld 174"/>
-          <p:cNvSpPr txBox="1"/>
-          <p:nvPr/>
-        </p:nvSpPr>
-        <p:spPr>
-          <a:xfrm>
-            <a:off x="12272222" y="36997276"/>
-            <a:ext cx="1530169" cy="184666"/>
-          </a:xfrm>
-          <a:prstGeom prst="rect">
-            <a:avLst/>
-          </a:prstGeom>
-          <a:noFill/>
-        </p:spPr>
-        <p:txBody>
-          <a:bodyPr wrap="square" rtlCol="0">
-            <a:spAutoFit/>
-          </a:bodyPr>
-          <a:lstStyle/>
-          <a:p>
-            <a:r>
-              <a:rPr lang="de-DE" sz="600" dirty="0" smtClean="0"/>
-              <a:t>100% Lüfter (Volumenstrom: 1,8 m³/min)</a:t>
-            </a:r>
-            <a:endParaRPr lang="de-DE" sz="600" dirty="0"/>
-          </a:p>
-        </p:txBody>
-      </p:sp>
-      <p:sp>
-        <p:nvSpPr>
-          <p:cNvPr id="133" name="Textfeld 132"/>
-          <p:cNvSpPr txBox="1"/>
-          <p:nvPr/>
-        </p:nvSpPr>
-        <p:spPr>
-          <a:xfrm>
-            <a:off x="2875129" y="12064586"/>
-            <a:ext cx="6504217" cy="3154710"/>
-          </a:xfrm>
-          <a:prstGeom prst="rect">
-            <a:avLst/>
-          </a:prstGeom>
-          <a:noFill/>
-        </p:spPr>
-        <p:txBody>
-          <a:bodyPr wrap="square" rtlCol="0">
-            <a:spAutoFit/>
-          </a:bodyPr>
-          <a:lstStyle/>
-          <a:p>
-            <a:pPr algn="ctr"/>
-            <a:r>
-              <a:rPr lang="de-DE" sz="2800" b="1" dirty="0" smtClean="0">
-                <a:effectLst/>
-              </a:rPr>
-              <a:t>Aufbau des Moduls</a:t>
-            </a:r>
-          </a:p>
-          <a:p>
-            <a:pPr algn="ctr"/>
-            <a:endParaRPr lang="de-DE" sz="1100" dirty="0" smtClean="0">
-              <a:effectLst/>
-            </a:endParaRPr>
-          </a:p>
-          <a:p>
-            <a:pPr algn="just"/>
-            <a:r>
-              <a:rPr lang="de-DE" sz="2000" dirty="0" smtClean="0">
-                <a:effectLst/>
-              </a:rPr>
-              <a:t>Das erste Modul bietet einen Einstieg in die Grundlagen der Halbleiter - Gasmesstechnik. </a:t>
-            </a:r>
-          </a:p>
-          <a:p>
-            <a:pPr algn="just"/>
-            <a:r>
-              <a:rPr lang="de-DE" sz="2000" dirty="0" smtClean="0"/>
-              <a:t>Die Schüler*innen untersuchen die Sensorreaktion bei Anwesenheit von einer mit Wasser, alkoholfreiem Bier und Apfelsaft </a:t>
-            </a:r>
-            <a:r>
-              <a:rPr lang="de-DE" sz="2000" dirty="0" smtClean="0"/>
-              <a:t>gesättigten Atmosphäre</a:t>
-            </a:r>
-            <a:r>
-              <a:rPr lang="de-DE" sz="2000" dirty="0" smtClean="0"/>
-              <a:t>. Abhängig von der Sensortemperatur sorgen unterschiedliche Prozesse auf der Oberfläche des Sensors für einen typischen </a:t>
-            </a:r>
-            <a:r>
-              <a:rPr lang="de-DE" sz="2000" dirty="0"/>
-              <a:t>p</a:t>
-            </a:r>
-            <a:r>
-              <a:rPr lang="de-DE" sz="2000" dirty="0" smtClean="0"/>
-              <a:t>arabelförmigen Verlauf.</a:t>
-            </a:r>
-            <a:endParaRPr lang="de-DE" sz="2000" dirty="0"/>
-          </a:p>
-        </p:txBody>
-      </p:sp>
-      <p:pic>
-        <p:nvPicPr>
-          <p:cNvPr id="134" name="Picture 30" descr="https://image.jimcdn.com/app/cms/image/transf/none/path/s27aa108ee3a8a9fa/image/i5924085baeadcd32/version/1567091362/image.png"/>
-          <p:cNvPicPr>
-            <a:picLocks noChangeAspect="1" noChangeArrowheads="1"/>
-          </p:cNvPicPr>
-          <p:nvPr/>
-        </p:nvPicPr>
-        <p:blipFill>
-          <a:blip r:embed="rId23">
-            <a:extLst>
-              <a:ext uri="{28A0092B-C50C-407E-A947-70E740481C1C}">
-                <a14:useLocalDpi xmlns:a14="http://schemas.microsoft.com/office/drawing/2010/main" val="0"/>
-              </a:ext>
-            </a:extLst>
-          </a:blip>
-          <a:srcRect/>
-          <a:stretch>
-            <a:fillRect/>
-          </a:stretch>
-        </p:blipFill>
-        <p:spPr bwMode="auto">
-          <a:xfrm>
-            <a:off x="9393119" y="12613984"/>
-            <a:ext cx="4325207" cy="2911197"/>
-          </a:xfrm>
-          <a:prstGeom prst="rect">
-            <a:avLst/>
-          </a:prstGeom>
-          <a:noFill/>
-          <a:extLst>
-            <a:ext uri="{909E8E84-426E-40DD-AFC4-6F175D3DCCD1}">
-              <a14:hiddenFill xmlns:a14="http://schemas.microsoft.com/office/drawing/2010/main">
-                <a:solidFill>
-                  <a:srgbClr val="FFFFFF"/>
-                </a:solidFill>
-              </a14:hiddenFill>
-            </a:ext>
-          </a:extLst>
-        </p:spPr>
-      </p:pic>
-      <p:pic>
-        <p:nvPicPr>
-          <p:cNvPr id="1057" name="Picture 33"/>
-          <p:cNvPicPr>
-            <a:picLocks noChangeAspect="1" noChangeArrowheads="1"/>
-          </p:cNvPicPr>
-          <p:nvPr/>
-        </p:nvPicPr>
-        <p:blipFill>
-          <a:blip r:embed="rId24">
-            <a:extLst>
-              <a:ext uri="{28A0092B-C50C-407E-A947-70E740481C1C}">
-                <a14:useLocalDpi xmlns:a14="http://schemas.microsoft.com/office/drawing/2010/main" val="0"/>
-              </a:ext>
-            </a:extLst>
-          </a:blip>
-          <a:srcRect/>
-          <a:stretch>
-            <a:fillRect/>
-          </a:stretch>
-        </p:blipFill>
-        <p:spPr bwMode="auto">
-          <a:xfrm>
-            <a:off x="9261084" y="15625292"/>
-            <a:ext cx="4135198" cy="2910198"/>
-          </a:xfrm>
-          <a:prstGeom prst="rect">
-            <a:avLst/>
-          </a:prstGeom>
-          <a:noFill/>
-          <a:ln>
-            <a:noFill/>
-          </a:ln>
-          <a:extLst>
-            <a:ext uri="{909E8E84-426E-40DD-AFC4-6F175D3DCCD1}">
-              <a14:hiddenFill xmlns:a14="http://schemas.microsoft.com/office/drawing/2010/main">
-                <a:solidFill>
-                  <a:schemeClr val="accent1"/>
-                </a:solidFill>
-              </a14:hiddenFill>
-            </a:ext>
-            <a:ext uri="{91240B29-F687-4F45-9708-019B960494DF}">
-              <a14:hiddenLine xmlns:a14="http://schemas.microsoft.com/office/drawing/2010/main" w="9525">
-                <a:solidFill>
-                  <a:schemeClr val="tx1"/>
-                </a:solidFill>
-                <a:miter lim="800000"/>
-                <a:headEnd/>
-                <a:tailEnd/>
-              </a14:hiddenLine>
-            </a:ext>
-          </a:extLst>
-        </p:spPr>
-      </p:pic>
-      <p:sp>
-        <p:nvSpPr>
-          <p:cNvPr id="135" name="Textfeld 134"/>
-          <p:cNvSpPr txBox="1"/>
-          <p:nvPr/>
-        </p:nvSpPr>
-        <p:spPr>
-          <a:xfrm>
-            <a:off x="2931505" y="17533832"/>
-            <a:ext cx="6312827" cy="1015663"/>
-          </a:xfrm>
-          <a:prstGeom prst="rect">
-            <a:avLst/>
-          </a:prstGeom>
-          <a:noFill/>
-        </p:spPr>
-        <p:txBody>
-          <a:bodyPr wrap="square" rtlCol="0">
-            <a:spAutoFit/>
-          </a:bodyPr>
-          <a:lstStyle/>
-          <a:p>
-            <a:pPr algn="just"/>
-            <a:r>
-              <a:rPr lang="de-DE" sz="2000" dirty="0" smtClean="0"/>
-              <a:t>Nach der Aufnahme von Messreihen werden die verantwortlichen   Prozesse   in    einem    schülergerechten</a:t>
-            </a:r>
-          </a:p>
-          <a:p>
-            <a:pPr algn="just"/>
-            <a:r>
-              <a:rPr lang="de-DE" sz="2000" dirty="0"/>
-              <a:t> </a:t>
-            </a:r>
-            <a:r>
-              <a:rPr lang="de-DE" sz="2000" dirty="0" smtClean="0"/>
-              <a:t>  Modell anschaulich beschrieben.</a:t>
-            </a:r>
-            <a:endParaRPr lang="de-DE" sz="2000" dirty="0"/>
-          </a:p>
-        </p:txBody>
-      </p:sp>
-      <p:sp>
-        <p:nvSpPr>
-          <p:cNvPr id="136" name="Textfeld 135"/>
-          <p:cNvSpPr txBox="1"/>
-          <p:nvPr/>
-        </p:nvSpPr>
-        <p:spPr>
-          <a:xfrm>
-            <a:off x="16321937" y="11602755"/>
-            <a:ext cx="6826708" cy="3170099"/>
-          </a:xfrm>
-          <a:prstGeom prst="rect">
-            <a:avLst/>
-          </a:prstGeom>
-          <a:noFill/>
-        </p:spPr>
-        <p:txBody>
-          <a:bodyPr wrap="square" rtlCol="0">
-            <a:spAutoFit/>
-          </a:bodyPr>
-          <a:lstStyle/>
-          <a:p>
-            <a:pPr algn="just"/>
-            <a:r>
-              <a:rPr lang="de-DE" sz="2000" b="1" dirty="0" smtClean="0"/>
-              <a:t>  Ziel- und Umsetzung</a:t>
-            </a:r>
-          </a:p>
-          <a:p>
-            <a:pPr algn="just"/>
-            <a:r>
-              <a:rPr lang="de-DE" sz="2000" dirty="0" smtClean="0"/>
-              <a:t>Im Rahmen des Nachwuchswettbewerbs „Jugend forscht“ wurde eine „Google </a:t>
-            </a:r>
-            <a:r>
-              <a:rPr lang="de-DE" sz="2000" dirty="0" err="1" smtClean="0"/>
-              <a:t>Maps</a:t>
-            </a:r>
-            <a:r>
-              <a:rPr lang="de-DE" sz="2000" dirty="0" smtClean="0"/>
-              <a:t> Schadstoffkarte“ entwickelt. Mit Hilfe einer 3D-gedruckten Messkammer, in der sich der Sensor BME680 von Bosch befindet, können (</a:t>
-            </a:r>
-            <a:r>
-              <a:rPr lang="de-DE" sz="2000" dirty="0" err="1" smtClean="0"/>
-              <a:t>unkalibrierte</a:t>
-            </a:r>
-            <a:r>
-              <a:rPr lang="de-DE" sz="2000" dirty="0" smtClean="0"/>
-              <a:t>) Luftqualitätsmessungen der Umgebungsluft gemacht werden. Die Daten werden zusammen mit GPS-Daten an einen Server im Internet gesendet und von der App „</a:t>
-            </a:r>
-            <a:r>
-              <a:rPr lang="de-DE" sz="2000" dirty="0" err="1" smtClean="0"/>
-              <a:t>Blynk</a:t>
-            </a:r>
-            <a:r>
-              <a:rPr lang="de-DE" sz="2000" dirty="0" smtClean="0"/>
-              <a:t>“ ausgelesen. Diese ermöglicht es, die Daten als </a:t>
-            </a:r>
-            <a:r>
-              <a:rPr lang="de-DE" sz="2000" dirty="0" err="1" smtClean="0"/>
-              <a:t>Heatmap</a:t>
-            </a:r>
-            <a:r>
-              <a:rPr lang="de-DE" sz="2000" dirty="0" smtClean="0"/>
-              <a:t> über den Google-Dienst </a:t>
-            </a:r>
-            <a:r>
-              <a:rPr lang="de-DE" sz="2000" dirty="0" err="1" smtClean="0"/>
-              <a:t>Maps</a:t>
-            </a:r>
-            <a:r>
-              <a:rPr lang="de-DE" sz="2000" dirty="0" smtClean="0"/>
-              <a:t> darzustellen. </a:t>
-            </a:r>
-            <a:endParaRPr lang="de-DE" sz="2000" dirty="0"/>
-          </a:p>
-        </p:txBody>
-      </p:sp>
-      <p:sp>
-        <p:nvSpPr>
-          <p:cNvPr id="138" name="Textfeld 137"/>
-          <p:cNvSpPr txBox="1"/>
-          <p:nvPr/>
-        </p:nvSpPr>
-        <p:spPr>
-          <a:xfrm>
-            <a:off x="22163168" y="20484003"/>
-            <a:ext cx="5059130" cy="2554545"/>
-          </a:xfrm>
-          <a:prstGeom prst="rect">
-            <a:avLst/>
-          </a:prstGeom>
-          <a:noFill/>
-        </p:spPr>
-        <p:txBody>
-          <a:bodyPr wrap="square" rtlCol="0">
-            <a:spAutoFit/>
-          </a:bodyPr>
-          <a:lstStyle/>
-          <a:p>
-            <a:pPr algn="just"/>
-            <a:r>
-              <a:rPr lang="de-DE" sz="2000" b="1" dirty="0" smtClean="0"/>
-              <a:t>Ergebnisse</a:t>
-            </a:r>
-          </a:p>
-          <a:p>
-            <a:pPr algn="just"/>
-            <a:r>
-              <a:rPr lang="de-DE" sz="2000" dirty="0" smtClean="0"/>
-              <a:t>Ein Vergleich der TVOC-Konzentration mit und ohne Bienen zeigt jeweils einen periodischen Verlauf in einem 24 Stunden Rhythmus. Die Konzentration innerhalb des Bienenstocks mit Bienen ist um ca. 800-1000 ppb erhöht. Außerdem sind beide Verläufe um ca. 12 Stunden phasenversetzt. </a:t>
-            </a:r>
-            <a:endParaRPr lang="de-DE" sz="2000" dirty="0"/>
-          </a:p>
-        </p:txBody>
-      </p:sp>
-      <p:sp>
-        <p:nvSpPr>
-          <p:cNvPr id="139" name="Textfeld 138"/>
-          <p:cNvSpPr txBox="1"/>
-          <p:nvPr/>
-        </p:nvSpPr>
-        <p:spPr>
-          <a:xfrm>
-            <a:off x="16500486" y="16488776"/>
-            <a:ext cx="6745558" cy="4093428"/>
-          </a:xfrm>
-          <a:prstGeom prst="rect">
-            <a:avLst/>
-          </a:prstGeom>
-          <a:noFill/>
-        </p:spPr>
-        <p:txBody>
-          <a:bodyPr wrap="square" rtlCol="0">
-            <a:spAutoFit/>
-          </a:bodyPr>
-          <a:lstStyle/>
-          <a:p>
-            <a:pPr algn="just"/>
-            <a:r>
-              <a:rPr lang="de-DE" sz="2000" dirty="0" smtClean="0"/>
-              <a:t>      In Zusammenarbeit  mit   dem   Landesverband   saar-</a:t>
-            </a:r>
-          </a:p>
-          <a:p>
-            <a:pPr algn="just"/>
-            <a:r>
-              <a:rPr lang="de-DE" sz="2000" dirty="0" smtClean="0"/>
-              <a:t> </a:t>
-            </a:r>
-            <a:r>
-              <a:rPr lang="de-DE" sz="2000" dirty="0" err="1" smtClean="0"/>
-              <a:t>ländischer</a:t>
-            </a:r>
-            <a:r>
-              <a:rPr lang="de-DE" sz="2000" dirty="0" smtClean="0"/>
-              <a:t> Imker, wurde ein „Jugend forscht“-Projekt zur Untersuchung von Bienenstöcken auf Gase, Temperatur, Luftfeuchte und Luftdruck entwickelt. Schülerinnen und Schülern wird dabei die Möglichkeit geboten, an einem authentischen und hochaktuellen Kontext wissenschaftlich zu arbeiten, indem Daten aufgenommen, ausgewertet und interpretiert werden müssen. </a:t>
-            </a:r>
-          </a:p>
-          <a:p>
-            <a:pPr algn="just"/>
-            <a:r>
-              <a:rPr lang="de-DE" sz="2000" dirty="0" smtClean="0"/>
-              <a:t>Über einen längeren Zeitraum werden Messdaten an den Online-Datenbank-Service von "</a:t>
-            </a:r>
-            <a:r>
-              <a:rPr lang="de-DE" sz="2000" dirty="0" err="1" smtClean="0"/>
-              <a:t>ThingSpeak</a:t>
-            </a:r>
-            <a:r>
-              <a:rPr lang="de-DE" sz="2000" dirty="0" smtClean="0"/>
-              <a:t>" geschickt und dort gespeichert. Anschließend können die Daten heruntergeladen und analysiert werden.  Der Versuchsaufbau ist in Abbildung 1 zu sehen. </a:t>
-            </a:r>
-            <a:endParaRPr lang="de-DE" sz="2000" dirty="0"/>
-          </a:p>
-        </p:txBody>
-      </p:sp>
-      <p:sp>
-        <p:nvSpPr>
-          <p:cNvPr id="141" name="Textfeld 140"/>
-          <p:cNvSpPr txBox="1"/>
-          <p:nvPr/>
-        </p:nvSpPr>
-        <p:spPr>
-          <a:xfrm>
-            <a:off x="16500486" y="23285197"/>
-            <a:ext cx="6648158" cy="2554545"/>
-          </a:xfrm>
-          <a:prstGeom prst="rect">
-            <a:avLst/>
-          </a:prstGeom>
-          <a:noFill/>
-        </p:spPr>
-        <p:txBody>
-          <a:bodyPr wrap="square" rtlCol="0">
-            <a:spAutoFit/>
-          </a:bodyPr>
-          <a:lstStyle/>
-          <a:p>
-            <a:pPr algn="just"/>
-            <a:r>
-              <a:rPr lang="de-DE" sz="2000" b="1" dirty="0" smtClean="0"/>
-              <a:t>Bienen besitzen CO</a:t>
-            </a:r>
-            <a:r>
-              <a:rPr lang="de-DE" sz="2000" b="1" baseline="-25000" dirty="0" smtClean="0"/>
-              <a:t>2</a:t>
-            </a:r>
-            <a:r>
-              <a:rPr lang="de-DE" sz="2000" b="1" dirty="0" smtClean="0"/>
-              <a:t>-Sensoren</a:t>
-            </a:r>
-          </a:p>
-          <a:p>
-            <a:pPr algn="just"/>
-            <a:r>
-              <a:rPr lang="de-DE" sz="2000" dirty="0" smtClean="0"/>
-              <a:t>Analog zum Verlauf der TVOC-Konzentration verhielt sich auch die CO2-Konzentration innerhalb des Stocks. Um zu testen, ob Bienen die CO2-Konzentration aktiv durch Fächern regulieren, wurde die sie künstlich erhöht. Nach einem kurzen Anstieg der Konzentration konnten die Bienen diese wieder auf einen Wert um 18.000 ppm regulieren.  Dieses  Verhalten  zeigte sich</a:t>
-            </a:r>
-          </a:p>
-          <a:p>
-            <a:pPr algn="just"/>
-            <a:r>
-              <a:rPr lang="de-DE" sz="2000" dirty="0" smtClean="0"/>
-              <a:t>     bei verschiedenen Flussdichten.</a:t>
-            </a:r>
-          </a:p>
-        </p:txBody>
-      </p:sp>
-      <p:sp>
-        <p:nvSpPr>
-          <p:cNvPr id="186" name="Abgerundetes Rechteck 185"/>
-          <p:cNvSpPr/>
-          <p:nvPr/>
-        </p:nvSpPr>
-        <p:spPr>
-          <a:xfrm>
-            <a:off x="16239717" y="27143153"/>
-            <a:ext cx="11075025" cy="5584614"/>
-          </a:xfrm>
-          <a:prstGeom prst="roundRect">
             <a:avLst/>
           </a:prstGeom>
           <a:solidFill>
@@ -10191,14 +9594,14 @@
       </p:sp>
       <p:sp>
         <p:nvSpPr>
-          <p:cNvPr id="142" name="Textfeld 141"/>
+          <p:cNvPr id="139" name="Textfeld 138"/>
           <p:cNvSpPr txBox="1"/>
           <p:nvPr/>
         </p:nvSpPr>
         <p:spPr>
           <a:xfrm>
-            <a:off x="17300227" y="16130565"/>
-            <a:ext cx="4959275" cy="400110"/>
+            <a:off x="16295967" y="16210655"/>
+            <a:ext cx="7056000" cy="4185761"/>
           </a:xfrm>
           <a:prstGeom prst="rect">
             <a:avLst/>
@@ -10211,24 +9614,65 @@
           </a:bodyPr>
           <a:lstStyle/>
           <a:p>
-            <a:r>
-              <a:rPr lang="de-DE" sz="2000" b="1" dirty="0" smtClean="0"/>
+            <a:pPr algn="just"/>
+            <a:r>
+              <a:rPr lang="de-DE" sz="2000" b="1" dirty="0"/>
               <a:t>Zielsetzung</a:t>
             </a:r>
-            <a:endParaRPr lang="de-DE" sz="2000" b="1" dirty="0"/>
+            <a:r>
+              <a:rPr lang="de-DE" sz="2000" dirty="0"/>
+              <a:t>     </a:t>
+            </a:r>
+          </a:p>
+          <a:p>
+            <a:pPr algn="just"/>
+            <a:r>
+              <a:rPr lang="de-DE" sz="600" dirty="0"/>
+              <a:t>  </a:t>
+            </a:r>
+          </a:p>
+          <a:p>
+            <a:pPr algn="just"/>
+            <a:r>
+              <a:rPr lang="de-DE" sz="2000" dirty="0"/>
+              <a:t>In Zusammenarbeit  mit   dem   Landesverband   saar- </a:t>
+            </a:r>
+            <a:r>
+              <a:rPr lang="de-DE" sz="2000" dirty="0" err="1"/>
+              <a:t>ländischer</a:t>
+            </a:r>
+            <a:r>
+              <a:rPr lang="de-DE" sz="2000" dirty="0"/>
+              <a:t> Imker, wurde ein „Jugend forscht“-Projekt zur Untersuchung von Bienenstöcken auf Gase, Temperatur, Luftfeuchte und Luftdruck entwickelt. Schülerinnen und Schülern wird dabei die Möglichkeit geboten, an einem authentischen und hochaktuellen Kontext wissenschaftlich zu arbeiten, indem Daten aufgenommen, ausgewertet und interpretiert werden müssen. </a:t>
+            </a:r>
+          </a:p>
+          <a:p>
+            <a:pPr algn="just"/>
+            <a:r>
+              <a:rPr lang="de-DE" sz="2000" dirty="0"/>
+              <a:t>Über einen längeren Zeitraum werden Messdaten an den Online-Datenbank-Service von "</a:t>
+            </a:r>
+            <a:r>
+              <a:rPr lang="de-DE" sz="2000" dirty="0" err="1"/>
+              <a:t>ThingSpeak</a:t>
+            </a:r>
+            <a:r>
+              <a:rPr lang="de-DE" sz="2000" dirty="0"/>
+              <a:t>" geschickt und dort gespeichert. Anschließend können die Daten heruntergeladen und analysiert werden.  Der Versuchsaufbau ist in Abbildung 1 zu sehen. </a:t>
+            </a:r>
           </a:p>
         </p:txBody>
       </p:sp>
       <p:pic>
         <p:nvPicPr>
-          <p:cNvPr id="65" name="Picture 24" descr="https://image.jimcdn.com/app/cms/image/transf/dimension=457x10000:format=png/path/s27aa108ee3a8a9fa/image/i08f85adb8636a235/version/1567079953/image.png"/>
+          <p:cNvPr id="1055" name="Picture 21" descr="https://image.jimcdn.com/app/cms/image/transf/dimension=319x10000:format=png/path/s27aa108ee3a8a9fa/image/i03e56e0c17e93ad8/version/1567078000/image.png"/>
           <p:cNvPicPr>
             <a:picLocks noChangeAspect="1" noChangeArrowheads="1"/>
           </p:cNvPicPr>
           <p:nvPr/>
         </p:nvPicPr>
         <p:blipFill>
-          <a:blip r:embed="rId25">
+          <a:blip r:embed="rId20">
             <a:extLst>
               <a:ext uri="{28A0092B-C50C-407E-A947-70E740481C1C}">
                 <a14:useLocalDpi xmlns:a14="http://schemas.microsoft.com/office/drawing/2010/main" val="0"/>
@@ -10242,8 +9686,361 @@
         </p:blipFill>
         <p:spPr bwMode="auto">
           <a:xfrm>
-            <a:off x="23656630" y="27543263"/>
-            <a:ext cx="3182372" cy="2054267"/>
+            <a:off x="24010808" y="16184554"/>
+            <a:ext cx="2713606" cy="2279769"/>
+          </a:xfrm>
+          <a:prstGeom prst="rect">
+            <a:avLst/>
+          </a:prstGeom>
+          <a:noFill/>
+          <a:extLst>
+            <a:ext uri="{909E8E84-426E-40DD-AFC4-6F175D3DCCD1}">
+              <a14:hiddenFill xmlns:a14="http://schemas.microsoft.com/office/drawing/2010/main">
+                <a:solidFill>
+                  <a:srgbClr val="FFFFFF"/>
+                </a:solidFill>
+              </a14:hiddenFill>
+            </a:ext>
+          </a:extLst>
+        </p:spPr>
+      </p:pic>
+      <p:pic>
+        <p:nvPicPr>
+          <p:cNvPr id="117" name="Grafik 116"/>
+          <p:cNvPicPr/>
+          <p:nvPr/>
+        </p:nvPicPr>
+        <p:blipFill>
+          <a:blip r:embed="rId21" cstate="print">
+            <a:extLst>
+              <a:ext uri="{28A0092B-C50C-407E-A947-70E740481C1C}">
+                <a14:useLocalDpi xmlns:a14="http://schemas.microsoft.com/office/drawing/2010/main" val="0"/>
+              </a:ext>
+            </a:extLst>
+          </a:blip>
+          <a:srcRect/>
+          <a:stretch>
+            <a:fillRect/>
+          </a:stretch>
+        </p:blipFill>
+        <p:spPr bwMode="auto">
+          <a:xfrm>
+            <a:off x="24010808" y="18586420"/>
+            <a:ext cx="2722510" cy="2036635"/>
+          </a:xfrm>
+          <a:prstGeom prst="rect">
+            <a:avLst/>
+          </a:prstGeom>
+          <a:noFill/>
+          <a:ln>
+            <a:noFill/>
+          </a:ln>
+        </p:spPr>
+      </p:pic>
+      <p:sp>
+        <p:nvSpPr>
+          <p:cNvPr id="138" name="Textfeld 137"/>
+          <p:cNvSpPr txBox="1"/>
+          <p:nvPr/>
+        </p:nvSpPr>
+        <p:spPr>
+          <a:xfrm>
+            <a:off x="22202654" y="20392419"/>
+            <a:ext cx="5059130" cy="2646878"/>
+          </a:xfrm>
+          <a:prstGeom prst="rect">
+            <a:avLst/>
+          </a:prstGeom>
+          <a:noFill/>
+        </p:spPr>
+        <p:txBody>
+          <a:bodyPr wrap="square" rtlCol="0">
+            <a:spAutoFit/>
+          </a:bodyPr>
+          <a:lstStyle/>
+          <a:p>
+            <a:pPr algn="just"/>
+            <a:r>
+              <a:rPr lang="de-DE" sz="2000" b="1" dirty="0"/>
+              <a:t>Ergebnisse</a:t>
+            </a:r>
+          </a:p>
+          <a:p>
+            <a:pPr algn="just"/>
+            <a:r>
+              <a:rPr lang="de-DE" sz="600" b="1" dirty="0"/>
+              <a:t> </a:t>
+            </a:r>
+          </a:p>
+          <a:p>
+            <a:pPr algn="just"/>
+            <a:r>
+              <a:rPr lang="de-DE" sz="2000" dirty="0"/>
+              <a:t>Ein Vergleich der TVOC-Konzentration mit und ohne Bienen zeigt jeweils einen periodischen Verlauf in einem 24 Stunden Rhythmus. Die Konzentration innerhalb des Bienenstocks mit Bienen ist um ca. 800-1000 ppb erhöht. Außerdem sind beide Verläufe um ca. 12 Stunden phasenversetzt. </a:t>
+            </a:r>
+          </a:p>
+        </p:txBody>
+      </p:sp>
+      <p:pic>
+        <p:nvPicPr>
+          <p:cNvPr id="1054" name="Picture 19" descr="https://image.jimcdn.com/app/cms/image/transf/dimension=661x10000:format=png/path/s27aa108ee3a8a9fa/image/if70d31d10ce751e1/version/1568102416/image.png"/>
+          <p:cNvPicPr>
+            <a:picLocks noChangeAspect="1" noChangeArrowheads="1"/>
+          </p:cNvPicPr>
+          <p:nvPr/>
+        </p:nvPicPr>
+        <p:blipFill>
+          <a:blip r:embed="rId22">
+            <a:extLst>
+              <a:ext uri="{28A0092B-C50C-407E-A947-70E740481C1C}">
+                <a14:useLocalDpi xmlns:a14="http://schemas.microsoft.com/office/drawing/2010/main" val="0"/>
+              </a:ext>
+            </a:extLst>
+          </a:blip>
+          <a:srcRect/>
+          <a:stretch>
+            <a:fillRect/>
+          </a:stretch>
+        </p:blipFill>
+        <p:spPr bwMode="auto">
+          <a:xfrm>
+            <a:off x="16295967" y="20447060"/>
+            <a:ext cx="5844502" cy="2281214"/>
+          </a:xfrm>
+          <a:prstGeom prst="rect">
+            <a:avLst/>
+          </a:prstGeom>
+          <a:noFill/>
+          <a:extLst>
+            <a:ext uri="{909E8E84-426E-40DD-AFC4-6F175D3DCCD1}">
+              <a14:hiddenFill xmlns:a14="http://schemas.microsoft.com/office/drawing/2010/main">
+                <a:solidFill>
+                  <a:srgbClr val="FFFFFF"/>
+                </a:solidFill>
+              </a14:hiddenFill>
+            </a:ext>
+          </a:extLst>
+        </p:spPr>
+      </p:pic>
+      <p:pic>
+        <p:nvPicPr>
+          <p:cNvPr id="64" name="Picture 22" descr="C:\Users\Sebastian Höfner\Desktop\Umweltstudien\Bienen\Durchschnitt.png"/>
+          <p:cNvPicPr>
+            <a:picLocks noChangeAspect="1" noChangeArrowheads="1"/>
+          </p:cNvPicPr>
+          <p:nvPr/>
+        </p:nvPicPr>
+        <p:blipFill>
+          <a:blip r:embed="rId23">
+            <a:extLst>
+              <a:ext uri="{28A0092B-C50C-407E-A947-70E740481C1C}">
+                <a14:useLocalDpi xmlns:a14="http://schemas.microsoft.com/office/drawing/2010/main" val="0"/>
+              </a:ext>
+            </a:extLst>
+          </a:blip>
+          <a:srcRect/>
+          <a:stretch>
+            <a:fillRect/>
+          </a:stretch>
+        </p:blipFill>
+        <p:spPr bwMode="auto">
+          <a:xfrm>
+            <a:off x="23789301" y="22966628"/>
+            <a:ext cx="3405322" cy="2553992"/>
+          </a:xfrm>
+          <a:prstGeom prst="rect">
+            <a:avLst/>
+          </a:prstGeom>
+          <a:noFill/>
+          <a:extLst>
+            <a:ext uri="{909E8E84-426E-40DD-AFC4-6F175D3DCCD1}">
+              <a14:hiddenFill xmlns:a14="http://schemas.microsoft.com/office/drawing/2010/main">
+                <a:solidFill>
+                  <a:srgbClr val="FFFFFF"/>
+                </a:solidFill>
+              </a14:hiddenFill>
+            </a:ext>
+          </a:extLst>
+        </p:spPr>
+      </p:pic>
+      <p:sp>
+        <p:nvSpPr>
+          <p:cNvPr id="141" name="Textfeld 140"/>
+          <p:cNvSpPr txBox="1"/>
+          <p:nvPr/>
+        </p:nvSpPr>
+        <p:spPr>
+          <a:xfrm>
+            <a:off x="16321936" y="22933820"/>
+            <a:ext cx="7030031" cy="2646878"/>
+          </a:xfrm>
+          <a:prstGeom prst="rect">
+            <a:avLst/>
+          </a:prstGeom>
+          <a:noFill/>
+        </p:spPr>
+        <p:txBody>
+          <a:bodyPr wrap="square" rtlCol="0">
+            <a:spAutoFit/>
+          </a:bodyPr>
+          <a:lstStyle/>
+          <a:p>
+            <a:pPr algn="just"/>
+            <a:r>
+              <a:rPr lang="de-DE" sz="2000" b="1" dirty="0"/>
+              <a:t>Bienen besitzen CO</a:t>
+            </a:r>
+            <a:r>
+              <a:rPr lang="de-DE" sz="2000" b="1" baseline="-25000" dirty="0"/>
+              <a:t>2</a:t>
+            </a:r>
+            <a:r>
+              <a:rPr lang="de-DE" sz="2000" b="1" dirty="0"/>
+              <a:t>-Sensoren</a:t>
+            </a:r>
+          </a:p>
+          <a:p>
+            <a:pPr algn="just"/>
+            <a:r>
+              <a:rPr lang="de-DE" sz="600" b="1" dirty="0"/>
+              <a:t> </a:t>
+            </a:r>
+          </a:p>
+          <a:p>
+            <a:pPr algn="just"/>
+            <a:r>
+              <a:rPr lang="de-DE" sz="2000" dirty="0"/>
+              <a:t>Analog zum Verlauf der TVOC-Konzentration verhielt sich auch die CO2-Konzentration innerhalb des Stocks. Um zu testen, ob Bienen die CO2-Konzentration aktiv durch Fächern regulieren, wurde die sie künstlich erhöht. Nach einem kurzen Anstieg der Konzentration konnten die Bienen diese wieder auf einen Wert um 18.000 ppm regulieren.  Dieses  Verhalten  zeigte sich</a:t>
+            </a:r>
+          </a:p>
+          <a:p>
+            <a:pPr algn="just"/>
+            <a:r>
+              <a:rPr lang="de-DE" sz="2000" dirty="0"/>
+              <a:t>bei verschiedenen Flussdichten.</a:t>
+            </a:r>
+          </a:p>
+        </p:txBody>
+      </p:sp>
+      <p:sp>
+        <p:nvSpPr>
+          <p:cNvPr id="106" name="Rechteck 105">
+            <a:extLst>
+              <a:ext uri="{FF2B5EF4-FFF2-40B4-BE49-F238E27FC236}">
+                <a16:creationId xmlns:a16="http://schemas.microsoft.com/office/drawing/2014/main" id="{07E0B696-6DE7-41BB-8D69-079DAFAA4B80}"/>
+              </a:ext>
+            </a:extLst>
+          </p:cNvPr>
+          <p:cNvSpPr/>
+          <p:nvPr/>
+        </p:nvSpPr>
+        <p:spPr>
+          <a:xfrm>
+            <a:off x="16177212" y="26542535"/>
+            <a:ext cx="11218208" cy="5722706"/>
+          </a:xfrm>
+          <a:prstGeom prst="rect">
+            <a:avLst/>
+          </a:prstGeom>
+          <a:solidFill>
+            <a:schemeClr val="bg1"/>
+          </a:solidFill>
+        </p:spPr>
+        <p:style>
+          <a:lnRef idx="2">
+            <a:schemeClr val="accent1">
+              <a:shade val="50000"/>
+            </a:schemeClr>
+          </a:lnRef>
+          <a:fillRef idx="1">
+            <a:schemeClr val="accent1"/>
+          </a:fillRef>
+          <a:effectRef idx="0">
+            <a:schemeClr val="accent1"/>
+          </a:effectRef>
+          <a:fontRef idx="minor">
+            <a:schemeClr val="lt1"/>
+          </a:fontRef>
+        </p:style>
+        <p:txBody>
+          <a:bodyPr rtlCol="0" anchor="ctr"/>
+          <a:lstStyle/>
+          <a:p>
+            <a:pPr algn="ctr"/>
+            <a:endParaRPr lang="de-DE"/>
+          </a:p>
+        </p:txBody>
+      </p:sp>
+      <p:sp>
+        <p:nvSpPr>
+          <p:cNvPr id="143" name="Textfeld 142"/>
+          <p:cNvSpPr txBox="1"/>
+          <p:nvPr/>
+        </p:nvSpPr>
+        <p:spPr>
+          <a:xfrm>
+            <a:off x="16359041" y="26674405"/>
+            <a:ext cx="6992926" cy="2954655"/>
+          </a:xfrm>
+          <a:prstGeom prst="rect">
+            <a:avLst/>
+          </a:prstGeom>
+          <a:noFill/>
+        </p:spPr>
+        <p:txBody>
+          <a:bodyPr wrap="square" rtlCol="0">
+            <a:spAutoFit/>
+          </a:bodyPr>
+          <a:lstStyle/>
+          <a:p>
+            <a:pPr algn="just"/>
+            <a:r>
+              <a:rPr lang="de-DE" sz="2000" b="1" dirty="0"/>
+              <a:t>Zielsetzung</a:t>
+            </a:r>
+          </a:p>
+          <a:p>
+            <a:pPr algn="just"/>
+            <a:r>
+              <a:rPr lang="de-DE" sz="600" b="1" dirty="0"/>
+              <a:t> </a:t>
+            </a:r>
+            <a:endParaRPr lang="de-DE" sz="600" dirty="0"/>
+          </a:p>
+          <a:p>
+            <a:pPr algn="just"/>
+            <a:r>
+              <a:rPr lang="de-DE" sz="2000" dirty="0"/>
+              <a:t>Zwei Schülerinnen haben untersucht, ob Pflanzen die Luftqualität im Innenraum durch Absorption bzw. Umsetzung von Schadstoffen verbessern. Zu diesem Zweck wurden zwei luftdichte Boxen gebaut und mit Gassensoren ausgestattet. In eine Box wurden Pflanzen gestellt, in die zweite zur Kontrolle keine Pflanzen. Sie führten kleine Mengen Ethanol, Aceton, Essigsäure und Ameisensäure hinzu und untersuchten den Abbau dieser gasförmigen Stoffe. </a:t>
+            </a:r>
+          </a:p>
+        </p:txBody>
+      </p:sp>
+      <p:pic>
+        <p:nvPicPr>
+          <p:cNvPr id="65" name="Picture 24" descr="https://image.jimcdn.com/app/cms/image/transf/dimension=457x10000:format=png/path/s27aa108ee3a8a9fa/image/i08f85adb8636a235/version/1567079953/image.png"/>
+          <p:cNvPicPr>
+            <a:picLocks noChangeAspect="1" noChangeArrowheads="1"/>
+          </p:cNvPicPr>
+          <p:nvPr/>
+        </p:nvPicPr>
+        <p:blipFill>
+          <a:blip r:embed="rId24">
+            <a:extLst>
+              <a:ext uri="{28A0092B-C50C-407E-A947-70E740481C1C}">
+                <a14:useLocalDpi xmlns:a14="http://schemas.microsoft.com/office/drawing/2010/main" val="0"/>
+              </a:ext>
+            </a:extLst>
+          </a:blip>
+          <a:srcRect/>
+          <a:stretch>
+            <a:fillRect/>
+          </a:stretch>
+        </p:blipFill>
+        <p:spPr bwMode="auto">
+          <a:xfrm>
+            <a:off x="23746054" y="26864314"/>
+            <a:ext cx="3368980" cy="2174725"/>
           </a:xfrm>
           <a:prstGeom prst="rect">
             <a:avLst/>
@@ -10269,7 +10066,7 @@
           <p:nvPr/>
         </p:nvPicPr>
         <p:blipFill>
-          <a:blip r:embed="rId26">
+          <a:blip r:embed="rId25">
             <a:extLst>
               <a:ext uri="{28A0092B-C50C-407E-A947-70E740481C1C}">
                 <a14:useLocalDpi xmlns:a14="http://schemas.microsoft.com/office/drawing/2010/main" val="0"/>
@@ -10283,7 +10080,7 @@
         </p:blipFill>
         <p:spPr bwMode="auto">
           <a:xfrm>
-            <a:off x="16537571" y="29931461"/>
+            <a:off x="16510280" y="29527863"/>
             <a:ext cx="3292196" cy="2407110"/>
           </a:xfrm>
           <a:prstGeom prst="rect">
@@ -10303,14 +10100,14 @@
       </p:pic>
       <p:sp>
         <p:nvSpPr>
-          <p:cNvPr id="143" name="Textfeld 142"/>
+          <p:cNvPr id="144" name="Textfeld 143"/>
           <p:cNvSpPr txBox="1"/>
           <p:nvPr/>
         </p:nvSpPr>
         <p:spPr>
           <a:xfrm>
-            <a:off x="16400127" y="27237478"/>
-            <a:ext cx="7131634" cy="2554545"/>
+            <a:off x="19973039" y="29380428"/>
+            <a:ext cx="7273402" cy="2646878"/>
           </a:xfrm>
           <a:prstGeom prst="rect">
             <a:avLst/>
@@ -10325,31 +10122,50 @@
           <a:p>
             <a:pPr algn="just"/>
             <a:r>
-              <a:rPr lang="de-DE" sz="2000" b="1" dirty="0" smtClean="0"/>
-              <a:t>      Zielsetzung</a:t>
-            </a:r>
-            <a:endParaRPr lang="de-DE" sz="2000" dirty="0" smtClean="0"/>
+              <a:rPr lang="de-DE" sz="2000" b="1" dirty="0"/>
+              <a:t>Ergebnisse</a:t>
+            </a:r>
           </a:p>
           <a:p>
             <a:pPr algn="just"/>
             <a:r>
-              <a:rPr lang="de-DE" sz="2000" dirty="0" smtClean="0"/>
-              <a:t>Zwei Schülerinnen haben untersucht, ob Pflanzen die Luftqualität im Innenraum durch Absorption bzw. Umsetzung von Schadstoffen verbessern. Zu diesem Zweck wurden zwei luftdichte Boxen gebaut und mit Gassensoren ausgestattet. In eine Box wurden Pflanzen gestellt, in die zweite zur Kontrolle keine Pflanzen. Sie führten kleine Mengen Ethanol, Aceton, Essigsäure und Ameisensäure hinzu und untersuchten den Abbau dieser gasförmigen Stoffe. </a:t>
-            </a:r>
-            <a:endParaRPr lang="de-DE" sz="2000" dirty="0"/>
-          </a:p>
-        </p:txBody>
-      </p:sp>
-      <p:sp>
-        <p:nvSpPr>
-          <p:cNvPr id="144" name="Textfeld 143"/>
+              <a:rPr lang="de-DE" sz="600" b="1" dirty="0"/>
+              <a:t> </a:t>
+            </a:r>
+          </a:p>
+          <a:p>
+            <a:pPr algn="just"/>
+            <a:r>
+              <a:rPr lang="de-DE" sz="2000" dirty="0"/>
+              <a:t>Im Test wurden die beiden Sensoren SGP30 von Sensirion und CCS811 von </a:t>
+            </a:r>
+            <a:r>
+              <a:rPr lang="de-DE" sz="2000" dirty="0" err="1"/>
+              <a:t>ams</a:t>
+            </a:r>
+            <a:r>
+              <a:rPr lang="de-DE" sz="2000" dirty="0"/>
+              <a:t> verwendet. In der Auswertung zeigte sich im Vergleich der beiden Messkammern eine deutliche Abnahme der Gaskonzentration, die jedoch abhängig von der Art des Schadstoffes verschieden lang dauerte. Als Beispiel ist der Verlauf der Aceton-Konzentration in den beiden Messkammern, mit (blau) bzw. ohne (orange) Pflanzen zu sehen.</a:t>
+            </a:r>
+          </a:p>
+        </p:txBody>
+      </p:sp>
+      <p:sp>
+        <p:nvSpPr>
+          <p:cNvPr id="14" name="Textfeld 13">
+            <a:extLst>
+              <a:ext uri="{FF2B5EF4-FFF2-40B4-BE49-F238E27FC236}">
+                <a16:creationId xmlns:a16="http://schemas.microsoft.com/office/drawing/2014/main" id="{4069B199-1ED7-44AE-9430-826F6929E0F6}"/>
+              </a:ext>
+            </a:extLst>
+          </p:cNvPr>
           <p:cNvSpPr txBox="1"/>
           <p:nvPr/>
         </p:nvSpPr>
         <p:spPr>
           <a:xfrm>
-            <a:off x="20135543" y="29967008"/>
-            <a:ext cx="7086756" cy="2554545"/>
+            <a:off x="15569739" y="6122272"/>
+            <a:ext cx="9860805" cy="3539430"/>
           </a:xfrm>
           <a:prstGeom prst="rect">
             <a:avLst/>
@@ -10364,71 +10180,62 @@
           <a:p>
             <a:pPr algn="just"/>
             <a:r>
-              <a:rPr lang="de-DE" sz="2000" b="1" dirty="0" smtClean="0"/>
-              <a:t>Ergebnisse</a:t>
-            </a:r>
-          </a:p>
-          <a:p>
-            <a:pPr algn="just"/>
-            <a:r>
-              <a:rPr lang="de-DE" sz="2000" dirty="0" smtClean="0"/>
-              <a:t>Im Test wurden die beiden Sensoren SGP30 von Sensirion und CCS811 von </a:t>
-            </a:r>
-            <a:r>
-              <a:rPr lang="de-DE" sz="2000" dirty="0" err="1" smtClean="0"/>
-              <a:t>ams</a:t>
-            </a:r>
-            <a:r>
-              <a:rPr lang="de-DE" sz="2000" dirty="0" smtClean="0"/>
-              <a:t> verwendet. In der Auswertung zeigte sich im Vergleich der beiden Messkammern eine deutliche Abnahme der Gaskonzentration, die jedoch abhängig von der Art des Schadstoffes verschieden lang dauerte. Als Beispiel ist der Verlauf der Aceton-Konzentration in den beiden Messkammern, mit (blau) bzw. ohne (orange) Pflanzen zu sehen.</a:t>
-            </a:r>
-            <a:endParaRPr lang="de-DE" sz="2000" dirty="0"/>
-          </a:p>
-        </p:txBody>
-      </p:sp>
-      <p:sp>
-        <p:nvSpPr>
-          <p:cNvPr id="190" name="Textfeld 189"/>
-          <p:cNvSpPr txBox="1"/>
+              <a:rPr lang="de-DE" sz="2800" dirty="0"/>
+              <a:t>Servern  zu speichern  und  anschließend über  das  </a:t>
+            </a:r>
+            <a:r>
+              <a:rPr lang="de-DE" sz="2800" b="1" dirty="0"/>
+              <a:t>Smartphone </a:t>
+            </a:r>
+            <a:r>
+              <a:rPr lang="de-DE" sz="2800" dirty="0"/>
+              <a:t> oder  den Laptop abzurufen. Die Mobilität und Allgegenwärtigkeit von Smartphones und Tablets macht es möglich, Lernen als einen Prozess erlebbar zu machen, der in verschiedensten Szenarien „</a:t>
+            </a:r>
+            <a:r>
+              <a:rPr lang="de-DE" sz="2800" dirty="0" err="1"/>
+              <a:t>seamless</a:t>
+            </a:r>
+            <a:r>
+              <a:rPr lang="de-DE" sz="2800" dirty="0"/>
+              <a:t>“, also „nahtlos“, stattfinden kann und nicht nur auf den Klassenraum oder Hörsaal begrenzt bleibt.  Mobile Technologie fungiert dabei als Mediator eines solchen Lernprozesses im Sinne des Ansatzes von „Mobile </a:t>
+            </a:r>
+            <a:r>
+              <a:rPr lang="de-DE" sz="2800" dirty="0" err="1"/>
+              <a:t>Assisted</a:t>
+            </a:r>
+            <a:r>
+              <a:rPr lang="de-DE" sz="2800" dirty="0"/>
+              <a:t> </a:t>
+            </a:r>
+            <a:r>
+              <a:rPr lang="de-DE" sz="2800" dirty="0" err="1"/>
+              <a:t>Seamless</a:t>
+            </a:r>
+            <a:r>
+              <a:rPr lang="de-DE" sz="2800" dirty="0"/>
+              <a:t> Learning“.</a:t>
+            </a:r>
+          </a:p>
+        </p:txBody>
+      </p:sp>
+      <p:sp>
+        <p:nvSpPr>
+          <p:cNvPr id="109" name="Rechteck 108">
+            <a:extLst>
+              <a:ext uri="{FF2B5EF4-FFF2-40B4-BE49-F238E27FC236}">
+                <a16:creationId xmlns:a16="http://schemas.microsoft.com/office/drawing/2014/main" id="{2C36DA58-1095-44B6-A237-A985CA82A382}"/>
+              </a:ext>
+            </a:extLst>
+          </p:cNvPr>
+          <p:cNvSpPr/>
           <p:nvPr/>
         </p:nvSpPr>
         <p:spPr>
           <a:xfrm>
-            <a:off x="15789065" y="32922477"/>
-            <a:ext cx="12023363" cy="707886"/>
+            <a:off x="16177211" y="33166280"/>
+            <a:ext cx="11218209" cy="3544272"/>
           </a:xfrm>
           <a:prstGeom prst="rect">
-            <a:avLst/>
-          </a:prstGeom>
-          <a:noFill/>
-        </p:spPr>
-        <p:txBody>
-          <a:bodyPr wrap="square" rtlCol="0">
-            <a:spAutoFit/>
-          </a:bodyPr>
-          <a:lstStyle/>
-          <a:p>
-            <a:pPr algn="ctr"/>
-            <a:r>
-              <a:rPr lang="de-DE" sz="4000" i="1" dirty="0" smtClean="0"/>
-              <a:t>Mobiler Kohlenmonoxid Melder</a:t>
-            </a:r>
-            <a:endParaRPr lang="de-DE" sz="4000" i="1" dirty="0"/>
-          </a:p>
-        </p:txBody>
-      </p:sp>
-      <p:sp>
-        <p:nvSpPr>
-          <p:cNvPr id="191" name="Abgerundetes Rechteck 190"/>
-          <p:cNvSpPr/>
-          <p:nvPr/>
-        </p:nvSpPr>
-        <p:spPr>
-          <a:xfrm>
-            <a:off x="16318666" y="33660225"/>
-            <a:ext cx="10990422" cy="3580439"/>
-          </a:xfrm>
-          <a:prstGeom prst="roundRect">
             <a:avLst/>
           </a:prstGeom>
           <a:solidFill>
@@ -10460,6 +10267,99 @@
           </a:p>
         </p:txBody>
       </p:sp>
+      <p:sp>
+        <p:nvSpPr>
+          <p:cNvPr id="145" name="Textfeld 144"/>
+          <p:cNvSpPr txBox="1"/>
+          <p:nvPr/>
+        </p:nvSpPr>
+        <p:spPr>
+          <a:xfrm>
+            <a:off x="16321936" y="33268300"/>
+            <a:ext cx="7026739" cy="2031325"/>
+          </a:xfrm>
+          <a:prstGeom prst="rect">
+            <a:avLst/>
+          </a:prstGeom>
+          <a:noFill/>
+        </p:spPr>
+        <p:txBody>
+          <a:bodyPr wrap="square" rtlCol="0">
+            <a:spAutoFit/>
+          </a:bodyPr>
+          <a:lstStyle/>
+          <a:p>
+            <a:pPr algn="just"/>
+            <a:r>
+              <a:rPr lang="de-DE" sz="2000" b="1" dirty="0"/>
+              <a:t>Zielsetzung</a:t>
+            </a:r>
+          </a:p>
+          <a:p>
+            <a:pPr algn="just"/>
+            <a:r>
+              <a:rPr lang="de-DE" sz="600" b="1" dirty="0"/>
+              <a:t> </a:t>
+            </a:r>
+          </a:p>
+          <a:p>
+            <a:pPr algn="just"/>
+            <a:r>
+              <a:rPr lang="de-DE" sz="2000" dirty="0"/>
+              <a:t>Ein Schüler hat sich mit der Messung der Kohlenmonoxid-Konzentration in der Innenraumluft und den mit der Aufnahme von Kohlenmonoxid (CO) verbundenen Gefahren beschäftigt. Im Rahmen seines Projekts hat er sich dazu entschieden einen mobilen Kohlenmonoxid Melder zu entwickeln.</a:t>
+            </a:r>
+            <a:endParaRPr lang="de-DE" sz="2000" b="1" dirty="0"/>
+          </a:p>
+        </p:txBody>
+      </p:sp>
+      <p:sp>
+        <p:nvSpPr>
+          <p:cNvPr id="147" name="Textfeld 146"/>
+          <p:cNvSpPr txBox="1"/>
+          <p:nvPr/>
+        </p:nvSpPr>
+        <p:spPr>
+          <a:xfrm>
+            <a:off x="16343680" y="35291595"/>
+            <a:ext cx="10660553" cy="1723549"/>
+          </a:xfrm>
+          <a:prstGeom prst="rect">
+            <a:avLst/>
+          </a:prstGeom>
+          <a:noFill/>
+        </p:spPr>
+        <p:txBody>
+          <a:bodyPr wrap="square" rtlCol="0">
+            <a:spAutoFit/>
+          </a:bodyPr>
+          <a:lstStyle/>
+          <a:p>
+            <a:pPr algn="just"/>
+            <a:r>
+              <a:rPr lang="de-DE" sz="2000" b="1" dirty="0"/>
+              <a:t>Umsetzung</a:t>
+            </a:r>
+          </a:p>
+          <a:p>
+            <a:pPr algn="just"/>
+            <a:r>
+              <a:rPr lang="de-DE" sz="600" dirty="0"/>
+              <a:t> </a:t>
+            </a:r>
+          </a:p>
+          <a:p>
+            <a:pPr algn="just"/>
+            <a:r>
+              <a:rPr lang="de-DE" sz="2000" dirty="0"/>
+              <a:t>Der CO-Warner nutzt den Miniatur-Gassensor BME680  von Bosch. Gesteuert über einen Mikrocontroller soll ab einer CO-Konzentration von 50 ppm die LED in einen schnellen Blink-Modus versetzt werden. Ab 250 ppm soll über den Summer ein Warnsignal erzeugt werden.</a:t>
+            </a:r>
+          </a:p>
+          <a:p>
+            <a:pPr algn="just"/>
+            <a:endParaRPr lang="de-DE" sz="2000" dirty="0"/>
+          </a:p>
+        </p:txBody>
+      </p:sp>
       <p:pic>
         <p:nvPicPr>
           <p:cNvPr id="67" name="Picture 28" descr="https://image.jimcdn.com/app/cms/image/transf/dimension=391x10000:format=png/path/s27aa108ee3a8a9fa/image/i20af4750637fd6b9/version/1567080904/image.png"/>
@@ -10469,7 +10369,7 @@
           <p:nvPr/>
         </p:nvPicPr>
         <p:blipFill>
-          <a:blip r:embed="rId27">
+          <a:blip r:embed="rId26">
             <a:extLst>
               <a:ext uri="{28A0092B-C50C-407E-A947-70E740481C1C}">
                 <a14:useLocalDpi xmlns:a14="http://schemas.microsoft.com/office/drawing/2010/main" val="0"/>
@@ -10483,8 +10383,8 @@
         </p:blipFill>
         <p:spPr bwMode="auto">
           <a:xfrm>
-            <a:off x="24499302" y="34109720"/>
-            <a:ext cx="2695819" cy="1647827"/>
+            <a:off x="23923831" y="33505381"/>
+            <a:ext cx="3266321" cy="1996548"/>
           </a:xfrm>
           <a:prstGeom prst="rect">
             <a:avLst/>
@@ -10503,136 +10403,220 @@
       </p:pic>
       <p:sp>
         <p:nvSpPr>
-          <p:cNvPr id="145" name="Textfeld 144"/>
-          <p:cNvSpPr txBox="1"/>
+          <p:cNvPr id="19" name="Rechteck 18">
+            <a:extLst>
+              <a:ext uri="{FF2B5EF4-FFF2-40B4-BE49-F238E27FC236}">
+                <a16:creationId xmlns:a16="http://schemas.microsoft.com/office/drawing/2014/main" id="{F71EB4D9-043A-432E-BE58-A27B305EDFBF}"/>
+              </a:ext>
+            </a:extLst>
+          </p:cNvPr>
+          <p:cNvSpPr/>
           <p:nvPr/>
         </p:nvSpPr>
         <p:spPr>
           <a:xfrm>
-            <a:off x="16540456" y="33740755"/>
-            <a:ext cx="7958846" cy="2246769"/>
+            <a:off x="9804227" y="24096717"/>
+            <a:ext cx="3354798" cy="2400253"/>
           </a:xfrm>
           <a:prstGeom prst="rect">
             <a:avLst/>
           </a:prstGeom>
-          <a:noFill/>
+          <a:solidFill>
+            <a:schemeClr val="bg1"/>
+          </a:solidFill>
+          <a:ln>
+            <a:solidFill>
+              <a:schemeClr val="tx1"/>
+            </a:solidFill>
+          </a:ln>
         </p:spPr>
-        <p:txBody>
-          <a:bodyPr wrap="square" rtlCol="0">
-            <a:spAutoFit/>
-          </a:bodyPr>
+        <p:style>
+          <a:lnRef idx="2">
+            <a:schemeClr val="accent1">
+              <a:shade val="50000"/>
+            </a:schemeClr>
+          </a:lnRef>
+          <a:fillRef idx="1">
+            <a:schemeClr val="accent1"/>
+          </a:fillRef>
+          <a:effectRef idx="0">
+            <a:schemeClr val="accent1"/>
+          </a:effectRef>
+          <a:fontRef idx="minor">
+            <a:schemeClr val="lt1"/>
+          </a:fontRef>
+        </p:style>
+        <p:txBody>
+          <a:bodyPr rtlCol="0" anchor="ctr"/>
           <a:lstStyle/>
           <a:p>
-            <a:pPr algn="just"/>
-            <a:r>
-              <a:rPr lang="de-DE" sz="2000" b="1" dirty="0" smtClean="0"/>
-              <a:t>      Zielsetzung</a:t>
-            </a:r>
-          </a:p>
-          <a:p>
-            <a:pPr algn="just"/>
-            <a:r>
-              <a:rPr lang="de-DE" sz="2000" dirty="0" smtClean="0"/>
-              <a:t>Ein Schüler hat sich mit der Messung der Kohlenmonoxid-Konzentration in der Innenraumluft und den mit der Aufnahme von Kohlenmonoxid (CO) verbundenen Gefahren beschäftigt. Im Rahmen seines Projekts hat er sich dazu entschieden einen mobilen Kohlenmonoxid Melder zu entwickeln.</a:t>
-            </a:r>
-            <a:endParaRPr lang="de-DE" sz="2000" dirty="0"/>
-          </a:p>
-          <a:p>
-            <a:pPr algn="just"/>
-            <a:endParaRPr lang="de-DE" sz="2000" b="1" dirty="0" smtClean="0"/>
-          </a:p>
-          <a:p>
-            <a:pPr algn="just"/>
-            <a:r>
-              <a:rPr lang="de-DE" sz="2000" b="1" dirty="0" smtClean="0"/>
-              <a:t>Umsetzung</a:t>
-            </a:r>
-          </a:p>
-        </p:txBody>
-      </p:sp>
-      <p:sp>
-        <p:nvSpPr>
-          <p:cNvPr id="147" name="Textfeld 146"/>
-          <p:cNvSpPr txBox="1"/>
+            <a:pPr algn="ctr"/>
+            <a:endParaRPr lang="de-DE"/>
+          </a:p>
+        </p:txBody>
+      </p:sp>
+      <p:sp>
+        <p:nvSpPr>
+          <p:cNvPr id="115" name="Rechteck 114">
+            <a:extLst>
+              <a:ext uri="{FF2B5EF4-FFF2-40B4-BE49-F238E27FC236}">
+                <a16:creationId xmlns:a16="http://schemas.microsoft.com/office/drawing/2014/main" id="{43798406-D3EA-4F44-AA55-169441B05A33}"/>
+              </a:ext>
+            </a:extLst>
+          </p:cNvPr>
+          <p:cNvSpPr/>
           <p:nvPr/>
         </p:nvSpPr>
         <p:spPr>
           <a:xfrm>
-            <a:off x="16537571" y="35883308"/>
-            <a:ext cx="10660553" cy="1631216"/>
+            <a:off x="6921840" y="32273028"/>
+            <a:ext cx="1285462" cy="1938992"/>
           </a:xfrm>
           <a:prstGeom prst="rect">
             <a:avLst/>
           </a:prstGeom>
-          <a:noFill/>
+          <a:solidFill>
+            <a:schemeClr val="bg1"/>
+          </a:solidFill>
+          <a:ln>
+            <a:solidFill>
+              <a:schemeClr val="tx1"/>
+            </a:solidFill>
+          </a:ln>
         </p:spPr>
-        <p:txBody>
-          <a:bodyPr wrap="square" rtlCol="0">
-            <a:spAutoFit/>
-          </a:bodyPr>
+        <p:style>
+          <a:lnRef idx="2">
+            <a:schemeClr val="accent1">
+              <a:shade val="50000"/>
+            </a:schemeClr>
+          </a:lnRef>
+          <a:fillRef idx="1">
+            <a:schemeClr val="accent1"/>
+          </a:fillRef>
+          <a:effectRef idx="0">
+            <a:schemeClr val="accent1"/>
+          </a:effectRef>
+          <a:fontRef idx="minor">
+            <a:schemeClr val="lt1"/>
+          </a:fontRef>
+        </p:style>
+        <p:txBody>
+          <a:bodyPr rtlCol="0" anchor="ctr"/>
           <a:lstStyle/>
           <a:p>
-            <a:pPr algn="just"/>
-            <a:r>
-              <a:rPr lang="de-DE" sz="2000" dirty="0" smtClean="0"/>
-              <a:t>Der CO-Warner nutzt den Miniatur-Gassensor BME680,  der auf das </a:t>
-            </a:r>
-            <a:r>
-              <a:rPr lang="de-DE" sz="2000" dirty="0" err="1" smtClean="0"/>
-              <a:t>Zielgas</a:t>
-            </a:r>
-            <a:r>
-              <a:rPr lang="de-DE" sz="2000" dirty="0" smtClean="0"/>
-              <a:t> CO kalibriert wurde. Gesteuert über einen Mikrocontroller soll ab einer CO-Konzentration von 50 ppm die LED in einen schnellen Blink-Modus versetzt werden. Ab 250 ppm soll über den Summer ein Warnsignal erzeugt werden.</a:t>
-            </a:r>
-          </a:p>
-          <a:p>
-            <a:pPr algn="just"/>
-            <a:endParaRPr lang="de-DE" sz="2000" dirty="0"/>
-          </a:p>
-        </p:txBody>
-      </p:sp>
-      <p:pic>
-        <p:nvPicPr>
-          <p:cNvPr id="1061" name="Picture 37" descr="https://image.jimcdn.com/app/cms/image/transf/dimension=173x10000:format=jpg/path/s27aa108ee3a8a9fa/image/i76cfe0a3f2e44e0a/version/1567069322/image.jpg"/>
-          <p:cNvPicPr>
-            <a:picLocks noChangeAspect="1" noChangeArrowheads="1"/>
-          </p:cNvPicPr>
-          <p:nvPr/>
-        </p:nvPicPr>
-        <p:blipFill>
-          <a:blip r:embed="rId28">
+            <a:pPr algn="ctr"/>
+            <a:endParaRPr lang="de-DE"/>
+          </a:p>
+        </p:txBody>
+      </p:sp>
+      <p:sp>
+        <p:nvSpPr>
+          <p:cNvPr id="116" name="Rechteck 115">
             <a:extLst>
-              <a:ext uri="{28A0092B-C50C-407E-A947-70E740481C1C}">
-                <a14:useLocalDpi xmlns:a14="http://schemas.microsoft.com/office/drawing/2010/main" val="0"/>
+              <a:ext uri="{FF2B5EF4-FFF2-40B4-BE49-F238E27FC236}">
+                <a16:creationId xmlns:a16="http://schemas.microsoft.com/office/drawing/2014/main" id="{C09821F3-BC15-4F87-B341-EDE240728EEC}"/>
               </a:ext>
             </a:extLst>
-          </a:blip>
-          <a:srcRect/>
-          <a:stretch>
-            <a:fillRect/>
-          </a:stretch>
-        </p:blipFill>
-        <p:spPr bwMode="auto">
+          </p:cNvPr>
+          <p:cNvSpPr/>
+          <p:nvPr/>
+        </p:nvSpPr>
+        <p:spPr>
           <a:xfrm>
-            <a:off x="25813459" y="6090318"/>
-            <a:ext cx="1853465" cy="3814067"/>
+            <a:off x="6924866" y="34545752"/>
+            <a:ext cx="1285462" cy="1236603"/>
           </a:xfrm>
           <a:prstGeom prst="rect">
             <a:avLst/>
           </a:prstGeom>
-          <a:noFill/>
-          <a:extLst>
-            <a:ext uri="{909E8E84-426E-40DD-AFC4-6F175D3DCCD1}">
-              <a14:hiddenFill xmlns:a14="http://schemas.microsoft.com/office/drawing/2010/main">
-                <a:solidFill>
-                  <a:srgbClr val="FFFFFF"/>
-                </a:solidFill>
-              </a14:hiddenFill>
-            </a:ext>
-          </a:extLst>
+          <a:solidFill>
+            <a:schemeClr val="bg1"/>
+          </a:solidFill>
+          <a:ln>
+            <a:solidFill>
+              <a:schemeClr val="tx1"/>
+            </a:solidFill>
+          </a:ln>
         </p:spPr>
-      </p:pic>
+        <p:style>
+          <a:lnRef idx="2">
+            <a:schemeClr val="accent1">
+              <a:shade val="50000"/>
+            </a:schemeClr>
+          </a:lnRef>
+          <a:fillRef idx="1">
+            <a:schemeClr val="accent1"/>
+          </a:fillRef>
+          <a:effectRef idx="0">
+            <a:schemeClr val="accent1"/>
+          </a:effectRef>
+          <a:fontRef idx="minor">
+            <a:schemeClr val="lt1"/>
+          </a:fontRef>
+        </p:style>
+        <p:txBody>
+          <a:bodyPr rtlCol="0" anchor="ctr"/>
+          <a:lstStyle/>
+          <a:p>
+            <a:pPr algn="ctr"/>
+            <a:endParaRPr lang="de-DE"/>
+          </a:p>
+        </p:txBody>
+      </p:sp>
+      <p:sp>
+        <p:nvSpPr>
+          <p:cNvPr id="20" name="Rechteck 19">
+            <a:extLst>
+              <a:ext uri="{FF2B5EF4-FFF2-40B4-BE49-F238E27FC236}">
+                <a16:creationId xmlns:a16="http://schemas.microsoft.com/office/drawing/2014/main" id="{4AA437C5-5A53-46AA-81A7-3D16E705D575}"/>
+              </a:ext>
+            </a:extLst>
+          </p:cNvPr>
+          <p:cNvSpPr/>
+          <p:nvPr/>
+        </p:nvSpPr>
+        <p:spPr>
+          <a:xfrm>
+            <a:off x="11167093" y="34500325"/>
+            <a:ext cx="762943" cy="2068379"/>
+          </a:xfrm>
+          <a:prstGeom prst="rect">
+            <a:avLst/>
+          </a:prstGeom>
+          <a:solidFill>
+            <a:schemeClr val="bg1"/>
+          </a:solidFill>
+          <a:ln>
+            <a:solidFill>
+              <a:schemeClr val="tx1"/>
+            </a:solidFill>
+          </a:ln>
+        </p:spPr>
+        <p:style>
+          <a:lnRef idx="2">
+            <a:schemeClr val="accent1">
+              <a:shade val="50000"/>
+            </a:schemeClr>
+          </a:lnRef>
+          <a:fillRef idx="1">
+            <a:schemeClr val="accent1"/>
+          </a:fillRef>
+          <a:effectRef idx="0">
+            <a:schemeClr val="accent1"/>
+          </a:effectRef>
+          <a:fontRef idx="minor">
+            <a:schemeClr val="lt1"/>
+          </a:fontRef>
+        </p:style>
+        <p:txBody>
+          <a:bodyPr rtlCol="0" anchor="ctr"/>
+          <a:lstStyle/>
+          <a:p>
+            <a:pPr algn="ctr"/>
+            <a:endParaRPr lang="de-DE" dirty="0"/>
+          </a:p>
+        </p:txBody>
+      </p:sp>
     </p:spTree>
     <p:extLst>
       <p:ext uri="{BB962C8B-B14F-4D97-AF65-F5344CB8AC3E}">

--- a/Poster Doktorandentag.pptx
+++ b/Poster Doktorandentag.pptx
@@ -6817,7 +6817,7 @@
         </p:nvSpPr>
         <p:spPr>
           <a:xfrm>
-            <a:off x="2379145" y="10383416"/>
+            <a:off x="2379145" y="10485293"/>
             <a:ext cx="11986689" cy="1261884"/>
           </a:xfrm>
           <a:prstGeom prst="rect">
@@ -7708,8 +7708,8 @@
         </p:nvSpPr>
         <p:spPr>
           <a:xfrm>
-            <a:off x="2711044" y="11628806"/>
-            <a:ext cx="11255911" cy="6779307"/>
+            <a:off x="2693818" y="11758501"/>
+            <a:ext cx="11255911" cy="6586218"/>
           </a:xfrm>
           <a:prstGeom prst="rect">
             <a:avLst/>
@@ -7740,76 +7740,6 @@
           <a:p>
             <a:pPr algn="ctr"/>
             <a:endParaRPr lang="de-DE"/>
-          </a:p>
-        </p:txBody>
-      </p:sp>
-      <p:sp>
-        <p:nvSpPr>
-          <p:cNvPr id="133" name="Textfeld 132"/>
-          <p:cNvSpPr txBox="1"/>
-          <p:nvPr/>
-        </p:nvSpPr>
-        <p:spPr>
-          <a:xfrm>
-            <a:off x="2849604" y="11749423"/>
-            <a:ext cx="6504217" cy="3154710"/>
-          </a:xfrm>
-          <a:prstGeom prst="rect">
-            <a:avLst/>
-          </a:prstGeom>
-          <a:noFill/>
-        </p:spPr>
-        <p:txBody>
-          <a:bodyPr wrap="square" rtlCol="0">
-            <a:spAutoFit/>
-          </a:bodyPr>
-          <a:lstStyle/>
-          <a:p>
-            <a:pPr algn="ctr"/>
-            <a:r>
-              <a:rPr lang="de-DE" sz="2800" b="1" dirty="0">
-                <a:effectLst/>
-              </a:rPr>
-              <a:t>Aufbau des Moduls</a:t>
-            </a:r>
-          </a:p>
-          <a:p>
-            <a:pPr algn="ctr"/>
-            <a:endParaRPr lang="de-DE" sz="1100" dirty="0">
-              <a:effectLst/>
-            </a:endParaRPr>
-          </a:p>
-          <a:p>
-            <a:pPr algn="just"/>
-            <a:r>
-              <a:rPr lang="de-DE" sz="2000" dirty="0">
-                <a:effectLst/>
-              </a:rPr>
-              <a:t>Das erste Modul bietet einen Einstieg in die Grundlagen der Halbleiter - Gasmesstechnik. </a:t>
-            </a:r>
-          </a:p>
-          <a:p>
-            <a:pPr algn="just"/>
-            <a:r>
-              <a:rPr lang="de-DE" sz="2000" dirty="0"/>
-              <a:t>Die Schüler*innen untersuchen die </a:t>
-            </a:r>
-            <a:r>
-              <a:rPr lang="de-DE" sz="2000" b="1" dirty="0"/>
-              <a:t>Sensorreaktion</a:t>
-            </a:r>
-            <a:r>
-              <a:rPr lang="de-DE" sz="2000" dirty="0"/>
-              <a:t> bei Anwesenheit von einer mit Wasser, alkoholfreiem Bier und Apfelsaft gesättigten Atmosphäre. Abhängig von der </a:t>
-            </a:r>
-            <a:r>
-              <a:rPr lang="de-DE" sz="2000" b="1" dirty="0"/>
-              <a:t>Sensortemperatur</a:t>
-            </a:r>
-            <a:r>
-              <a:rPr lang="de-DE" sz="2000" dirty="0"/>
-              <a:t> sorgen unterschiedliche Prozesse auf der Oberfläche des Sensors für einen typischen parabelförmigen Verlauf.</a:t>
-            </a:r>
           </a:p>
         </p:txBody>
       </p:sp>
@@ -8248,8 +8178,8 @@
         </p:nvSpPr>
         <p:spPr>
           <a:xfrm>
-            <a:off x="2950162" y="24920039"/>
-            <a:ext cx="6262492" cy="1938992"/>
+            <a:off x="2952956" y="24920039"/>
+            <a:ext cx="6259697" cy="1938992"/>
           </a:xfrm>
           <a:prstGeom prst="rect">
             <a:avLst/>
@@ -8314,8 +8244,8 @@
         </p:nvSpPr>
         <p:spPr>
           <a:xfrm>
-            <a:off x="2972532" y="26782626"/>
-            <a:ext cx="10778067" cy="1323439"/>
+            <a:off x="2952956" y="26750633"/>
+            <a:ext cx="10810394" cy="1323439"/>
           </a:xfrm>
           <a:prstGeom prst="rect">
             <a:avLst/>
@@ -9290,8 +9220,8 @@
         </p:nvSpPr>
         <p:spPr>
           <a:xfrm>
-            <a:off x="16157367" y="11670523"/>
-            <a:ext cx="11218208" cy="3553171"/>
+            <a:off x="16157367" y="11758501"/>
+            <a:ext cx="11218208" cy="3465194"/>
           </a:xfrm>
           <a:prstGeom prst="rect">
             <a:avLst/>
@@ -9389,7 +9319,7 @@
         </p:blipFill>
         <p:spPr bwMode="auto">
           <a:xfrm>
-            <a:off x="24293875" y="11754146"/>
+            <a:off x="24296571" y="11812444"/>
             <a:ext cx="2396174" cy="1479769"/>
           </a:xfrm>
           <a:prstGeom prst="rect">
@@ -9421,7 +9351,7 @@
         </p:blipFill>
         <p:spPr>
           <a:xfrm>
-            <a:off x="23790711" y="13337617"/>
+            <a:off x="23811670" y="13363837"/>
             <a:ext cx="1576900" cy="1714590"/>
           </a:xfrm>
           <a:prstGeom prst="rect">
@@ -10614,6 +10544,76 @@
           <a:p>
             <a:pPr algn="ctr"/>
             <a:endParaRPr lang="de-DE" dirty="0"/>
+          </a:p>
+        </p:txBody>
+      </p:sp>
+      <p:sp>
+        <p:nvSpPr>
+          <p:cNvPr id="133" name="Textfeld 132"/>
+          <p:cNvSpPr txBox="1"/>
+          <p:nvPr/>
+        </p:nvSpPr>
+        <p:spPr>
+          <a:xfrm>
+            <a:off x="2830695" y="11827382"/>
+            <a:ext cx="6504217" cy="3154710"/>
+          </a:xfrm>
+          <a:prstGeom prst="rect">
+            <a:avLst/>
+          </a:prstGeom>
+          <a:noFill/>
+        </p:spPr>
+        <p:txBody>
+          <a:bodyPr wrap="square" rtlCol="0">
+            <a:spAutoFit/>
+          </a:bodyPr>
+          <a:lstStyle/>
+          <a:p>
+            <a:pPr algn="ctr"/>
+            <a:r>
+              <a:rPr lang="de-DE" sz="2800" b="1" dirty="0">
+                <a:effectLst/>
+              </a:rPr>
+              <a:t>Aufbau des Moduls</a:t>
+            </a:r>
+          </a:p>
+          <a:p>
+            <a:pPr algn="ctr"/>
+            <a:endParaRPr lang="de-DE" sz="1100" dirty="0">
+              <a:effectLst/>
+            </a:endParaRPr>
+          </a:p>
+          <a:p>
+            <a:pPr algn="just"/>
+            <a:r>
+              <a:rPr lang="de-DE" sz="2000" dirty="0">
+                <a:effectLst/>
+              </a:rPr>
+              <a:t>Das erste Modul bietet einen Einstieg in die Grundlagen der Halbleiter - Gasmesstechnik. </a:t>
+            </a:r>
+          </a:p>
+          <a:p>
+            <a:pPr algn="just"/>
+            <a:r>
+              <a:rPr lang="de-DE" sz="2000" dirty="0"/>
+              <a:t>Die Schüler*innen untersuchen die </a:t>
+            </a:r>
+            <a:r>
+              <a:rPr lang="de-DE" sz="2000" b="1" dirty="0"/>
+              <a:t>Sensorreaktion</a:t>
+            </a:r>
+            <a:r>
+              <a:rPr lang="de-DE" sz="2000" dirty="0"/>
+              <a:t> bei Anwesenheit von einer mit Wasser, alkoholfreiem Bier und Apfelsaft gesättigten Atmosphäre. Abhängig von der </a:t>
+            </a:r>
+            <a:r>
+              <a:rPr lang="de-DE" sz="2000" b="1" dirty="0"/>
+              <a:t>Sensortemperatur</a:t>
+            </a:r>
+            <a:r>
+              <a:rPr lang="de-DE" sz="2000" dirty="0"/>
+              <a:t> sorgen unterschiedliche Prozesse auf der Oberfläche des Sensors für einen typischen parabelförmigen Verlauf.</a:t>
+            </a:r>
           </a:p>
         </p:txBody>
       </p:sp>

--- a/Poster Doktorandentag.pptx
+++ b/Poster Doktorandentag.pptx
@@ -3757,7 +3757,7 @@
           <a:p>
             <a:fld id="{97D3E074-0CB5-4F37-8241-C03793FE3BFA}" type="datetimeFigureOut">
               <a:rPr lang="de-DE" smtClean="0"/>
-              <a:t>18.10.2019</a:t>
+              <a:t>19.10.2019</a:t>
             </a:fld>
             <a:endParaRPr lang="de-DE" dirty="0"/>
           </a:p>
@@ -3925,7 +3925,7 @@
           <a:p>
             <a:fld id="{97D3E074-0CB5-4F37-8241-C03793FE3BFA}" type="datetimeFigureOut">
               <a:rPr lang="de-DE" smtClean="0"/>
-              <a:t>18.10.2019</a:t>
+              <a:t>19.10.2019</a:t>
             </a:fld>
             <a:endParaRPr lang="de-DE" dirty="0"/>
           </a:p>
@@ -4103,7 +4103,7 @@
           <a:p>
             <a:fld id="{97D3E074-0CB5-4F37-8241-C03793FE3BFA}" type="datetimeFigureOut">
               <a:rPr lang="de-DE" smtClean="0"/>
-              <a:t>18.10.2019</a:t>
+              <a:t>19.10.2019</a:t>
             </a:fld>
             <a:endParaRPr lang="de-DE" dirty="0"/>
           </a:p>
@@ -4271,7 +4271,7 @@
           <a:p>
             <a:fld id="{97D3E074-0CB5-4F37-8241-C03793FE3BFA}" type="datetimeFigureOut">
               <a:rPr lang="de-DE" smtClean="0"/>
-              <a:t>18.10.2019</a:t>
+              <a:t>19.10.2019</a:t>
             </a:fld>
             <a:endParaRPr lang="de-DE" dirty="0"/>
           </a:p>
@@ -4516,7 +4516,7 @@
           <a:p>
             <a:fld id="{97D3E074-0CB5-4F37-8241-C03793FE3BFA}" type="datetimeFigureOut">
               <a:rPr lang="de-DE" smtClean="0"/>
-              <a:t>18.10.2019</a:t>
+              <a:t>19.10.2019</a:t>
             </a:fld>
             <a:endParaRPr lang="de-DE" dirty="0"/>
           </a:p>
@@ -4801,7 +4801,7 @@
           <a:p>
             <a:fld id="{97D3E074-0CB5-4F37-8241-C03793FE3BFA}" type="datetimeFigureOut">
               <a:rPr lang="de-DE" smtClean="0"/>
-              <a:t>18.10.2019</a:t>
+              <a:t>19.10.2019</a:t>
             </a:fld>
             <a:endParaRPr lang="de-DE" dirty="0"/>
           </a:p>
@@ -5220,7 +5220,7 @@
           <a:p>
             <a:fld id="{97D3E074-0CB5-4F37-8241-C03793FE3BFA}" type="datetimeFigureOut">
               <a:rPr lang="de-DE" smtClean="0"/>
-              <a:t>18.10.2019</a:t>
+              <a:t>19.10.2019</a:t>
             </a:fld>
             <a:endParaRPr lang="de-DE" dirty="0"/>
           </a:p>
@@ -5337,7 +5337,7 @@
           <a:p>
             <a:fld id="{97D3E074-0CB5-4F37-8241-C03793FE3BFA}" type="datetimeFigureOut">
               <a:rPr lang="de-DE" smtClean="0"/>
-              <a:t>18.10.2019</a:t>
+              <a:t>19.10.2019</a:t>
             </a:fld>
             <a:endParaRPr lang="de-DE" dirty="0"/>
           </a:p>
@@ -5432,7 +5432,7 @@
           <a:p>
             <a:fld id="{97D3E074-0CB5-4F37-8241-C03793FE3BFA}" type="datetimeFigureOut">
               <a:rPr lang="de-DE" smtClean="0"/>
-              <a:t>18.10.2019</a:t>
+              <a:t>19.10.2019</a:t>
             </a:fld>
             <a:endParaRPr lang="de-DE" dirty="0"/>
           </a:p>
@@ -5707,7 +5707,7 @@
           <a:p>
             <a:fld id="{97D3E074-0CB5-4F37-8241-C03793FE3BFA}" type="datetimeFigureOut">
               <a:rPr lang="de-DE" smtClean="0"/>
-              <a:t>18.10.2019</a:t>
+              <a:t>19.10.2019</a:t>
             </a:fld>
             <a:endParaRPr lang="de-DE" dirty="0"/>
           </a:p>
@@ -5959,7 +5959,7 @@
           <a:p>
             <a:fld id="{97D3E074-0CB5-4F37-8241-C03793FE3BFA}" type="datetimeFigureOut">
               <a:rPr lang="de-DE" smtClean="0"/>
-              <a:t>18.10.2019</a:t>
+              <a:t>19.10.2019</a:t>
             </a:fld>
             <a:endParaRPr lang="de-DE" dirty="0"/>
           </a:p>
@@ -6188,7 +6188,7 @@
           <a:p>
             <a:fld id="{97D3E074-0CB5-4F37-8241-C03793FE3BFA}" type="datetimeFigureOut">
               <a:rPr lang="de-DE" smtClean="0"/>
-              <a:t>18.10.2019</a:t>
+              <a:t>19.10.2019</a:t>
             </a:fld>
             <a:endParaRPr lang="de-DE" dirty="0"/>
           </a:p>
@@ -7269,7 +7269,7 @@
           <a:p>
             <a:pPr algn="just"/>
             <a:r>
-              <a:rPr lang="de-DE" sz="2800" dirty="0" err="1">
+              <a:rPr lang="de-DE" sz="2800" b="1" dirty="0" err="1">
                 <a:effectLst/>
               </a:rPr>
               <a:t>SUSmobil</a:t>
@@ -7278,7 +7278,43 @@
               <a:rPr lang="de-DE" sz="2800" dirty="0">
                 <a:effectLst/>
               </a:rPr>
-              <a:t> steht für „Schülerumweltstudien mit mobilen Messgeräten“ und verfolgt das Ziel, Schülerinnen und Schüler zu motivieren eigene Umweltfragestellungen zu entwerfen und mit professioneller Hilfe zu beantworten. Damit sie dabei nicht nur als Datensammler agieren, bietet das Projekt die Möglichkeit </a:t>
+              <a:t> steht für „Schülerumweltstudien mit mobilen Messgeräten“ und verfolgt das Ziel, Schülerinnen und Schüler zu motivieren </a:t>
+            </a:r>
+            <a:r>
+              <a:rPr lang="de-DE" sz="2800" b="1" dirty="0">
+                <a:effectLst/>
+              </a:rPr>
+              <a:t>eigene</a:t>
+            </a:r>
+            <a:r>
+              <a:rPr lang="de-DE" sz="2800" dirty="0">
+                <a:effectLst/>
+              </a:rPr>
+              <a:t> </a:t>
+            </a:r>
+            <a:r>
+              <a:rPr lang="de-DE" sz="2800" b="1" dirty="0">
+                <a:effectLst/>
+              </a:rPr>
+              <a:t>Umweltfragestellungen</a:t>
+            </a:r>
+            <a:r>
+              <a:rPr lang="de-DE" sz="2800" dirty="0">
+                <a:effectLst/>
+              </a:rPr>
+              <a:t> zu entwerfen und mit professioneller Hilfe zu beantworten. Damit sie dabei nicht </a:t>
+            </a:r>
+            <a:r>
+              <a:rPr lang="de-DE" sz="2800" b="1" dirty="0">
+                <a:effectLst/>
+              </a:rPr>
+              <a:t>nur als Datensammler</a:t>
+            </a:r>
+            <a:r>
+              <a:rPr lang="de-DE" sz="2800" dirty="0">
+                <a:effectLst/>
+              </a:rPr>
+              <a:t> agieren, bietet das Projekt die Möglichkeit </a:t>
             </a:r>
             <a:r>
               <a:rPr lang="de-DE" sz="2800" dirty="0"/>
@@ -7861,8 +7897,8 @@
         </p:blipFill>
         <p:spPr bwMode="auto">
           <a:xfrm>
-            <a:off x="9660155" y="15071919"/>
-            <a:ext cx="4135198" cy="2910198"/>
+            <a:off x="9481682" y="15016612"/>
+            <a:ext cx="4325206" cy="3117253"/>
           </a:xfrm>
           <a:prstGeom prst="rect">
             <a:avLst/>
@@ -8082,7 +8118,7 @@
         </p:blipFill>
         <p:spPr bwMode="auto">
           <a:xfrm>
-            <a:off x="10231581" y="19771356"/>
+            <a:off x="10557300" y="19860508"/>
             <a:ext cx="2565602" cy="2469673"/>
           </a:xfrm>
           <a:prstGeom prst="rect">
@@ -9565,15 +9601,7 @@
             <a:pPr algn="just"/>
             <a:r>
               <a:rPr lang="de-DE" sz="2000" dirty="0"/>
-              <a:t>In Zusammenarbeit  mit   dem   Landesverband   saar- </a:t>
-            </a:r>
-            <a:r>
-              <a:rPr lang="de-DE" sz="2000" dirty="0" err="1"/>
-              <a:t>ländischer</a:t>
-            </a:r>
-            <a:r>
-              <a:rPr lang="de-DE" sz="2000" dirty="0"/>
-              <a:t> Imker, wurde ein „Jugend forscht“-Projekt zur Untersuchung von Bienenstöcken auf Gase, Temperatur, Luftfeuchte und Luftdruck entwickelt. Schülerinnen und Schülern wird dabei die Möglichkeit geboten, an einem authentischen und hochaktuellen Kontext wissenschaftlich zu arbeiten, indem Daten aufgenommen, ausgewertet und interpretiert werden müssen. </a:t>
+              <a:t>In Zusammenarbeit  mit   dem   Landesverband   saarländischer Imker, wurde ein „Jugend forscht“-Projekt zur Untersuchung von Bienenstöcken auf Gase, Temperatur, Luftfeuchte und Luftdruck entwickelt. Schülerinnen und Schülern wird dabei die Möglichkeit geboten, an einem authentischen und hochaktuellen Kontext wissenschaftlich zu arbeiten, indem Daten aufgenommen, ausgewertet und interpretiert werden müssen. </a:t>
             </a:r>
           </a:p>
           <a:p>
@@ -9775,8 +9803,8 @@
         </p:blipFill>
         <p:spPr bwMode="auto">
           <a:xfrm>
-            <a:off x="23789301" y="22966628"/>
-            <a:ext cx="3405322" cy="2553992"/>
+            <a:off x="23680514" y="22928875"/>
+            <a:ext cx="3500059" cy="2676001"/>
           </a:xfrm>
           <a:prstGeom prst="rect">
             <a:avLst/>
@@ -9969,8 +9997,8 @@
         </p:blipFill>
         <p:spPr bwMode="auto">
           <a:xfrm>
-            <a:off x="23746054" y="26864314"/>
-            <a:ext cx="3368980" cy="2174725"/>
+            <a:off x="23537233" y="27165600"/>
+            <a:ext cx="3490240" cy="2253000"/>
           </a:xfrm>
           <a:prstGeom prst="rect">
             <a:avLst/>
@@ -10127,23 +10155,31 @@
             </a:r>
             <a:r>
               <a:rPr lang="de-DE" sz="2800" dirty="0"/>
-              <a:t>“, also „nahtlos“, stattfinden kann und nicht nur auf den Klassenraum oder Hörsaal begrenzt bleibt.  Mobile Technologie fungiert dabei als Mediator eines solchen Lernprozesses im Sinne des Ansatzes von „Mobile </a:t>
-            </a:r>
-            <a:r>
-              <a:rPr lang="de-DE" sz="2800" dirty="0" err="1"/>
+              <a:t>“, also „nahtlos“, stattfinden kann und nicht nur auf den Klassenraum oder Hörsaal begrenzt bleibt.  Mobile Technologie fungiert dabei als Mediator eines solchen Lernprozesses im Sinne des Ansatzes von </a:t>
+            </a:r>
+            <a:r>
+              <a:rPr lang="de-DE" sz="2800" b="1" dirty="0"/>
+              <a:t>„Mobile </a:t>
+            </a:r>
+            <a:r>
+              <a:rPr lang="de-DE" sz="2800" b="1" dirty="0" err="1"/>
               <a:t>Assisted</a:t>
             </a:r>
             <a:r>
+              <a:rPr lang="de-DE" sz="2800" b="1" dirty="0"/>
+              <a:t> </a:t>
+            </a:r>
+            <a:r>
+              <a:rPr lang="de-DE" sz="2800" b="1" dirty="0" err="1"/>
+              <a:t>Seamless</a:t>
+            </a:r>
+            <a:r>
+              <a:rPr lang="de-DE" sz="2800" b="1" dirty="0"/>
+              <a:t> Learning“</a:t>
+            </a:r>
+            <a:r>
               <a:rPr lang="de-DE" sz="2800" dirty="0"/>
-              <a:t> </a:t>
-            </a:r>
-            <a:r>
-              <a:rPr lang="de-DE" sz="2800" dirty="0" err="1"/>
-              <a:t>Seamless</a:t>
-            </a:r>
-            <a:r>
-              <a:rPr lang="de-DE" sz="2800" dirty="0"/>
-              <a:t> Learning“.</a:t>
+              <a:t>.</a:t>
             </a:r>
           </a:p>
         </p:txBody>
@@ -10313,8 +10349,8 @@
         </p:blipFill>
         <p:spPr bwMode="auto">
           <a:xfrm>
-            <a:off x="23923831" y="33505381"/>
-            <a:ext cx="3266321" cy="1996548"/>
+            <a:off x="23649192" y="33562017"/>
+            <a:ext cx="3378281" cy="1996548"/>
           </a:xfrm>
           <a:prstGeom prst="rect">
             <a:avLst/>
@@ -10345,8 +10381,8 @@
         </p:nvSpPr>
         <p:spPr>
           <a:xfrm>
-            <a:off x="9804227" y="24096717"/>
-            <a:ext cx="3354798" cy="2400253"/>
+            <a:off x="9334912" y="24096717"/>
+            <a:ext cx="4309029" cy="2400253"/>
           </a:xfrm>
           <a:prstGeom prst="rect">
             <a:avLst/>

--- a/Poster Doktorandentag.pptx
+++ b/Poster Doktorandentag.pptx
@@ -7802,8 +7802,8 @@
         </p:blipFill>
         <p:spPr bwMode="auto">
           <a:xfrm>
-            <a:off x="9465452" y="11871126"/>
-            <a:ext cx="4325207" cy="2911197"/>
+            <a:off x="9417988" y="11871127"/>
+            <a:ext cx="4215483" cy="2837344"/>
           </a:xfrm>
           <a:prstGeom prst="rect">
             <a:avLst/>
@@ -7843,7 +7843,7 @@
         </p:blipFill>
         <p:spPr bwMode="auto">
           <a:xfrm>
-            <a:off x="3084410" y="14836614"/>
+            <a:off x="7701218" y="14800716"/>
             <a:ext cx="5483101" cy="2197028"/>
           </a:xfrm>
           <a:prstGeom prst="rect">
@@ -7897,8 +7897,8 @@
         </p:blipFill>
         <p:spPr bwMode="auto">
           <a:xfrm>
-            <a:off x="9481682" y="15016612"/>
-            <a:ext cx="4325206" cy="3117253"/>
+            <a:off x="2783329" y="14944036"/>
+            <a:ext cx="4251501" cy="3064132"/>
           </a:xfrm>
           <a:prstGeom prst="rect">
             <a:avLst/>
@@ -7936,8 +7936,8 @@
         </p:nvSpPr>
         <p:spPr>
           <a:xfrm>
-            <a:off x="2849604" y="17209889"/>
-            <a:ext cx="6312827" cy="1015663"/>
+            <a:off x="6924866" y="17132354"/>
+            <a:ext cx="6719075" cy="1015663"/>
           </a:xfrm>
           <a:prstGeom prst="rect">
             <a:avLst/>
